--- a/13-svg-filter1/svg-filter-1.pptx
+++ b/13-svg-filter1/svg-filter-1.pptx
@@ -5,27 +5,25 @@
     <p:sldMasterId id="2147483648" r:id="rId1"/>
   </p:sldMasterIdLst>
   <p:notesMasterIdLst>
-    <p:notesMasterId r:id="rId20"/>
+    <p:notesMasterId r:id="rId18"/>
   </p:notesMasterIdLst>
   <p:sldIdLst>
     <p:sldId id="256" r:id="rId2"/>
     <p:sldId id="257" r:id="rId3"/>
     <p:sldId id="258" r:id="rId4"/>
     <p:sldId id="369" r:id="rId5"/>
-    <p:sldId id="434" r:id="rId6"/>
-    <p:sldId id="435" r:id="rId7"/>
-    <p:sldId id="436" r:id="rId8"/>
-    <p:sldId id="438" r:id="rId9"/>
-    <p:sldId id="437" r:id="rId10"/>
-    <p:sldId id="439" r:id="rId11"/>
-    <p:sldId id="440" r:id="rId12"/>
-    <p:sldId id="441" r:id="rId13"/>
-    <p:sldId id="442" r:id="rId14"/>
-    <p:sldId id="443" r:id="rId15"/>
-    <p:sldId id="444" r:id="rId16"/>
-    <p:sldId id="445" r:id="rId17"/>
-    <p:sldId id="446" r:id="rId18"/>
-    <p:sldId id="345" r:id="rId19"/>
+    <p:sldId id="448" r:id="rId6"/>
+    <p:sldId id="449" r:id="rId7"/>
+    <p:sldId id="450" r:id="rId8"/>
+    <p:sldId id="452" r:id="rId9"/>
+    <p:sldId id="451" r:id="rId10"/>
+    <p:sldId id="453" r:id="rId11"/>
+    <p:sldId id="457" r:id="rId12"/>
+    <p:sldId id="454" r:id="rId13"/>
+    <p:sldId id="455" r:id="rId14"/>
+    <p:sldId id="456" r:id="rId15"/>
+    <p:sldId id="441" r:id="rId16"/>
+    <p:sldId id="345" r:id="rId17"/>
   </p:sldIdLst>
   <p:sldSz cx="9144000" cy="6858000" type="screen4x3"/>
   <p:notesSz cx="6858000" cy="9144000"/>
@@ -126,7 +124,7 @@
   </p:defaultTextStyle>
   <p:extLst>
     <p:ext uri="{EFAFB233-063F-42B5-8137-9DF3F51BA10A}">
-      <p15:sldGuideLst xmlns:p15="http://schemas.microsoft.com/office/powerpoint/2012/main">
+      <p15:sldGuideLst xmlns:p15="http://schemas.microsoft.com/office/powerpoint/2012/main" xmlns="">
         <p15:guide id="1" orient="horz" pos="2160">
           <p15:clr>
             <a:srgbClr val="A4A3A4"/>
@@ -225,7 +223,7 @@
           <a:p>
             <a:fld id="{918C987C-5DAD-4601-B625-55A3208473B0}" type="datetimeFigureOut">
               <a:rPr lang="zh-CN" altLang="en-US" smtClean="0"/>
-              <a:t>2018/7/15</a:t>
+              <a:t>2018/7/25</a:t>
             </a:fld>
             <a:endParaRPr lang="zh-CN" altLang="en-US"/>
           </a:p>
@@ -558,7 +556,7 @@
           <a:p>
             <a:fld id="{AB6F2BC2-E7C7-4DAF-AC38-C7272999FEC3}" type="slidenum">
               <a:rPr lang="zh-CN" altLang="en-US" smtClean="0"/>
-              <a:t>12</a:t>
+              <a:t>15</a:t>
             </a:fld>
             <a:endParaRPr lang="zh-CN" altLang="en-US"/>
           </a:p>
@@ -568,342 +566,6 @@
     <p:extLst>
       <p:ext uri="{BB962C8B-B14F-4D97-AF65-F5344CB8AC3E}">
         <p14:creationId xmlns:p14="http://schemas.microsoft.com/office/powerpoint/2010/main" val="461137924"/>
-      </p:ext>
-    </p:extLst>
-  </p:cSld>
-  <p:clrMapOvr>
-    <a:masterClrMapping/>
-  </p:clrMapOvr>
-</p:notes>
-</file>
-
-<file path=ppt/notesSlides/notesSlide2.xml><?xml version="1.0" encoding="utf-8"?>
-<p:notes xmlns:a="http://schemas.openxmlformats.org/drawingml/2006/main" xmlns:r="http://schemas.openxmlformats.org/officeDocument/2006/relationships" xmlns:p="http://schemas.openxmlformats.org/presentationml/2006/main">
-  <p:cSld>
-    <p:spTree>
-      <p:nvGrpSpPr>
-        <p:cNvPr id="1" name=""/>
-        <p:cNvGrpSpPr/>
-        <p:nvPr/>
-      </p:nvGrpSpPr>
-      <p:grpSpPr>
-        <a:xfrm>
-          <a:off x="0" y="0"/>
-          <a:ext cx="0" cy="0"/>
-          <a:chOff x="0" y="0"/>
-          <a:chExt cx="0" cy="0"/>
-        </a:xfrm>
-      </p:grpSpPr>
-      <p:sp>
-        <p:nvSpPr>
-          <p:cNvPr id="2" name="幻灯片图像占位符 1"/>
-          <p:cNvSpPr>
-            <a:spLocks noGrp="1" noRot="1" noChangeAspect="1"/>
-          </p:cNvSpPr>
-          <p:nvPr>
-            <p:ph type="sldImg"/>
-          </p:nvPr>
-        </p:nvSpPr>
-        <p:spPr/>
-      </p:sp>
-      <p:sp>
-        <p:nvSpPr>
-          <p:cNvPr id="3" name="备注占位符 2"/>
-          <p:cNvSpPr>
-            <a:spLocks noGrp="1"/>
-          </p:cNvSpPr>
-          <p:nvPr>
-            <p:ph type="body" idx="1"/>
-          </p:nvPr>
-        </p:nvSpPr>
-        <p:spPr/>
-        <p:txBody>
-          <a:bodyPr/>
-          <a:lstStyle/>
-          <a:p>
-            <a:endParaRPr lang="zh-CN" altLang="en-US" dirty="0"/>
-          </a:p>
-        </p:txBody>
-      </p:sp>
-      <p:sp>
-        <p:nvSpPr>
-          <p:cNvPr id="4" name="灯片编号占位符 3"/>
-          <p:cNvSpPr>
-            <a:spLocks noGrp="1"/>
-          </p:cNvSpPr>
-          <p:nvPr>
-            <p:ph type="sldNum" sz="quarter" idx="10"/>
-          </p:nvPr>
-        </p:nvSpPr>
-        <p:spPr/>
-        <p:txBody>
-          <a:bodyPr/>
-          <a:lstStyle/>
-          <a:p>
-            <a:fld id="{AB6F2BC2-E7C7-4DAF-AC38-C7272999FEC3}" type="slidenum">
-              <a:rPr lang="zh-CN" altLang="en-US" smtClean="0"/>
-              <a:t>13</a:t>
-            </a:fld>
-            <a:endParaRPr lang="zh-CN" altLang="en-US"/>
-          </a:p>
-        </p:txBody>
-      </p:sp>
-    </p:spTree>
-    <p:extLst>
-      <p:ext uri="{BB962C8B-B14F-4D97-AF65-F5344CB8AC3E}">
-        <p14:creationId xmlns:p14="http://schemas.microsoft.com/office/powerpoint/2010/main" val="2071173082"/>
-      </p:ext>
-    </p:extLst>
-  </p:cSld>
-  <p:clrMapOvr>
-    <a:masterClrMapping/>
-  </p:clrMapOvr>
-</p:notes>
-</file>
-
-<file path=ppt/notesSlides/notesSlide3.xml><?xml version="1.0" encoding="utf-8"?>
-<p:notes xmlns:a="http://schemas.openxmlformats.org/drawingml/2006/main" xmlns:r="http://schemas.openxmlformats.org/officeDocument/2006/relationships" xmlns:p="http://schemas.openxmlformats.org/presentationml/2006/main">
-  <p:cSld>
-    <p:spTree>
-      <p:nvGrpSpPr>
-        <p:cNvPr id="1" name=""/>
-        <p:cNvGrpSpPr/>
-        <p:nvPr/>
-      </p:nvGrpSpPr>
-      <p:grpSpPr>
-        <a:xfrm>
-          <a:off x="0" y="0"/>
-          <a:ext cx="0" cy="0"/>
-          <a:chOff x="0" y="0"/>
-          <a:chExt cx="0" cy="0"/>
-        </a:xfrm>
-      </p:grpSpPr>
-      <p:sp>
-        <p:nvSpPr>
-          <p:cNvPr id="2" name="幻灯片图像占位符 1"/>
-          <p:cNvSpPr>
-            <a:spLocks noGrp="1" noRot="1" noChangeAspect="1"/>
-          </p:cNvSpPr>
-          <p:nvPr>
-            <p:ph type="sldImg"/>
-          </p:nvPr>
-        </p:nvSpPr>
-        <p:spPr/>
-      </p:sp>
-      <p:sp>
-        <p:nvSpPr>
-          <p:cNvPr id="3" name="备注占位符 2"/>
-          <p:cNvSpPr>
-            <a:spLocks noGrp="1"/>
-          </p:cNvSpPr>
-          <p:nvPr>
-            <p:ph type="body" idx="1"/>
-          </p:nvPr>
-        </p:nvSpPr>
-        <p:spPr/>
-        <p:txBody>
-          <a:bodyPr/>
-          <a:lstStyle/>
-          <a:p>
-            <a:endParaRPr lang="zh-CN" altLang="en-US" dirty="0"/>
-          </a:p>
-        </p:txBody>
-      </p:sp>
-      <p:sp>
-        <p:nvSpPr>
-          <p:cNvPr id="4" name="灯片编号占位符 3"/>
-          <p:cNvSpPr>
-            <a:spLocks noGrp="1"/>
-          </p:cNvSpPr>
-          <p:nvPr>
-            <p:ph type="sldNum" sz="quarter" idx="10"/>
-          </p:nvPr>
-        </p:nvSpPr>
-        <p:spPr/>
-        <p:txBody>
-          <a:bodyPr/>
-          <a:lstStyle/>
-          <a:p>
-            <a:fld id="{AB6F2BC2-E7C7-4DAF-AC38-C7272999FEC3}" type="slidenum">
-              <a:rPr lang="zh-CN" altLang="en-US" smtClean="0"/>
-              <a:t>14</a:t>
-            </a:fld>
-            <a:endParaRPr lang="zh-CN" altLang="en-US"/>
-          </a:p>
-        </p:txBody>
-      </p:sp>
-    </p:spTree>
-    <p:extLst>
-      <p:ext uri="{BB962C8B-B14F-4D97-AF65-F5344CB8AC3E}">
-        <p14:creationId xmlns:p14="http://schemas.microsoft.com/office/powerpoint/2010/main" val="1781589709"/>
-      </p:ext>
-    </p:extLst>
-  </p:cSld>
-  <p:clrMapOvr>
-    <a:masterClrMapping/>
-  </p:clrMapOvr>
-</p:notes>
-</file>
-
-<file path=ppt/notesSlides/notesSlide4.xml><?xml version="1.0" encoding="utf-8"?>
-<p:notes xmlns:a="http://schemas.openxmlformats.org/drawingml/2006/main" xmlns:r="http://schemas.openxmlformats.org/officeDocument/2006/relationships" xmlns:p="http://schemas.openxmlformats.org/presentationml/2006/main">
-  <p:cSld>
-    <p:spTree>
-      <p:nvGrpSpPr>
-        <p:cNvPr id="1" name=""/>
-        <p:cNvGrpSpPr/>
-        <p:nvPr/>
-      </p:nvGrpSpPr>
-      <p:grpSpPr>
-        <a:xfrm>
-          <a:off x="0" y="0"/>
-          <a:ext cx="0" cy="0"/>
-          <a:chOff x="0" y="0"/>
-          <a:chExt cx="0" cy="0"/>
-        </a:xfrm>
-      </p:grpSpPr>
-      <p:sp>
-        <p:nvSpPr>
-          <p:cNvPr id="2" name="幻灯片图像占位符 1"/>
-          <p:cNvSpPr>
-            <a:spLocks noGrp="1" noRot="1" noChangeAspect="1"/>
-          </p:cNvSpPr>
-          <p:nvPr>
-            <p:ph type="sldImg"/>
-          </p:nvPr>
-        </p:nvSpPr>
-        <p:spPr/>
-      </p:sp>
-      <p:sp>
-        <p:nvSpPr>
-          <p:cNvPr id="3" name="备注占位符 2"/>
-          <p:cNvSpPr>
-            <a:spLocks noGrp="1"/>
-          </p:cNvSpPr>
-          <p:nvPr>
-            <p:ph type="body" idx="1"/>
-          </p:nvPr>
-        </p:nvSpPr>
-        <p:spPr/>
-        <p:txBody>
-          <a:bodyPr/>
-          <a:lstStyle/>
-          <a:p>
-            <a:endParaRPr lang="zh-CN" altLang="en-US" dirty="0"/>
-          </a:p>
-        </p:txBody>
-      </p:sp>
-      <p:sp>
-        <p:nvSpPr>
-          <p:cNvPr id="4" name="灯片编号占位符 3"/>
-          <p:cNvSpPr>
-            <a:spLocks noGrp="1"/>
-          </p:cNvSpPr>
-          <p:nvPr>
-            <p:ph type="sldNum" sz="quarter" idx="10"/>
-          </p:nvPr>
-        </p:nvSpPr>
-        <p:spPr/>
-        <p:txBody>
-          <a:bodyPr/>
-          <a:lstStyle/>
-          <a:p>
-            <a:fld id="{AB6F2BC2-E7C7-4DAF-AC38-C7272999FEC3}" type="slidenum">
-              <a:rPr lang="zh-CN" altLang="en-US" smtClean="0"/>
-              <a:t>16</a:t>
-            </a:fld>
-            <a:endParaRPr lang="zh-CN" altLang="en-US"/>
-          </a:p>
-        </p:txBody>
-      </p:sp>
-    </p:spTree>
-    <p:extLst>
-      <p:ext uri="{BB962C8B-B14F-4D97-AF65-F5344CB8AC3E}">
-        <p14:creationId xmlns:p14="http://schemas.microsoft.com/office/powerpoint/2010/main" val="3652931563"/>
-      </p:ext>
-    </p:extLst>
-  </p:cSld>
-  <p:clrMapOvr>
-    <a:masterClrMapping/>
-  </p:clrMapOvr>
-</p:notes>
-</file>
-
-<file path=ppt/notesSlides/notesSlide5.xml><?xml version="1.0" encoding="utf-8"?>
-<p:notes xmlns:a="http://schemas.openxmlformats.org/drawingml/2006/main" xmlns:r="http://schemas.openxmlformats.org/officeDocument/2006/relationships" xmlns:p="http://schemas.openxmlformats.org/presentationml/2006/main">
-  <p:cSld>
-    <p:spTree>
-      <p:nvGrpSpPr>
-        <p:cNvPr id="1" name=""/>
-        <p:cNvGrpSpPr/>
-        <p:nvPr/>
-      </p:nvGrpSpPr>
-      <p:grpSpPr>
-        <a:xfrm>
-          <a:off x="0" y="0"/>
-          <a:ext cx="0" cy="0"/>
-          <a:chOff x="0" y="0"/>
-          <a:chExt cx="0" cy="0"/>
-        </a:xfrm>
-      </p:grpSpPr>
-      <p:sp>
-        <p:nvSpPr>
-          <p:cNvPr id="2" name="幻灯片图像占位符 1"/>
-          <p:cNvSpPr>
-            <a:spLocks noGrp="1" noRot="1" noChangeAspect="1"/>
-          </p:cNvSpPr>
-          <p:nvPr>
-            <p:ph type="sldImg"/>
-          </p:nvPr>
-        </p:nvSpPr>
-        <p:spPr/>
-      </p:sp>
-      <p:sp>
-        <p:nvSpPr>
-          <p:cNvPr id="3" name="备注占位符 2"/>
-          <p:cNvSpPr>
-            <a:spLocks noGrp="1"/>
-          </p:cNvSpPr>
-          <p:nvPr>
-            <p:ph type="body" idx="1"/>
-          </p:nvPr>
-        </p:nvSpPr>
-        <p:spPr/>
-        <p:txBody>
-          <a:bodyPr/>
-          <a:lstStyle/>
-          <a:p>
-            <a:endParaRPr lang="zh-CN" altLang="en-US" dirty="0"/>
-          </a:p>
-        </p:txBody>
-      </p:sp>
-      <p:sp>
-        <p:nvSpPr>
-          <p:cNvPr id="4" name="灯片编号占位符 3"/>
-          <p:cNvSpPr>
-            <a:spLocks noGrp="1"/>
-          </p:cNvSpPr>
-          <p:nvPr>
-            <p:ph type="sldNum" sz="quarter" idx="10"/>
-          </p:nvPr>
-        </p:nvSpPr>
-        <p:spPr/>
-        <p:txBody>
-          <a:bodyPr/>
-          <a:lstStyle/>
-          <a:p>
-            <a:fld id="{AB6F2BC2-E7C7-4DAF-AC38-C7272999FEC3}" type="slidenum">
-              <a:rPr lang="zh-CN" altLang="en-US" smtClean="0"/>
-              <a:t>17</a:t>
-            </a:fld>
-            <a:endParaRPr lang="zh-CN" altLang="en-US"/>
-          </a:p>
-        </p:txBody>
-      </p:sp>
-    </p:spTree>
-    <p:extLst>
-      <p:ext uri="{BB962C8B-B14F-4D97-AF65-F5344CB8AC3E}">
-        <p14:creationId xmlns:p14="http://schemas.microsoft.com/office/powerpoint/2010/main" val="3498156480"/>
       </p:ext>
     </p:extLst>
   </p:cSld>
@@ -1094,7 +756,7 @@
           <a:p>
             <a:fld id="{17C7C8FB-1C37-4023-AA22-09D5A8E13DCF}" type="datetimeFigureOut">
               <a:rPr lang="zh-CN" altLang="en-US" smtClean="0"/>
-              <a:t>2018/7/15</a:t>
+              <a:t>2018/7/25</a:t>
             </a:fld>
             <a:endParaRPr lang="zh-CN" altLang="en-US"/>
           </a:p>
@@ -1264,7 +926,7 @@
           <a:p>
             <a:fld id="{17C7C8FB-1C37-4023-AA22-09D5A8E13DCF}" type="datetimeFigureOut">
               <a:rPr lang="zh-CN" altLang="en-US" smtClean="0"/>
-              <a:t>2018/7/15</a:t>
+              <a:t>2018/7/25</a:t>
             </a:fld>
             <a:endParaRPr lang="zh-CN" altLang="en-US"/>
           </a:p>
@@ -1444,7 +1106,7 @@
           <a:p>
             <a:fld id="{17C7C8FB-1C37-4023-AA22-09D5A8E13DCF}" type="datetimeFigureOut">
               <a:rPr lang="zh-CN" altLang="en-US" smtClean="0"/>
-              <a:t>2018/7/15</a:t>
+              <a:t>2018/7/25</a:t>
             </a:fld>
             <a:endParaRPr lang="zh-CN" altLang="en-US"/>
           </a:p>
@@ -1614,7 +1276,7 @@
           <a:p>
             <a:fld id="{17C7C8FB-1C37-4023-AA22-09D5A8E13DCF}" type="datetimeFigureOut">
               <a:rPr lang="zh-CN" altLang="en-US" smtClean="0"/>
-              <a:t>2018/7/15</a:t>
+              <a:t>2018/7/25</a:t>
             </a:fld>
             <a:endParaRPr lang="zh-CN" altLang="en-US"/>
           </a:p>
@@ -1860,7 +1522,7 @@
           <a:p>
             <a:fld id="{17C7C8FB-1C37-4023-AA22-09D5A8E13DCF}" type="datetimeFigureOut">
               <a:rPr lang="zh-CN" altLang="en-US" smtClean="0"/>
-              <a:t>2018/7/15</a:t>
+              <a:t>2018/7/25</a:t>
             </a:fld>
             <a:endParaRPr lang="zh-CN" altLang="en-US"/>
           </a:p>
@@ -2148,7 +1810,7 @@
           <a:p>
             <a:fld id="{17C7C8FB-1C37-4023-AA22-09D5A8E13DCF}" type="datetimeFigureOut">
               <a:rPr lang="zh-CN" altLang="en-US" smtClean="0"/>
-              <a:t>2018/7/15</a:t>
+              <a:t>2018/7/25</a:t>
             </a:fld>
             <a:endParaRPr lang="zh-CN" altLang="en-US"/>
           </a:p>
@@ -2570,7 +2232,7 @@
           <a:p>
             <a:fld id="{17C7C8FB-1C37-4023-AA22-09D5A8E13DCF}" type="datetimeFigureOut">
               <a:rPr lang="zh-CN" altLang="en-US" smtClean="0"/>
-              <a:t>2018/7/15</a:t>
+              <a:t>2018/7/25</a:t>
             </a:fld>
             <a:endParaRPr lang="zh-CN" altLang="en-US"/>
           </a:p>
@@ -2688,7 +2350,7 @@
           <a:p>
             <a:fld id="{17C7C8FB-1C37-4023-AA22-09D5A8E13DCF}" type="datetimeFigureOut">
               <a:rPr lang="zh-CN" altLang="en-US" smtClean="0"/>
-              <a:t>2018/7/15</a:t>
+              <a:t>2018/7/25</a:t>
             </a:fld>
             <a:endParaRPr lang="zh-CN" altLang="en-US"/>
           </a:p>
@@ -2783,7 +2445,7 @@
           <a:p>
             <a:fld id="{17C7C8FB-1C37-4023-AA22-09D5A8E13DCF}" type="datetimeFigureOut">
               <a:rPr lang="zh-CN" altLang="en-US" smtClean="0"/>
-              <a:t>2018/7/15</a:t>
+              <a:t>2018/7/25</a:t>
             </a:fld>
             <a:endParaRPr lang="zh-CN" altLang="en-US"/>
           </a:p>
@@ -3060,7 +2722,7 @@
           <a:p>
             <a:fld id="{17C7C8FB-1C37-4023-AA22-09D5A8E13DCF}" type="datetimeFigureOut">
               <a:rPr lang="zh-CN" altLang="en-US" smtClean="0"/>
-              <a:t>2018/7/15</a:t>
+              <a:t>2018/7/25</a:t>
             </a:fld>
             <a:endParaRPr lang="zh-CN" altLang="en-US"/>
           </a:p>
@@ -3313,7 +2975,7 @@
           <a:p>
             <a:fld id="{17C7C8FB-1C37-4023-AA22-09D5A8E13DCF}" type="datetimeFigureOut">
               <a:rPr lang="zh-CN" altLang="en-US" smtClean="0"/>
-              <a:t>2018/7/15</a:t>
+              <a:t>2018/7/25</a:t>
             </a:fld>
             <a:endParaRPr lang="zh-CN" altLang="en-US"/>
           </a:p>
@@ -3526,7 +3188,7 @@
           <a:p>
             <a:fld id="{17C7C8FB-1C37-4023-AA22-09D5A8E13DCF}" type="datetimeFigureOut">
               <a:rPr lang="zh-CN" altLang="en-US" smtClean="0"/>
-              <a:t>2018/7/15</a:t>
+              <a:t>2018/7/25</a:t>
             </a:fld>
             <a:endParaRPr lang="zh-CN" altLang="en-US"/>
           </a:p>
@@ -4024,7 +3686,7 @@
                 <a:latin typeface="微软雅黑" pitchFamily="34" charset="-122"/>
                 <a:ea typeface="微软雅黑" pitchFamily="34" charset="-122"/>
               </a:rPr>
-              <a:t>12</a:t>
+              <a:t>13</a:t>
             </a:r>
             <a:r>
               <a:rPr lang="zh-CN" altLang="en-US" sz="3200" b="1" dirty="0" smtClean="0">
@@ -4053,6 +3715,19 @@
               <a:t>SVG</a:t>
             </a:r>
             <a:r>
+              <a:rPr lang="zh-CN" altLang="en-US" sz="3200" b="1" dirty="0">
+                <a:solidFill>
+                  <a:schemeClr val="tx1">
+                    <a:lumMod val="75000"/>
+                    <a:lumOff val="25000"/>
+                  </a:schemeClr>
+                </a:solidFill>
+                <a:latin typeface="微软雅黑" pitchFamily="34" charset="-122"/>
+                <a:ea typeface="微软雅黑" pitchFamily="34" charset="-122"/>
+              </a:rPr>
+              <a:t>滤</a:t>
+            </a:r>
+            <a:r>
               <a:rPr lang="zh-CN" altLang="en-US" sz="3200" b="1" dirty="0" smtClean="0">
                 <a:solidFill>
                   <a:schemeClr val="tx1">
@@ -4063,7 +3738,20 @@
                 <a:latin typeface="微软雅黑" pitchFamily="34" charset="-122"/>
                 <a:ea typeface="微软雅黑" pitchFamily="34" charset="-122"/>
               </a:rPr>
-              <a:t>渐变</a:t>
+              <a:t>镜</a:t>
+            </a:r>
+            <a:r>
+              <a:rPr lang="zh-CN" altLang="en-US" sz="3200" b="1" dirty="0" smtClean="0">
+                <a:solidFill>
+                  <a:schemeClr val="tx1">
+                    <a:lumMod val="75000"/>
+                    <a:lumOff val="25000"/>
+                  </a:schemeClr>
+                </a:solidFill>
+                <a:latin typeface="微软雅黑" pitchFamily="34" charset="-122"/>
+                <a:ea typeface="微软雅黑" pitchFamily="34" charset="-122"/>
+              </a:rPr>
+              <a:t>（一）</a:t>
             </a:r>
             <a:r>
               <a:rPr lang="en-US" altLang="zh-CN" b="1" dirty="0" smtClean="0">
@@ -4202,8 +3890,8 @@
         </p:nvSpPr>
         <p:spPr>
           <a:xfrm>
-            <a:off x="827584" y="12680"/>
-            <a:ext cx="7776864" cy="2308324"/>
+            <a:off x="683568" y="116632"/>
+            <a:ext cx="7776864" cy="5632311"/>
           </a:xfrm>
           <a:prstGeom prst="rect">
             <a:avLst/>
@@ -4221,6 +3909,19 @@
               </a:lnSpc>
             </a:pPr>
             <a:r>
+              <a:rPr lang="en-US" altLang="zh-CN" sz="2400" b="1" dirty="0">
+                <a:solidFill>
+                  <a:schemeClr val="tx1">
+                    <a:lumMod val="75000"/>
+                    <a:lumOff val="25000"/>
+                  </a:schemeClr>
+                </a:solidFill>
+                <a:latin typeface="微软雅黑" pitchFamily="34" charset="-122"/>
+                <a:ea typeface="微软雅黑" pitchFamily="34" charset="-122"/>
+              </a:rPr>
+              <a:t>7</a:t>
+            </a:r>
+            <a:r>
               <a:rPr lang="en-US" altLang="zh-CN" sz="2400" b="1" dirty="0" smtClean="0">
                 <a:solidFill>
                   <a:schemeClr val="tx1">
@@ -4231,7 +3932,7 @@
                 <a:latin typeface="微软雅黑" pitchFamily="34" charset="-122"/>
                 <a:ea typeface="微软雅黑" pitchFamily="34" charset="-122"/>
               </a:rPr>
-              <a:t>4-b </a:t>
+              <a:t> </a:t>
             </a:r>
             <a:r>
               <a:rPr lang="zh-CN" altLang="en-US" sz="2400" b="1" dirty="0" smtClean="0">
@@ -4244,7 +3945,20 @@
                 <a:latin typeface="微软雅黑" pitchFamily="34" charset="-122"/>
                 <a:ea typeface="微软雅黑" pitchFamily="34" charset="-122"/>
               </a:rPr>
-              <a:t>渐变焦点</a:t>
+              <a:t>混合滤镜 </a:t>
+            </a:r>
+            <a:r>
+              <a:rPr lang="en-US" altLang="zh-CN" sz="2400" b="1" dirty="0" err="1" smtClean="0">
+                <a:solidFill>
+                  <a:schemeClr val="tx1">
+                    <a:lumMod val="75000"/>
+                    <a:lumOff val="25000"/>
+                  </a:schemeClr>
+                </a:solidFill>
+                <a:latin typeface="微软雅黑" pitchFamily="34" charset="-122"/>
+                <a:ea typeface="微软雅黑" pitchFamily="34" charset="-122"/>
+              </a:rPr>
+              <a:t>feBlend</a:t>
             </a:r>
             <a:endParaRPr lang="en-US" altLang="zh-CN" sz="2400" b="1" dirty="0" smtClean="0">
               <a:solidFill>
@@ -4274,20 +3988,20 @@
                 <a:latin typeface="微软雅黑" pitchFamily="34" charset="-122"/>
                 <a:ea typeface="微软雅黑" pitchFamily="34" charset="-122"/>
               </a:rPr>
-              <a:t>渐变的中心叫做焦点，焦点可以在圆心（默认），也可以不在圆心，可以通过</a:t>
-            </a:r>
-            <a:r>
-              <a:rPr lang="en-US" altLang="zh-CN" sz="2400" dirty="0" err="1" smtClean="0">
-                <a:solidFill>
-                  <a:schemeClr val="tx1">
-                    <a:lumMod val="75000"/>
-                    <a:lumOff val="25000"/>
-                  </a:schemeClr>
-                </a:solidFill>
-                <a:latin typeface="微软雅黑" pitchFamily="34" charset="-122"/>
-                <a:ea typeface="微软雅黑" pitchFamily="34" charset="-122"/>
-              </a:rPr>
-              <a:t>fx</a:t>
+              <a:t>该滤镜的作用是将两个输入源的图像按照一定的规则进行叠加混合，两个输入源通过属性</a:t>
+            </a:r>
+            <a:r>
+              <a:rPr lang="en-US" altLang="zh-CN" sz="2400" dirty="0" smtClean="0">
+                <a:solidFill>
+                  <a:schemeClr val="tx1">
+                    <a:lumMod val="75000"/>
+                    <a:lumOff val="25000"/>
+                  </a:schemeClr>
+                </a:solidFill>
+                <a:latin typeface="微软雅黑" pitchFamily="34" charset="-122"/>
+                <a:ea typeface="微软雅黑" pitchFamily="34" charset="-122"/>
+              </a:rPr>
+              <a:t>in</a:t>
             </a:r>
             <a:r>
               <a:rPr lang="zh-CN" altLang="en-US" sz="2400" dirty="0" smtClean="0">
@@ -4303,17 +4017,17 @@
               <a:t>和</a:t>
             </a:r>
             <a:r>
-              <a:rPr lang="en-US" altLang="zh-CN" sz="2400" dirty="0" err="1" smtClean="0">
-                <a:solidFill>
-                  <a:schemeClr val="tx1">
-                    <a:lumMod val="75000"/>
-                    <a:lumOff val="25000"/>
-                  </a:schemeClr>
-                </a:solidFill>
-                <a:latin typeface="微软雅黑" pitchFamily="34" charset="-122"/>
-                <a:ea typeface="微软雅黑" pitchFamily="34" charset="-122"/>
-              </a:rPr>
-              <a:t>fy</a:t>
+              <a:rPr lang="en-US" altLang="zh-CN" sz="2400" dirty="0" smtClean="0">
+                <a:solidFill>
+                  <a:schemeClr val="tx1">
+                    <a:lumMod val="75000"/>
+                    <a:lumOff val="25000"/>
+                  </a:schemeClr>
+                </a:solidFill>
+                <a:latin typeface="微软雅黑" pitchFamily="34" charset="-122"/>
+                <a:ea typeface="微软雅黑" pitchFamily="34" charset="-122"/>
+              </a:rPr>
+              <a:t>in2</a:t>
             </a:r>
             <a:r>
               <a:rPr lang="zh-CN" altLang="en-US" sz="2400" dirty="0" smtClean="0">
@@ -4326,7 +4040,7 @@
                 <a:latin typeface="微软雅黑" pitchFamily="34" charset="-122"/>
                 <a:ea typeface="微软雅黑" pitchFamily="34" charset="-122"/>
               </a:rPr>
-              <a:t>属性改变焦点位置，两个默认值都为</a:t>
+              <a:t>制定，他们可以是目标图像也可以是其他滤镜输出的结果。混合模式通过属性</a:t>
             </a:r>
             <a:r>
               <a:rPr lang="en-US" altLang="zh-CN" sz="2400" dirty="0" smtClean="0">
@@ -4339,20 +4053,46 @@
                 <a:latin typeface="微软雅黑" pitchFamily="34" charset="-122"/>
                 <a:ea typeface="微软雅黑" pitchFamily="34" charset="-122"/>
               </a:rPr>
-              <a:t>50%</a:t>
-            </a:r>
-            <a:r>
-              <a:rPr lang="zh-CN" altLang="en-US" sz="2400" dirty="0">
-                <a:solidFill>
-                  <a:schemeClr val="tx1">
-                    <a:lumMod val="75000"/>
-                    <a:lumOff val="25000"/>
-                  </a:schemeClr>
-                </a:solidFill>
-                <a:latin typeface="微软雅黑" pitchFamily="34" charset="-122"/>
-                <a:ea typeface="微软雅黑" pitchFamily="34" charset="-122"/>
-              </a:rPr>
-              <a:t>。</a:t>
+              <a:t>mode</a:t>
+            </a:r>
+            <a:r>
+              <a:rPr lang="zh-CN" altLang="en-US" sz="2400" dirty="0" smtClean="0">
+                <a:solidFill>
+                  <a:schemeClr val="tx1">
+                    <a:lumMod val="75000"/>
+                    <a:lumOff val="25000"/>
+                  </a:schemeClr>
+                </a:solidFill>
+                <a:latin typeface="微软雅黑" pitchFamily="34" charset="-122"/>
+                <a:ea typeface="微软雅黑" pitchFamily="34" charset="-122"/>
+              </a:rPr>
+              <a:t>指定，</a:t>
+            </a:r>
+            <a:r>
+              <a:rPr lang="en-US" altLang="zh-CN" sz="2400" dirty="0" smtClean="0">
+                <a:solidFill>
+                  <a:schemeClr val="tx1">
+                    <a:lumMod val="75000"/>
+                    <a:lumOff val="25000"/>
+                  </a:schemeClr>
+                </a:solidFill>
+                <a:latin typeface="微软雅黑" pitchFamily="34" charset="-122"/>
+                <a:ea typeface="微软雅黑" pitchFamily="34" charset="-122"/>
+              </a:rPr>
+              <a:t>mode</a:t>
+            </a:r>
+            <a:r>
+              <a:rPr lang="zh-CN" altLang="en-US" sz="2400" dirty="0" smtClean="0">
+                <a:solidFill>
+                  <a:schemeClr val="tx1">
+                    <a:lumMod val="75000"/>
+                    <a:lumOff val="25000"/>
+                  </a:schemeClr>
+                </a:solidFill>
+                <a:latin typeface="微软雅黑" pitchFamily="34" charset="-122"/>
+                <a:ea typeface="微软雅黑" pitchFamily="34" charset="-122"/>
+              </a:rPr>
+              <a:t>的取值和意义如下：</a:t>
             </a:r>
             <a:endParaRPr lang="en-US" altLang="zh-CN" sz="2400" dirty="0" smtClean="0">
               <a:solidFill>
@@ -4365,134 +4105,161 @@
               <a:ea typeface="微软雅黑" pitchFamily="34" charset="-122"/>
             </a:endParaRPr>
           </a:p>
-        </p:txBody>
-      </p:sp>
-      <p:pic>
-        <p:nvPicPr>
-          <p:cNvPr id="3" name="图片 2" descr="屏幕剪辑"/>
-          <p:cNvPicPr>
-            <a:picLocks noChangeAspect="1"/>
-          </p:cNvPicPr>
-          <p:nvPr/>
-        </p:nvPicPr>
-        <p:blipFill>
-          <a:blip r:embed="rId2">
-            <a:extLst>
-              <a:ext uri="{28A0092B-C50C-407E-A947-70E740481C1C}">
-                <a14:useLocalDpi xmlns:a14="http://schemas.microsoft.com/office/drawing/2010/main" val="0"/>
-              </a:ext>
-            </a:extLst>
-          </a:blip>
-          <a:stretch>
-            <a:fillRect/>
-          </a:stretch>
-        </p:blipFill>
-        <p:spPr>
-          <a:xfrm>
-            <a:off x="971600" y="3799542"/>
-            <a:ext cx="3848637" cy="2362530"/>
-          </a:xfrm>
-          <a:prstGeom prst="rect">
-            <a:avLst/>
-          </a:prstGeom>
-          <a:ln>
-            <a:noFill/>
-          </a:ln>
-          <a:effectLst>
-            <a:softEdge rad="112500"/>
-          </a:effectLst>
-        </p:spPr>
-      </p:pic>
-      <p:pic>
-        <p:nvPicPr>
-          <p:cNvPr id="4" name="图片 3" descr="屏幕剪辑"/>
-          <p:cNvPicPr>
-            <a:picLocks noChangeAspect="1"/>
-          </p:cNvPicPr>
-          <p:nvPr/>
-        </p:nvPicPr>
-        <p:blipFill>
-          <a:blip r:embed="rId3">
-            <a:extLst>
-              <a:ext uri="{28A0092B-C50C-407E-A947-70E740481C1C}">
-                <a14:useLocalDpi xmlns:a14="http://schemas.microsoft.com/office/drawing/2010/main" val="0"/>
-              </a:ext>
-            </a:extLst>
-          </a:blip>
-          <a:stretch>
-            <a:fillRect/>
-          </a:stretch>
-        </p:blipFill>
-        <p:spPr>
-          <a:xfrm>
-            <a:off x="971600" y="2564904"/>
-            <a:ext cx="6839905" cy="990738"/>
-          </a:xfrm>
-          <a:prstGeom prst="rect">
-            <a:avLst/>
-          </a:prstGeom>
-          <a:ln>
-            <a:noFill/>
-          </a:ln>
-          <a:effectLst>
-            <a:outerShdw blurRad="292100" dist="139700" dir="2700000" algn="tl" rotWithShape="0">
-              <a:srgbClr val="333333">
-                <a:alpha val="65000"/>
-              </a:srgbClr>
-            </a:outerShdw>
-          </a:effectLst>
-        </p:spPr>
-      </p:pic>
-      <p:sp>
-        <p:nvSpPr>
-          <p:cNvPr id="5" name="矩形 4"/>
-          <p:cNvSpPr/>
-          <p:nvPr/>
-        </p:nvSpPr>
-        <p:spPr>
-          <a:xfrm>
-            <a:off x="3923928" y="2852936"/>
-            <a:ext cx="2088232" cy="288032"/>
-          </a:xfrm>
-          <a:prstGeom prst="rect">
-            <a:avLst/>
-          </a:prstGeom>
-          <a:noFill/>
-          <a:ln>
-            <a:solidFill>
-              <a:srgbClr val="FFFF00"/>
-            </a:solidFill>
-          </a:ln>
-        </p:spPr>
-        <p:style>
-          <a:lnRef idx="2">
-            <a:schemeClr val="accent1">
-              <a:shade val="50000"/>
-            </a:schemeClr>
-          </a:lnRef>
-          <a:fillRef idx="1">
-            <a:schemeClr val="accent1"/>
-          </a:fillRef>
-          <a:effectRef idx="0">
-            <a:schemeClr val="accent1"/>
-          </a:effectRef>
-          <a:fontRef idx="minor">
-            <a:schemeClr val="lt1"/>
-          </a:fontRef>
-        </p:style>
-        <p:txBody>
-          <a:bodyPr rtlCol="0" anchor="ctr"/>
-          <a:lstStyle/>
-          <a:p>
-            <a:pPr algn="ctr"/>
-            <a:endParaRPr lang="zh-CN" altLang="en-US"/>
+          <a:p>
+            <a:pPr>
+              <a:lnSpc>
+                <a:spcPct val="150000"/>
+              </a:lnSpc>
+            </a:pPr>
+            <a:r>
+              <a:rPr lang="en-US" altLang="zh-CN" sz="2400" b="1" dirty="0" smtClean="0">
+                <a:solidFill>
+                  <a:schemeClr val="tx1">
+                    <a:lumMod val="75000"/>
+                    <a:lumOff val="25000"/>
+                  </a:schemeClr>
+                </a:solidFill>
+                <a:latin typeface="微软雅黑" pitchFamily="34" charset="-122"/>
+                <a:ea typeface="微软雅黑" pitchFamily="34" charset="-122"/>
+              </a:rPr>
+              <a:t>normal:</a:t>
+            </a:r>
+          </a:p>
+          <a:p>
+            <a:pPr>
+              <a:lnSpc>
+                <a:spcPct val="150000"/>
+              </a:lnSpc>
+            </a:pPr>
+            <a:r>
+              <a:rPr lang="en-US" altLang="zh-CN" sz="2400" b="1" dirty="0" smtClean="0">
+                <a:solidFill>
+                  <a:schemeClr val="tx1">
+                    <a:lumMod val="75000"/>
+                    <a:lumOff val="25000"/>
+                  </a:schemeClr>
+                </a:solidFill>
+                <a:latin typeface="微软雅黑" pitchFamily="34" charset="-122"/>
+                <a:ea typeface="微软雅黑" pitchFamily="34" charset="-122"/>
+              </a:rPr>
+              <a:t>multiply:</a:t>
+            </a:r>
+          </a:p>
+          <a:p>
+            <a:pPr>
+              <a:lnSpc>
+                <a:spcPct val="150000"/>
+              </a:lnSpc>
+            </a:pPr>
+            <a:r>
+              <a:rPr lang="en-US" altLang="zh-CN" sz="2400" b="1" dirty="0">
+                <a:solidFill>
+                  <a:schemeClr val="tx1">
+                    <a:lumMod val="75000"/>
+                    <a:lumOff val="25000"/>
+                  </a:schemeClr>
+                </a:solidFill>
+                <a:latin typeface="微软雅黑" pitchFamily="34" charset="-122"/>
+                <a:ea typeface="微软雅黑" pitchFamily="34" charset="-122"/>
+              </a:rPr>
+              <a:t>s</a:t>
+            </a:r>
+            <a:r>
+              <a:rPr lang="en-US" altLang="zh-CN" sz="2400" b="1" dirty="0" smtClean="0">
+                <a:solidFill>
+                  <a:schemeClr val="tx1">
+                    <a:lumMod val="75000"/>
+                    <a:lumOff val="25000"/>
+                  </a:schemeClr>
+                </a:solidFill>
+                <a:latin typeface="微软雅黑" pitchFamily="34" charset="-122"/>
+                <a:ea typeface="微软雅黑" pitchFamily="34" charset="-122"/>
+              </a:rPr>
+              <a:t>creen:</a:t>
+            </a:r>
+          </a:p>
+          <a:p>
+            <a:pPr>
+              <a:lnSpc>
+                <a:spcPct val="150000"/>
+              </a:lnSpc>
+            </a:pPr>
+            <a:r>
+              <a:rPr lang="en-US" altLang="zh-CN" sz="2400" b="1" dirty="0">
+                <a:solidFill>
+                  <a:schemeClr val="tx1">
+                    <a:lumMod val="75000"/>
+                    <a:lumOff val="25000"/>
+                  </a:schemeClr>
+                </a:solidFill>
+                <a:latin typeface="微软雅黑" pitchFamily="34" charset="-122"/>
+                <a:ea typeface="微软雅黑" pitchFamily="34" charset="-122"/>
+              </a:rPr>
+              <a:t>d</a:t>
+            </a:r>
+            <a:r>
+              <a:rPr lang="en-US" altLang="zh-CN" sz="2400" b="1" dirty="0" smtClean="0">
+                <a:solidFill>
+                  <a:schemeClr val="tx1">
+                    <a:lumMod val="75000"/>
+                    <a:lumOff val="25000"/>
+                  </a:schemeClr>
+                </a:solidFill>
+                <a:latin typeface="微软雅黑" pitchFamily="34" charset="-122"/>
+                <a:ea typeface="微软雅黑" pitchFamily="34" charset="-122"/>
+              </a:rPr>
+              <a:t>arken:</a:t>
+            </a:r>
+          </a:p>
+          <a:p>
+            <a:pPr>
+              <a:lnSpc>
+                <a:spcPct val="150000"/>
+              </a:lnSpc>
+            </a:pPr>
+            <a:r>
+              <a:rPr lang="en-US" altLang="zh-CN" sz="2400" b="1" dirty="0">
+                <a:solidFill>
+                  <a:schemeClr val="tx1">
+                    <a:lumMod val="75000"/>
+                    <a:lumOff val="25000"/>
+                  </a:schemeClr>
+                </a:solidFill>
+                <a:latin typeface="微软雅黑" pitchFamily="34" charset="-122"/>
+                <a:ea typeface="微软雅黑" pitchFamily="34" charset="-122"/>
+              </a:rPr>
+              <a:t>l</a:t>
+            </a:r>
+            <a:r>
+              <a:rPr lang="en-US" altLang="zh-CN" sz="2400" b="1" dirty="0" smtClean="0">
+                <a:solidFill>
+                  <a:schemeClr val="tx1">
+                    <a:lumMod val="75000"/>
+                    <a:lumOff val="25000"/>
+                  </a:schemeClr>
+                </a:solidFill>
+                <a:latin typeface="微软雅黑" pitchFamily="34" charset="-122"/>
+                <a:ea typeface="微软雅黑" pitchFamily="34" charset="-122"/>
+              </a:rPr>
+              <a:t>ighten:</a:t>
+            </a:r>
+            <a:endParaRPr lang="en-US" altLang="zh-CN" sz="2400" b="1" dirty="0" smtClean="0">
+              <a:solidFill>
+                <a:schemeClr val="tx1">
+                  <a:lumMod val="75000"/>
+                  <a:lumOff val="25000"/>
+                </a:schemeClr>
+              </a:solidFill>
+              <a:latin typeface="微软雅黑" pitchFamily="34" charset="-122"/>
+              <a:ea typeface="微软雅黑" pitchFamily="34" charset="-122"/>
+            </a:endParaRPr>
           </a:p>
         </p:txBody>
       </p:sp>
     </p:spTree>
     <p:extLst>
       <p:ext uri="{BB962C8B-B14F-4D97-AF65-F5344CB8AC3E}">
-        <p14:creationId xmlns:p14="http://schemas.microsoft.com/office/powerpoint/2010/main" val="2996567208"/>
+        <p14:creationId xmlns:p14="http://schemas.microsoft.com/office/powerpoint/2010/main" val="2540184049"/>
       </p:ext>
     </p:extLst>
   </p:cSld>
@@ -4527,8 +4294,8 @@
         </p:nvSpPr>
         <p:spPr>
           <a:xfrm>
-            <a:off x="827584" y="12680"/>
-            <a:ext cx="7776864" cy="1754326"/>
+            <a:off x="683568" y="116632"/>
+            <a:ext cx="7776864" cy="1200329"/>
           </a:xfrm>
           <a:prstGeom prst="rect">
             <a:avLst/>
@@ -4546,49 +4313,6 @@
               </a:lnSpc>
             </a:pPr>
             <a:r>
-              <a:rPr lang="en-US" altLang="zh-CN" sz="2400" b="1" dirty="0" smtClean="0">
-                <a:solidFill>
-                  <a:schemeClr val="tx1">
-                    <a:lumMod val="75000"/>
-                    <a:lumOff val="25000"/>
-                  </a:schemeClr>
-                </a:solidFill>
-                <a:latin typeface="微软雅黑" pitchFamily="34" charset="-122"/>
-                <a:ea typeface="微软雅黑" pitchFamily="34" charset="-122"/>
-              </a:rPr>
-              <a:t>4-c </a:t>
-            </a:r>
-            <a:r>
-              <a:rPr lang="zh-CN" altLang="en-US" sz="2400" b="1" dirty="0" smtClean="0">
-                <a:solidFill>
-                  <a:schemeClr val="tx1">
-                    <a:lumMod val="75000"/>
-                    <a:lumOff val="25000"/>
-                  </a:schemeClr>
-                </a:solidFill>
-                <a:latin typeface="微软雅黑" pitchFamily="34" charset="-122"/>
-                <a:ea typeface="微软雅黑" pitchFamily="34" charset="-122"/>
-              </a:rPr>
-              <a:t>重复方式</a:t>
-            </a:r>
-            <a:endParaRPr lang="en-US" altLang="zh-CN" sz="2400" b="1" dirty="0" smtClean="0">
-              <a:solidFill>
-                <a:schemeClr val="tx1">
-                  <a:lumMod val="75000"/>
-                  <a:lumOff val="25000"/>
-                </a:schemeClr>
-              </a:solidFill>
-              <a:latin typeface="微软雅黑" pitchFamily="34" charset="-122"/>
-              <a:ea typeface="微软雅黑" pitchFamily="34" charset="-122"/>
-            </a:endParaRPr>
-          </a:p>
-          <a:p>
-            <a:pPr>
-              <a:lnSpc>
-                <a:spcPct val="150000"/>
-              </a:lnSpc>
-            </a:pPr>
-            <a:r>
               <a:rPr lang="zh-CN" altLang="en-US" sz="2400" dirty="0" smtClean="0">
                 <a:solidFill>
                   <a:schemeClr val="tx1">
@@ -4599,20 +4323,20 @@
                 <a:latin typeface="微软雅黑" pitchFamily="34" charset="-122"/>
                 <a:ea typeface="微软雅黑" pitchFamily="34" charset="-122"/>
               </a:rPr>
-              <a:t>径向渐变也有</a:t>
-            </a:r>
-            <a:r>
-              <a:rPr lang="en-US" altLang="zh-CN" sz="2400" dirty="0" err="1" smtClean="0">
-                <a:solidFill>
-                  <a:schemeClr val="tx1">
-                    <a:lumMod val="75000"/>
-                    <a:lumOff val="25000"/>
-                  </a:schemeClr>
-                </a:solidFill>
-                <a:latin typeface="微软雅黑" pitchFamily="34" charset="-122"/>
-                <a:ea typeface="微软雅黑" pitchFamily="34" charset="-122"/>
-              </a:rPr>
-              <a:t>spreadMethod</a:t>
+              <a:t>我们将图片和绿色的填充作为滤镜的两个输入，分别应用</a:t>
+            </a:r>
+            <a:r>
+              <a:rPr lang="en-US" altLang="zh-CN" sz="2400" dirty="0" smtClean="0">
+                <a:solidFill>
+                  <a:schemeClr val="tx1">
+                    <a:lumMod val="75000"/>
+                    <a:lumOff val="25000"/>
+                  </a:schemeClr>
+                </a:solidFill>
+                <a:latin typeface="微软雅黑" pitchFamily="34" charset="-122"/>
+                <a:ea typeface="微软雅黑" pitchFamily="34" charset="-122"/>
+              </a:rPr>
+              <a:t>5</a:t>
             </a:r>
             <a:r>
               <a:rPr lang="zh-CN" altLang="en-US" sz="2400" dirty="0" smtClean="0">
@@ -4625,7 +4349,33 @@
                 <a:latin typeface="微软雅黑" pitchFamily="34" charset="-122"/>
                 <a:ea typeface="微软雅黑" pitchFamily="34" charset="-122"/>
               </a:rPr>
-              <a:t>方式，属性值与线性渐变相同。</a:t>
+              <a:t>个</a:t>
+            </a:r>
+            <a:r>
+              <a:rPr lang="en-US" altLang="zh-CN" sz="2400" dirty="0" smtClean="0">
+                <a:solidFill>
+                  <a:schemeClr val="tx1">
+                    <a:lumMod val="75000"/>
+                    <a:lumOff val="25000"/>
+                  </a:schemeClr>
+                </a:solidFill>
+                <a:latin typeface="微软雅黑" pitchFamily="34" charset="-122"/>
+                <a:ea typeface="微软雅黑" pitchFamily="34" charset="-122"/>
+              </a:rPr>
+              <a:t>mode</a:t>
+            </a:r>
+            <a:r>
+              <a:rPr lang="zh-CN" altLang="en-US" sz="2400" dirty="0" smtClean="0">
+                <a:solidFill>
+                  <a:schemeClr val="tx1">
+                    <a:lumMod val="75000"/>
+                    <a:lumOff val="25000"/>
+                  </a:schemeClr>
+                </a:solidFill>
+                <a:latin typeface="微软雅黑" pitchFamily="34" charset="-122"/>
+                <a:ea typeface="微软雅黑" pitchFamily="34" charset="-122"/>
+              </a:rPr>
+              <a:t>的参数，得到如下结果</a:t>
             </a:r>
             <a:endParaRPr lang="en-US" altLang="zh-CN" sz="2400" dirty="0" smtClean="0">
               <a:solidFill>
@@ -4642,7 +4392,7 @@
       </p:sp>
       <p:pic>
         <p:nvPicPr>
-          <p:cNvPr id="6" name="图片 5" descr="屏幕剪辑"/>
+          <p:cNvPr id="3" name="图片 2" descr="屏幕剪辑"/>
           <p:cNvPicPr>
             <a:picLocks noChangeAspect="1"/>
           </p:cNvPicPr>
@@ -4662,94 +4412,8 @@
         </p:blipFill>
         <p:spPr>
           <a:xfrm>
-            <a:off x="971600" y="1767006"/>
-            <a:ext cx="6925642" cy="1295581"/>
-          </a:xfrm>
-          <a:prstGeom prst="rect">
-            <a:avLst/>
-          </a:prstGeom>
-          <a:ln>
-            <a:noFill/>
-          </a:ln>
-          <a:effectLst>
-            <a:outerShdw blurRad="292100" dist="139700" dir="2700000" algn="tl" rotWithShape="0">
-              <a:srgbClr val="333333">
-                <a:alpha val="65000"/>
-              </a:srgbClr>
-            </a:outerShdw>
-          </a:effectLst>
-        </p:spPr>
-      </p:pic>
-      <p:sp>
-        <p:nvSpPr>
-          <p:cNvPr id="7" name="矩形 6"/>
-          <p:cNvSpPr/>
-          <p:nvPr/>
-        </p:nvSpPr>
-        <p:spPr>
-          <a:xfrm>
-            <a:off x="1043608" y="2417298"/>
-            <a:ext cx="2592288" cy="288032"/>
-          </a:xfrm>
-          <a:prstGeom prst="rect">
-            <a:avLst/>
-          </a:prstGeom>
-          <a:noFill/>
-          <a:ln>
-            <a:solidFill>
-              <a:srgbClr val="FFFF00"/>
-            </a:solidFill>
-          </a:ln>
-        </p:spPr>
-        <p:style>
-          <a:lnRef idx="2">
-            <a:schemeClr val="accent1">
-              <a:shade val="50000"/>
-            </a:schemeClr>
-          </a:lnRef>
-          <a:fillRef idx="1">
-            <a:schemeClr val="accent1"/>
-          </a:fillRef>
-          <a:effectRef idx="0">
-            <a:schemeClr val="accent1"/>
-          </a:effectRef>
-          <a:fontRef idx="minor">
-            <a:schemeClr val="lt1"/>
-          </a:fontRef>
-        </p:style>
-        <p:txBody>
-          <a:bodyPr rtlCol="0" anchor="ctr"/>
-          <a:lstStyle/>
-          <a:p>
-            <a:pPr algn="ctr"/>
-            <a:endParaRPr lang="zh-CN" altLang="en-US"/>
-          </a:p>
-        </p:txBody>
-      </p:sp>
-      <p:pic>
-        <p:nvPicPr>
-          <p:cNvPr id="8" name="图片 7" descr="屏幕剪辑"/>
-          <p:cNvPicPr>
-            <a:picLocks noChangeAspect="1"/>
-          </p:cNvPicPr>
-          <p:nvPr/>
-        </p:nvPicPr>
-        <p:blipFill>
-          <a:blip r:embed="rId3">
-            <a:extLst>
-              <a:ext uri="{28A0092B-C50C-407E-A947-70E740481C1C}">
-                <a14:useLocalDpi xmlns:a14="http://schemas.microsoft.com/office/drawing/2010/main" val="0"/>
-              </a:ext>
-            </a:extLst>
-          </a:blip>
-          <a:stretch>
-            <a:fillRect/>
-          </a:stretch>
-        </p:blipFill>
-        <p:spPr>
-          <a:xfrm>
-            <a:off x="967966" y="3521332"/>
-            <a:ext cx="3820058" cy="2410161"/>
+            <a:off x="683568" y="1628799"/>
+            <a:ext cx="7524411" cy="1721965"/>
           </a:xfrm>
           <a:prstGeom prst="rect">
             <a:avLst/>
@@ -4765,7 +4429,7 @@
     </p:spTree>
     <p:extLst>
       <p:ext uri="{BB962C8B-B14F-4D97-AF65-F5344CB8AC3E}">
-        <p14:creationId xmlns:p14="http://schemas.microsoft.com/office/powerpoint/2010/main" val="4280141137"/>
+        <p14:creationId xmlns:p14="http://schemas.microsoft.com/office/powerpoint/2010/main" val="1794877130"/>
       </p:ext>
     </p:extLst>
   </p:cSld>
@@ -4800,8 +4464,8 @@
         </p:nvSpPr>
         <p:spPr>
           <a:xfrm>
-            <a:off x="827584" y="12680"/>
-            <a:ext cx="7776864" cy="2862322"/>
+            <a:off x="683568" y="116632"/>
+            <a:ext cx="7776864" cy="1754326"/>
           </a:xfrm>
           <a:prstGeom prst="rect">
             <a:avLst/>
@@ -4829,20 +4493,7 @@
                 <a:latin typeface="微软雅黑" pitchFamily="34" charset="-122"/>
                 <a:ea typeface="微软雅黑" pitchFamily="34" charset="-122"/>
               </a:rPr>
-              <a:t>5</a:t>
-            </a:r>
-            <a:r>
-              <a:rPr lang="en-US" altLang="zh-CN" sz="2400" b="1" dirty="0" smtClean="0">
-                <a:solidFill>
-                  <a:schemeClr val="tx1">
-                    <a:lumMod val="75000"/>
-                    <a:lumOff val="25000"/>
-                  </a:schemeClr>
-                </a:solidFill>
-                <a:latin typeface="微软雅黑" pitchFamily="34" charset="-122"/>
-                <a:ea typeface="微软雅黑" pitchFamily="34" charset="-122"/>
-              </a:rPr>
-              <a:t> </a:t>
+              <a:t>8 </a:t>
             </a:r>
             <a:r>
               <a:rPr lang="zh-CN" altLang="en-US" sz="2400" b="1" dirty="0" smtClean="0">
@@ -4855,7 +4506,20 @@
                 <a:latin typeface="微软雅黑" pitchFamily="34" charset="-122"/>
                 <a:ea typeface="微软雅黑" pitchFamily="34" charset="-122"/>
               </a:rPr>
-              <a:t>渐变实例</a:t>
+              <a:t>高斯模糊滤镜 </a:t>
+            </a:r>
+            <a:r>
+              <a:rPr lang="en-US" altLang="zh-CN" sz="2400" b="1" dirty="0" err="1">
+                <a:solidFill>
+                  <a:schemeClr val="tx1">
+                    <a:lumMod val="75000"/>
+                    <a:lumOff val="25000"/>
+                  </a:schemeClr>
+                </a:solidFill>
+                <a:latin typeface="微软雅黑" pitchFamily="34" charset="-122"/>
+                <a:ea typeface="微软雅黑" pitchFamily="34" charset="-122"/>
+              </a:rPr>
+              <a:t>feGaussianBlur</a:t>
             </a:r>
             <a:endParaRPr lang="en-US" altLang="zh-CN" sz="2400" b="1" dirty="0" smtClean="0">
               <a:solidFill>
@@ -4875,30 +4539,56 @@
               </a:lnSpc>
             </a:pPr>
             <a:r>
-              <a:rPr lang="en-US" altLang="zh-CN" sz="2400" b="1" dirty="0" smtClean="0">
-                <a:solidFill>
-                  <a:schemeClr val="tx1">
-                    <a:lumMod val="75000"/>
-                    <a:lumOff val="25000"/>
-                  </a:schemeClr>
-                </a:solidFill>
-                <a:latin typeface="微软雅黑" pitchFamily="34" charset="-122"/>
-                <a:ea typeface="微软雅黑" pitchFamily="34" charset="-122"/>
-              </a:rPr>
-              <a:t>5-a </a:t>
-            </a:r>
-            <a:r>
-              <a:rPr lang="zh-CN" altLang="en-US" sz="2400" b="1" dirty="0" smtClean="0">
-                <a:solidFill>
-                  <a:schemeClr val="tx1">
-                    <a:lumMod val="75000"/>
-                    <a:lumOff val="25000"/>
-                  </a:schemeClr>
-                </a:solidFill>
-                <a:latin typeface="微软雅黑" pitchFamily="34" charset="-122"/>
-                <a:ea typeface="微软雅黑" pitchFamily="34" charset="-122"/>
-              </a:rPr>
-              <a:t>彩色渐变填充图案</a:t>
+              <a:rPr lang="zh-CN" altLang="en-US" sz="2400" dirty="0" smtClean="0">
+                <a:solidFill>
+                  <a:schemeClr val="tx1">
+                    <a:lumMod val="75000"/>
+                    <a:lumOff val="25000"/>
+                  </a:schemeClr>
+                </a:solidFill>
+                <a:latin typeface="微软雅黑" pitchFamily="34" charset="-122"/>
+                <a:ea typeface="微软雅黑" pitchFamily="34" charset="-122"/>
+              </a:rPr>
+              <a:t>该滤镜获取图像并输出，可以调整图像的大小和位置，输入源可以是一张图片，也可以是另外一个</a:t>
+            </a:r>
+            <a:r>
+              <a:rPr lang="en-US" altLang="zh-CN" sz="2400" dirty="0" smtClean="0">
+                <a:solidFill>
+                  <a:schemeClr val="tx1">
+                    <a:lumMod val="75000"/>
+                    <a:lumOff val="25000"/>
+                  </a:schemeClr>
+                </a:solidFill>
+                <a:latin typeface="微软雅黑" pitchFamily="34" charset="-122"/>
+                <a:ea typeface="微软雅黑" pitchFamily="34" charset="-122"/>
+              </a:rPr>
+              <a:t>SVG</a:t>
+            </a:r>
+            <a:r>
+              <a:rPr lang="zh-CN" altLang="en-US" sz="2400" dirty="0" smtClean="0">
+                <a:solidFill>
+                  <a:schemeClr val="tx1">
+                    <a:lumMod val="75000"/>
+                    <a:lumOff val="25000"/>
+                  </a:schemeClr>
+                </a:solidFill>
+                <a:latin typeface="微软雅黑" pitchFamily="34" charset="-122"/>
+                <a:ea typeface="微软雅黑" pitchFamily="34" charset="-122"/>
+              </a:rPr>
+              <a:t>图。</a:t>
+            </a:r>
+            <a:r>
+              <a:rPr lang="en-US" altLang="zh-CN" sz="2400" dirty="0">
+                <a:solidFill>
+                  <a:schemeClr val="tx1">
+                    <a:lumMod val="75000"/>
+                    <a:lumOff val="25000"/>
+                  </a:schemeClr>
+                </a:solidFill>
+                <a:latin typeface="微软雅黑" pitchFamily="34" charset="-122"/>
+                <a:ea typeface="微软雅黑" pitchFamily="34" charset="-122"/>
+              </a:rPr>
+              <a:t>	</a:t>
             </a:r>
             <a:endParaRPr lang="en-US" altLang="zh-CN" sz="2400" b="1" dirty="0" smtClean="0">
               <a:solidFill>
@@ -4911,6 +4601,58 @@
               <a:ea typeface="微软雅黑" pitchFamily="34" charset="-122"/>
             </a:endParaRPr>
           </a:p>
+        </p:txBody>
+      </p:sp>
+    </p:spTree>
+    <p:extLst>
+      <p:ext uri="{BB962C8B-B14F-4D97-AF65-F5344CB8AC3E}">
+        <p14:creationId xmlns:p14="http://schemas.microsoft.com/office/powerpoint/2010/main" val="1056596342"/>
+      </p:ext>
+    </p:extLst>
+  </p:cSld>
+  <p:clrMapOvr>
+    <a:masterClrMapping/>
+  </p:clrMapOvr>
+</p:sld>
+</file>
+
+<file path=ppt/slides/slide13.xml><?xml version="1.0" encoding="utf-8"?>
+<p:sld xmlns:a="http://schemas.openxmlformats.org/drawingml/2006/main" xmlns:r="http://schemas.openxmlformats.org/officeDocument/2006/relationships" xmlns:p="http://schemas.openxmlformats.org/presentationml/2006/main">
+  <p:cSld>
+    <p:spTree>
+      <p:nvGrpSpPr>
+        <p:cNvPr id="1" name=""/>
+        <p:cNvGrpSpPr/>
+        <p:nvPr/>
+      </p:nvGrpSpPr>
+      <p:grpSpPr>
+        <a:xfrm>
+          <a:off x="0" y="0"/>
+          <a:ext cx="0" cy="0"/>
+          <a:chOff x="0" y="0"/>
+          <a:chExt cx="0" cy="0"/>
+        </a:xfrm>
+      </p:grpSpPr>
+      <p:sp>
+        <p:nvSpPr>
+          <p:cNvPr id="2" name="矩形 1"/>
+          <p:cNvSpPr/>
+          <p:nvPr/>
+        </p:nvSpPr>
+        <p:spPr>
+          <a:xfrm>
+            <a:off x="683568" y="116632"/>
+            <a:ext cx="7776864" cy="1200329"/>
+          </a:xfrm>
+          <a:prstGeom prst="rect">
+            <a:avLst/>
+          </a:prstGeom>
+        </p:spPr>
+        <p:txBody>
+          <a:bodyPr wrap="square">
+            <a:spAutoFit/>
+          </a:bodyPr>
+          <a:lstStyle/>
           <a:p>
             <a:pPr>
               <a:lnSpc>
@@ -4918,45 +4660,58 @@
               </a:lnSpc>
             </a:pPr>
             <a:r>
-              <a:rPr lang="zh-CN" altLang="en-US" sz="2400" dirty="0" smtClean="0">
-                <a:solidFill>
-                  <a:schemeClr val="tx1">
-                    <a:lumMod val="75000"/>
-                    <a:lumOff val="25000"/>
-                  </a:schemeClr>
-                </a:solidFill>
-                <a:latin typeface="微软雅黑" pitchFamily="34" charset="-122"/>
-                <a:ea typeface="微软雅黑" pitchFamily="34" charset="-122"/>
-              </a:rPr>
-              <a:t>我们先制作一个渐变，然后使用改渐变填充一个图案，在使用图案填充最终的</a:t>
-            </a:r>
-            <a:r>
-              <a:rPr lang="en-US" altLang="zh-CN" sz="2400" dirty="0" smtClean="0">
-                <a:solidFill>
-                  <a:schemeClr val="tx1">
-                    <a:lumMod val="75000"/>
-                    <a:lumOff val="25000"/>
-                  </a:schemeClr>
-                </a:solidFill>
-                <a:latin typeface="微软雅黑" pitchFamily="34" charset="-122"/>
-                <a:ea typeface="微软雅黑" pitchFamily="34" charset="-122"/>
-              </a:rPr>
-              <a:t>SVG</a:t>
-            </a:r>
-            <a:r>
-              <a:rPr lang="zh-CN" altLang="en-US" sz="2400" dirty="0" smtClean="0">
-                <a:solidFill>
-                  <a:schemeClr val="tx1">
-                    <a:lumMod val="75000"/>
-                    <a:lumOff val="25000"/>
-                  </a:schemeClr>
-                </a:solidFill>
-                <a:latin typeface="微软雅黑" pitchFamily="34" charset="-122"/>
-                <a:ea typeface="微软雅黑" pitchFamily="34" charset="-122"/>
-              </a:rPr>
-              <a:t>元素，这样我们可以使用图案的属性，更有效的控制渐变重复的次数和填充范围。</a:t>
-            </a:r>
-            <a:endParaRPr lang="en-US" altLang="zh-CN" sz="2400" dirty="0" smtClean="0">
+              <a:rPr lang="en-US" altLang="zh-CN" sz="2400" b="1" dirty="0">
+                <a:solidFill>
+                  <a:schemeClr val="tx1">
+                    <a:lumMod val="75000"/>
+                    <a:lumOff val="25000"/>
+                  </a:schemeClr>
+                </a:solidFill>
+                <a:latin typeface="微软雅黑" pitchFamily="34" charset="-122"/>
+                <a:ea typeface="微软雅黑" pitchFamily="34" charset="-122"/>
+              </a:rPr>
+              <a:t>9</a:t>
+            </a:r>
+            <a:r>
+              <a:rPr lang="en-US" altLang="zh-CN" sz="2400" b="1" dirty="0" smtClean="0">
+                <a:solidFill>
+                  <a:schemeClr val="tx1">
+                    <a:lumMod val="75000"/>
+                    <a:lumOff val="25000"/>
+                  </a:schemeClr>
+                </a:solidFill>
+                <a:latin typeface="微软雅黑" pitchFamily="34" charset="-122"/>
+                <a:ea typeface="微软雅黑" pitchFamily="34" charset="-122"/>
+              </a:rPr>
+              <a:t> </a:t>
+            </a:r>
+            <a:r>
+              <a:rPr lang="zh-CN" altLang="en-US" sz="2400" b="1" dirty="0" smtClean="0">
+                <a:solidFill>
+                  <a:schemeClr val="tx1">
+                    <a:lumMod val="75000"/>
+                    <a:lumOff val="25000"/>
+                  </a:schemeClr>
+                </a:solidFill>
+                <a:latin typeface="微软雅黑" pitchFamily="34" charset="-122"/>
+                <a:ea typeface="微软雅黑" pitchFamily="34" charset="-122"/>
+              </a:rPr>
+              <a:t>组合滤镜 </a:t>
+            </a:r>
+            <a:r>
+              <a:rPr lang="en-US" altLang="zh-CN" sz="2400" b="1" dirty="0" err="1">
+                <a:solidFill>
+                  <a:schemeClr val="tx1">
+                    <a:lumMod val="75000"/>
+                    <a:lumOff val="25000"/>
+                  </a:schemeClr>
+                </a:solidFill>
+                <a:latin typeface="微软雅黑" pitchFamily="34" charset="-122"/>
+                <a:ea typeface="微软雅黑" pitchFamily="34" charset="-122"/>
+              </a:rPr>
+              <a:t>feComposite</a:t>
+            </a:r>
+            <a:endParaRPr lang="en-US" altLang="zh-CN" sz="2400" b="1" dirty="0" smtClean="0">
               <a:solidFill>
                 <a:schemeClr val="tx1">
                   <a:lumMod val="75000"/>
@@ -4967,8 +4722,245 @@
               <a:ea typeface="微软雅黑" pitchFamily="34" charset="-122"/>
             </a:endParaRPr>
           </a:p>
-        </p:txBody>
-      </p:sp>
+          <a:p>
+            <a:pPr>
+              <a:lnSpc>
+                <a:spcPct val="150000"/>
+              </a:lnSpc>
+            </a:pPr>
+            <a:r>
+              <a:rPr lang="zh-CN" altLang="en-US" sz="2400" dirty="0" smtClean="0">
+                <a:solidFill>
+                  <a:schemeClr val="tx1">
+                    <a:lumMod val="75000"/>
+                    <a:lumOff val="25000"/>
+                  </a:schemeClr>
+                </a:solidFill>
+                <a:latin typeface="微软雅黑" pitchFamily="34" charset="-122"/>
+                <a:ea typeface="微软雅黑" pitchFamily="34" charset="-122"/>
+              </a:rPr>
+              <a:t>该滤</a:t>
+            </a:r>
+            <a:r>
+              <a:rPr lang="en-US" altLang="zh-CN" sz="2400" dirty="0">
+                <a:solidFill>
+                  <a:schemeClr val="tx1">
+                    <a:lumMod val="75000"/>
+                    <a:lumOff val="25000"/>
+                  </a:schemeClr>
+                </a:solidFill>
+                <a:latin typeface="微软雅黑" pitchFamily="34" charset="-122"/>
+                <a:ea typeface="微软雅黑" pitchFamily="34" charset="-122"/>
+              </a:rPr>
+              <a:t>	</a:t>
+            </a:r>
+            <a:endParaRPr lang="en-US" altLang="zh-CN" sz="2400" b="1" dirty="0" smtClean="0">
+              <a:solidFill>
+                <a:schemeClr val="tx1">
+                  <a:lumMod val="75000"/>
+                  <a:lumOff val="25000"/>
+                </a:schemeClr>
+              </a:solidFill>
+              <a:latin typeface="微软雅黑" pitchFamily="34" charset="-122"/>
+              <a:ea typeface="微软雅黑" pitchFamily="34" charset="-122"/>
+            </a:endParaRPr>
+          </a:p>
+        </p:txBody>
+      </p:sp>
+    </p:spTree>
+    <p:extLst>
+      <p:ext uri="{BB962C8B-B14F-4D97-AF65-F5344CB8AC3E}">
+        <p14:creationId xmlns:p14="http://schemas.microsoft.com/office/powerpoint/2010/main" val="2665069074"/>
+      </p:ext>
+    </p:extLst>
+  </p:cSld>
+  <p:clrMapOvr>
+    <a:masterClrMapping/>
+  </p:clrMapOvr>
+</p:sld>
+</file>
+
+<file path=ppt/slides/slide14.xml><?xml version="1.0" encoding="utf-8"?>
+<p:sld xmlns:a="http://schemas.openxmlformats.org/drawingml/2006/main" xmlns:r="http://schemas.openxmlformats.org/officeDocument/2006/relationships" xmlns:p="http://schemas.openxmlformats.org/presentationml/2006/main">
+  <p:cSld>
+    <p:spTree>
+      <p:nvGrpSpPr>
+        <p:cNvPr id="1" name=""/>
+        <p:cNvGrpSpPr/>
+        <p:nvPr/>
+      </p:nvGrpSpPr>
+      <p:grpSpPr>
+        <a:xfrm>
+          <a:off x="0" y="0"/>
+          <a:ext cx="0" cy="0"/>
+          <a:chOff x="0" y="0"/>
+          <a:chExt cx="0" cy="0"/>
+        </a:xfrm>
+      </p:grpSpPr>
+      <p:sp>
+        <p:nvSpPr>
+          <p:cNvPr id="2" name="矩形 1"/>
+          <p:cNvSpPr/>
+          <p:nvPr/>
+        </p:nvSpPr>
+        <p:spPr>
+          <a:xfrm>
+            <a:off x="683568" y="116632"/>
+            <a:ext cx="7776864" cy="1200329"/>
+          </a:xfrm>
+          <a:prstGeom prst="rect">
+            <a:avLst/>
+          </a:prstGeom>
+        </p:spPr>
+        <p:txBody>
+          <a:bodyPr wrap="square">
+            <a:spAutoFit/>
+          </a:bodyPr>
+          <a:lstStyle/>
+          <a:p>
+            <a:pPr>
+              <a:lnSpc>
+                <a:spcPct val="150000"/>
+              </a:lnSpc>
+            </a:pPr>
+            <a:r>
+              <a:rPr lang="en-US" altLang="zh-CN" sz="2400" b="1" dirty="0" smtClean="0">
+                <a:solidFill>
+                  <a:schemeClr val="tx1">
+                    <a:lumMod val="75000"/>
+                    <a:lumOff val="25000"/>
+                  </a:schemeClr>
+                </a:solidFill>
+                <a:latin typeface="微软雅黑" pitchFamily="34" charset="-122"/>
+                <a:ea typeface="微软雅黑" pitchFamily="34" charset="-122"/>
+              </a:rPr>
+              <a:t>10 </a:t>
+            </a:r>
+            <a:r>
+              <a:rPr lang="zh-CN" altLang="en-US" sz="2400" b="1" dirty="0" smtClean="0">
+                <a:solidFill>
+                  <a:schemeClr val="tx1">
+                    <a:lumMod val="75000"/>
+                    <a:lumOff val="25000"/>
+                  </a:schemeClr>
+                </a:solidFill>
+                <a:latin typeface="微软雅黑" pitchFamily="34" charset="-122"/>
+                <a:ea typeface="微软雅黑" pitchFamily="34" charset="-122"/>
+              </a:rPr>
+              <a:t>颜色矩阵</a:t>
+            </a:r>
+            <a:r>
+              <a:rPr lang="zh-CN" altLang="en-US" sz="2400" b="1" dirty="0" smtClean="0">
+                <a:solidFill>
+                  <a:schemeClr val="tx1">
+                    <a:lumMod val="75000"/>
+                    <a:lumOff val="25000"/>
+                  </a:schemeClr>
+                </a:solidFill>
+                <a:latin typeface="微软雅黑" pitchFamily="34" charset="-122"/>
+                <a:ea typeface="微软雅黑" pitchFamily="34" charset="-122"/>
+              </a:rPr>
+              <a:t>滤镜 </a:t>
+            </a:r>
+            <a:r>
+              <a:rPr lang="en-US" altLang="zh-CN" sz="2400" b="1" dirty="0" err="1">
+                <a:solidFill>
+                  <a:schemeClr val="tx1">
+                    <a:lumMod val="75000"/>
+                    <a:lumOff val="25000"/>
+                  </a:schemeClr>
+                </a:solidFill>
+                <a:latin typeface="微软雅黑" pitchFamily="34" charset="-122"/>
+                <a:ea typeface="微软雅黑" pitchFamily="34" charset="-122"/>
+              </a:rPr>
+              <a:t>feColorMatrix</a:t>
+            </a:r>
+            <a:endParaRPr lang="en-US" altLang="zh-CN" sz="2400" b="1" dirty="0" smtClean="0">
+              <a:solidFill>
+                <a:schemeClr val="tx1">
+                  <a:lumMod val="75000"/>
+                  <a:lumOff val="25000"/>
+                </a:schemeClr>
+              </a:solidFill>
+              <a:latin typeface="微软雅黑" pitchFamily="34" charset="-122"/>
+              <a:ea typeface="微软雅黑" pitchFamily="34" charset="-122"/>
+            </a:endParaRPr>
+          </a:p>
+          <a:p>
+            <a:pPr>
+              <a:lnSpc>
+                <a:spcPct val="150000"/>
+              </a:lnSpc>
+            </a:pPr>
+            <a:r>
+              <a:rPr lang="zh-CN" altLang="en-US" sz="2400" dirty="0" smtClean="0">
+                <a:solidFill>
+                  <a:schemeClr val="tx1">
+                    <a:lumMod val="75000"/>
+                    <a:lumOff val="25000"/>
+                  </a:schemeClr>
+                </a:solidFill>
+                <a:latin typeface="微软雅黑" pitchFamily="34" charset="-122"/>
+                <a:ea typeface="微软雅黑" pitchFamily="34" charset="-122"/>
+              </a:rPr>
+              <a:t>该滤</a:t>
+            </a:r>
+            <a:r>
+              <a:rPr lang="en-US" altLang="zh-CN" sz="2400" dirty="0">
+                <a:solidFill>
+                  <a:schemeClr val="tx1">
+                    <a:lumMod val="75000"/>
+                    <a:lumOff val="25000"/>
+                  </a:schemeClr>
+                </a:solidFill>
+                <a:latin typeface="微软雅黑" pitchFamily="34" charset="-122"/>
+                <a:ea typeface="微软雅黑" pitchFamily="34" charset="-122"/>
+              </a:rPr>
+              <a:t>	</a:t>
+            </a:r>
+            <a:endParaRPr lang="en-US" altLang="zh-CN" sz="2400" b="1" dirty="0" smtClean="0">
+              <a:solidFill>
+                <a:schemeClr val="tx1">
+                  <a:lumMod val="75000"/>
+                  <a:lumOff val="25000"/>
+                </a:schemeClr>
+              </a:solidFill>
+              <a:latin typeface="微软雅黑" pitchFamily="34" charset="-122"/>
+              <a:ea typeface="微软雅黑" pitchFamily="34" charset="-122"/>
+            </a:endParaRPr>
+          </a:p>
+        </p:txBody>
+      </p:sp>
+    </p:spTree>
+    <p:extLst>
+      <p:ext uri="{BB962C8B-B14F-4D97-AF65-F5344CB8AC3E}">
+        <p14:creationId xmlns:p14="http://schemas.microsoft.com/office/powerpoint/2010/main" val="1055590602"/>
+      </p:ext>
+    </p:extLst>
+  </p:cSld>
+  <p:clrMapOvr>
+    <a:masterClrMapping/>
+  </p:clrMapOvr>
+</p:sld>
+</file>
+
+<file path=ppt/slides/slide15.xml><?xml version="1.0" encoding="utf-8"?>
+<p:sld xmlns:a="http://schemas.openxmlformats.org/drawingml/2006/main" xmlns:r="http://schemas.openxmlformats.org/officeDocument/2006/relationships" xmlns:p="http://schemas.openxmlformats.org/presentationml/2006/main">
+  <p:cSld>
+    <p:spTree>
+      <p:nvGrpSpPr>
+        <p:cNvPr id="1" name=""/>
+        <p:cNvGrpSpPr/>
+        <p:nvPr/>
+      </p:nvGrpSpPr>
+      <p:grpSpPr>
+        <a:xfrm>
+          <a:off x="0" y="0"/>
+          <a:ext cx="0" cy="0"/>
+          <a:chOff x="0" y="0"/>
+          <a:chExt cx="0" cy="0"/>
+        </a:xfrm>
+      </p:grpSpPr>
       <p:pic>
         <p:nvPicPr>
           <p:cNvPr id="3" name="图片 2" descr="屏幕剪辑"/>
@@ -5336,866 +5328,6 @@
 </p:sld>
 </file>
 
-<file path=ppt/slides/slide13.xml><?xml version="1.0" encoding="utf-8"?>
-<p:sld xmlns:a="http://schemas.openxmlformats.org/drawingml/2006/main" xmlns:r="http://schemas.openxmlformats.org/officeDocument/2006/relationships" xmlns:p="http://schemas.openxmlformats.org/presentationml/2006/main">
-  <p:cSld>
-    <p:spTree>
-      <p:nvGrpSpPr>
-        <p:cNvPr id="1" name=""/>
-        <p:cNvGrpSpPr/>
-        <p:nvPr/>
-      </p:nvGrpSpPr>
-      <p:grpSpPr>
-        <a:xfrm>
-          <a:off x="0" y="0"/>
-          <a:ext cx="0" cy="0"/>
-          <a:chOff x="0" y="0"/>
-          <a:chExt cx="0" cy="0"/>
-        </a:xfrm>
-      </p:grpSpPr>
-      <p:pic>
-        <p:nvPicPr>
-          <p:cNvPr id="8" name="图片 7" descr="屏幕剪辑"/>
-          <p:cNvPicPr>
-            <a:picLocks noChangeAspect="1"/>
-          </p:cNvPicPr>
-          <p:nvPr/>
-        </p:nvPicPr>
-        <p:blipFill>
-          <a:blip r:embed="rId3">
-            <a:extLst>
-              <a:ext uri="{28A0092B-C50C-407E-A947-70E740481C1C}">
-                <a14:useLocalDpi xmlns:a14="http://schemas.microsoft.com/office/drawing/2010/main" val="0"/>
-              </a:ext>
-            </a:extLst>
-          </a:blip>
-          <a:stretch>
-            <a:fillRect/>
-          </a:stretch>
-        </p:blipFill>
-        <p:spPr>
-          <a:xfrm>
-            <a:off x="899592" y="954929"/>
-            <a:ext cx="6480720" cy="2114031"/>
-          </a:xfrm>
-          <a:prstGeom prst="rect">
-            <a:avLst/>
-          </a:prstGeom>
-          <a:ln>
-            <a:noFill/>
-          </a:ln>
-          <a:effectLst>
-            <a:softEdge rad="112500"/>
-          </a:effectLst>
-        </p:spPr>
-      </p:pic>
-      <p:pic>
-        <p:nvPicPr>
-          <p:cNvPr id="10" name="图片 9" descr="屏幕剪辑"/>
-          <p:cNvPicPr>
-            <a:picLocks noChangeAspect="1"/>
-          </p:cNvPicPr>
-          <p:nvPr/>
-        </p:nvPicPr>
-        <p:blipFill>
-          <a:blip r:embed="rId4">
-            <a:extLst>
-              <a:ext uri="{28A0092B-C50C-407E-A947-70E740481C1C}">
-                <a14:useLocalDpi xmlns:a14="http://schemas.microsoft.com/office/drawing/2010/main" val="0"/>
-              </a:ext>
-            </a:extLst>
-          </a:blip>
-          <a:stretch>
-            <a:fillRect/>
-          </a:stretch>
-        </p:blipFill>
-        <p:spPr>
-          <a:xfrm>
-            <a:off x="1287382" y="239333"/>
-            <a:ext cx="5372850" cy="571580"/>
-          </a:xfrm>
-          <a:prstGeom prst="rect">
-            <a:avLst/>
-          </a:prstGeom>
-          <a:ln>
-            <a:noFill/>
-          </a:ln>
-          <a:effectLst>
-            <a:outerShdw blurRad="292100" dist="139700" dir="2700000" algn="tl" rotWithShape="0">
-              <a:srgbClr val="333333">
-                <a:alpha val="65000"/>
-              </a:srgbClr>
-            </a:outerShdw>
-          </a:effectLst>
-        </p:spPr>
-      </p:pic>
-      <p:sp>
-        <p:nvSpPr>
-          <p:cNvPr id="9" name="圆角矩形标注 8"/>
-          <p:cNvSpPr/>
-          <p:nvPr/>
-        </p:nvSpPr>
-        <p:spPr>
-          <a:xfrm>
-            <a:off x="6660232" y="371166"/>
-            <a:ext cx="1296144" cy="511755"/>
-          </a:xfrm>
-          <a:prstGeom prst="wedgeRoundRectCallout">
-            <a:avLst>
-              <a:gd name="adj1" fmla="val -56292"/>
-              <a:gd name="adj2" fmla="val -21278"/>
-              <a:gd name="adj3" fmla="val 16667"/>
-            </a:avLst>
-          </a:prstGeom>
-        </p:spPr>
-        <p:style>
-          <a:lnRef idx="2">
-            <a:schemeClr val="accent5"/>
-          </a:lnRef>
-          <a:fillRef idx="1">
-            <a:schemeClr val="lt1"/>
-          </a:fillRef>
-          <a:effectRef idx="0">
-            <a:schemeClr val="accent5"/>
-          </a:effectRef>
-          <a:fontRef idx="minor">
-            <a:schemeClr val="dk1"/>
-          </a:fontRef>
-        </p:style>
-        <p:txBody>
-          <a:bodyPr rtlCol="0" anchor="ctr"/>
-          <a:lstStyle/>
-          <a:p>
-            <a:pPr>
-              <a:lnSpc>
-                <a:spcPct val="150000"/>
-              </a:lnSpc>
-            </a:pPr>
-            <a:r>
-              <a:rPr lang="zh-CN" altLang="en-US" sz="2000" dirty="0" smtClean="0">
-                <a:solidFill>
-                  <a:schemeClr val="tx1">
-                    <a:lumMod val="75000"/>
-                    <a:lumOff val="25000"/>
-                  </a:schemeClr>
-                </a:solidFill>
-                <a:latin typeface="微软雅黑" pitchFamily="34" charset="-122"/>
-                <a:ea typeface="微软雅黑" pitchFamily="34" charset="-122"/>
-              </a:rPr>
-              <a:t>填充图案</a:t>
-            </a:r>
-            <a:endParaRPr lang="en-US" altLang="zh-CN" sz="2000" dirty="0">
-              <a:solidFill>
-                <a:schemeClr val="tx1">
-                  <a:lumMod val="75000"/>
-                  <a:lumOff val="25000"/>
-                </a:schemeClr>
-              </a:solidFill>
-              <a:latin typeface="微软雅黑" pitchFamily="34" charset="-122"/>
-              <a:ea typeface="微软雅黑" pitchFamily="34" charset="-122"/>
-            </a:endParaRPr>
-          </a:p>
-        </p:txBody>
-      </p:sp>
-      <p:sp>
-        <p:nvSpPr>
-          <p:cNvPr id="11" name="矩形 10"/>
-          <p:cNvSpPr/>
-          <p:nvPr/>
-        </p:nvSpPr>
-        <p:spPr>
-          <a:xfrm>
-            <a:off x="2195736" y="486877"/>
-            <a:ext cx="3096344" cy="288032"/>
-          </a:xfrm>
-          <a:prstGeom prst="rect">
-            <a:avLst/>
-          </a:prstGeom>
-          <a:noFill/>
-          <a:ln>
-            <a:solidFill>
-              <a:srgbClr val="FFFF00"/>
-            </a:solidFill>
-          </a:ln>
-        </p:spPr>
-        <p:style>
-          <a:lnRef idx="2">
-            <a:schemeClr val="accent1">
-              <a:shade val="50000"/>
-            </a:schemeClr>
-          </a:lnRef>
-          <a:fillRef idx="1">
-            <a:schemeClr val="accent1"/>
-          </a:fillRef>
-          <a:effectRef idx="0">
-            <a:schemeClr val="accent1"/>
-          </a:effectRef>
-          <a:fontRef idx="minor">
-            <a:schemeClr val="lt1"/>
-          </a:fontRef>
-        </p:style>
-        <p:txBody>
-          <a:bodyPr rtlCol="0" anchor="ctr"/>
-          <a:lstStyle/>
-          <a:p>
-            <a:pPr algn="ctr"/>
-            <a:endParaRPr lang="zh-CN" altLang="en-US"/>
-          </a:p>
-        </p:txBody>
-      </p:sp>
-    </p:spTree>
-    <p:extLst>
-      <p:ext uri="{BB962C8B-B14F-4D97-AF65-F5344CB8AC3E}">
-        <p14:creationId xmlns:p14="http://schemas.microsoft.com/office/powerpoint/2010/main" val="4135313979"/>
-      </p:ext>
-    </p:extLst>
-  </p:cSld>
-  <p:clrMapOvr>
-    <a:masterClrMapping/>
-  </p:clrMapOvr>
-</p:sld>
-</file>
-
-<file path=ppt/slides/slide14.xml><?xml version="1.0" encoding="utf-8"?>
-<p:sld xmlns:a="http://schemas.openxmlformats.org/drawingml/2006/main" xmlns:r="http://schemas.openxmlformats.org/officeDocument/2006/relationships" xmlns:p="http://schemas.openxmlformats.org/presentationml/2006/main">
-  <p:cSld>
-    <p:spTree>
-      <p:nvGrpSpPr>
-        <p:cNvPr id="1" name=""/>
-        <p:cNvGrpSpPr/>
-        <p:nvPr/>
-      </p:nvGrpSpPr>
-      <p:grpSpPr>
-        <a:xfrm>
-          <a:off x="0" y="0"/>
-          <a:ext cx="0" cy="0"/>
-          <a:chOff x="0" y="0"/>
-          <a:chExt cx="0" cy="0"/>
-        </a:xfrm>
-      </p:grpSpPr>
-      <p:sp>
-        <p:nvSpPr>
-          <p:cNvPr id="2" name="矩形 1"/>
-          <p:cNvSpPr/>
-          <p:nvPr/>
-        </p:nvSpPr>
-        <p:spPr>
-          <a:xfrm>
-            <a:off x="827584" y="12680"/>
-            <a:ext cx="7776864" cy="1200329"/>
-          </a:xfrm>
-          <a:prstGeom prst="rect">
-            <a:avLst/>
-          </a:prstGeom>
-        </p:spPr>
-        <p:txBody>
-          <a:bodyPr wrap="square">
-            <a:spAutoFit/>
-          </a:bodyPr>
-          <a:lstStyle/>
-          <a:p>
-            <a:pPr>
-              <a:lnSpc>
-                <a:spcPct val="150000"/>
-              </a:lnSpc>
-            </a:pPr>
-            <a:r>
-              <a:rPr lang="en-US" altLang="zh-CN" sz="2400" b="1" dirty="0" smtClean="0">
-                <a:solidFill>
-                  <a:schemeClr val="tx1">
-                    <a:lumMod val="75000"/>
-                    <a:lumOff val="25000"/>
-                  </a:schemeClr>
-                </a:solidFill>
-                <a:latin typeface="微软雅黑" pitchFamily="34" charset="-122"/>
-                <a:ea typeface="微软雅黑" pitchFamily="34" charset="-122"/>
-              </a:rPr>
-              <a:t>5-b </a:t>
-            </a:r>
-            <a:r>
-              <a:rPr lang="zh-CN" altLang="en-US" sz="2400" b="1" dirty="0" smtClean="0">
-                <a:solidFill>
-                  <a:schemeClr val="tx1">
-                    <a:lumMod val="75000"/>
-                    <a:lumOff val="25000"/>
-                  </a:schemeClr>
-                </a:solidFill>
-                <a:latin typeface="微软雅黑" pitchFamily="34" charset="-122"/>
-                <a:ea typeface="微软雅黑" pitchFamily="34" charset="-122"/>
-              </a:rPr>
-              <a:t>亮光渐变图案</a:t>
-            </a:r>
-            <a:endParaRPr lang="en-US" altLang="zh-CN" sz="2400" b="1" dirty="0" smtClean="0">
-              <a:solidFill>
-                <a:schemeClr val="tx1">
-                  <a:lumMod val="75000"/>
-                  <a:lumOff val="25000"/>
-                </a:schemeClr>
-              </a:solidFill>
-              <a:latin typeface="微软雅黑" pitchFamily="34" charset="-122"/>
-              <a:ea typeface="微软雅黑" pitchFamily="34" charset="-122"/>
-            </a:endParaRPr>
-          </a:p>
-          <a:p>
-            <a:pPr>
-              <a:lnSpc>
-                <a:spcPct val="150000"/>
-              </a:lnSpc>
-            </a:pPr>
-            <a:endParaRPr lang="en-US" altLang="zh-CN" sz="2400" dirty="0" smtClean="0">
-              <a:solidFill>
-                <a:schemeClr val="tx1">
-                  <a:lumMod val="75000"/>
-                  <a:lumOff val="25000"/>
-                </a:schemeClr>
-              </a:solidFill>
-              <a:latin typeface="微软雅黑" pitchFamily="34" charset="-122"/>
-              <a:ea typeface="微软雅黑" pitchFamily="34" charset="-122"/>
-            </a:endParaRPr>
-          </a:p>
-        </p:txBody>
-      </p:sp>
-      <p:pic>
-        <p:nvPicPr>
-          <p:cNvPr id="10" name="图片 9" descr="屏幕剪辑"/>
-          <p:cNvPicPr>
-            <a:picLocks noChangeAspect="1"/>
-          </p:cNvPicPr>
-          <p:nvPr/>
-        </p:nvPicPr>
-        <p:blipFill>
-          <a:blip r:embed="rId3">
-            <a:extLst>
-              <a:ext uri="{28A0092B-C50C-407E-A947-70E740481C1C}">
-                <a14:useLocalDpi xmlns:a14="http://schemas.microsoft.com/office/drawing/2010/main" val="0"/>
-              </a:ext>
-            </a:extLst>
-          </a:blip>
-          <a:stretch>
-            <a:fillRect/>
-          </a:stretch>
-        </p:blipFill>
-        <p:spPr>
-          <a:xfrm>
-            <a:off x="1187624" y="764704"/>
-            <a:ext cx="5687219" cy="2267266"/>
-          </a:xfrm>
-          <a:prstGeom prst="rect">
-            <a:avLst/>
-          </a:prstGeom>
-          <a:ln>
-            <a:noFill/>
-          </a:ln>
-          <a:effectLst>
-            <a:outerShdw blurRad="292100" dist="139700" dir="2700000" algn="tl" rotWithShape="0">
-              <a:srgbClr val="333333">
-                <a:alpha val="65000"/>
-              </a:srgbClr>
-            </a:outerShdw>
-          </a:effectLst>
-        </p:spPr>
-      </p:pic>
-      <p:sp>
-        <p:nvSpPr>
-          <p:cNvPr id="11" name="圆角矩形标注 10"/>
-          <p:cNvSpPr/>
-          <p:nvPr/>
-        </p:nvSpPr>
-        <p:spPr>
-          <a:xfrm>
-            <a:off x="6156176" y="1464115"/>
-            <a:ext cx="1296144" cy="500917"/>
-          </a:xfrm>
-          <a:prstGeom prst="wedgeRoundRectCallout">
-            <a:avLst>
-              <a:gd name="adj1" fmla="val -56292"/>
-              <a:gd name="adj2" fmla="val -21278"/>
-              <a:gd name="adj3" fmla="val 16667"/>
-            </a:avLst>
-          </a:prstGeom>
-        </p:spPr>
-        <p:style>
-          <a:lnRef idx="2">
-            <a:schemeClr val="accent5"/>
-          </a:lnRef>
-          <a:fillRef idx="1">
-            <a:schemeClr val="lt1"/>
-          </a:fillRef>
-          <a:effectRef idx="0">
-            <a:schemeClr val="accent5"/>
-          </a:effectRef>
-          <a:fontRef idx="minor">
-            <a:schemeClr val="dk1"/>
-          </a:fontRef>
-        </p:style>
-        <p:txBody>
-          <a:bodyPr rtlCol="0" anchor="ctr"/>
-          <a:lstStyle/>
-          <a:p>
-            <a:pPr>
-              <a:lnSpc>
-                <a:spcPct val="150000"/>
-              </a:lnSpc>
-            </a:pPr>
-            <a:r>
-              <a:rPr lang="zh-CN" altLang="en-US" sz="2000" dirty="0" smtClean="0">
-                <a:solidFill>
-                  <a:schemeClr val="tx1">
-                    <a:lumMod val="75000"/>
-                    <a:lumOff val="25000"/>
-                  </a:schemeClr>
-                </a:solidFill>
-                <a:latin typeface="微软雅黑" pitchFamily="34" charset="-122"/>
-                <a:ea typeface="微软雅黑" pitchFamily="34" charset="-122"/>
-              </a:rPr>
-              <a:t>亮光渐变</a:t>
-            </a:r>
-            <a:endParaRPr lang="en-US" altLang="zh-CN" sz="2000" dirty="0">
-              <a:solidFill>
-                <a:schemeClr val="tx1">
-                  <a:lumMod val="75000"/>
-                  <a:lumOff val="25000"/>
-                </a:schemeClr>
-              </a:solidFill>
-              <a:latin typeface="微软雅黑" pitchFamily="34" charset="-122"/>
-              <a:ea typeface="微软雅黑" pitchFamily="34" charset="-122"/>
-            </a:endParaRPr>
-          </a:p>
-        </p:txBody>
-      </p:sp>
-      <p:sp>
-        <p:nvSpPr>
-          <p:cNvPr id="12" name="矩形 11"/>
-          <p:cNvSpPr/>
-          <p:nvPr/>
-        </p:nvSpPr>
-        <p:spPr>
-          <a:xfrm>
-            <a:off x="3491880" y="836712"/>
-            <a:ext cx="2088232" cy="288032"/>
-          </a:xfrm>
-          <a:prstGeom prst="rect">
-            <a:avLst/>
-          </a:prstGeom>
-          <a:noFill/>
-          <a:ln>
-            <a:solidFill>
-              <a:srgbClr val="FFFF00"/>
-            </a:solidFill>
-          </a:ln>
-        </p:spPr>
-        <p:style>
-          <a:lnRef idx="2">
-            <a:schemeClr val="accent1">
-              <a:shade val="50000"/>
-            </a:schemeClr>
-          </a:lnRef>
-          <a:fillRef idx="1">
-            <a:schemeClr val="accent1"/>
-          </a:fillRef>
-          <a:effectRef idx="0">
-            <a:schemeClr val="accent1"/>
-          </a:effectRef>
-          <a:fontRef idx="minor">
-            <a:schemeClr val="lt1"/>
-          </a:fontRef>
-        </p:style>
-        <p:txBody>
-          <a:bodyPr rtlCol="0" anchor="ctr"/>
-          <a:lstStyle/>
-          <a:p>
-            <a:pPr algn="ctr"/>
-            <a:endParaRPr lang="zh-CN" altLang="en-US"/>
-          </a:p>
-        </p:txBody>
-      </p:sp>
-      <p:pic>
-        <p:nvPicPr>
-          <p:cNvPr id="13" name="图片 12" descr="屏幕剪辑"/>
-          <p:cNvPicPr>
-            <a:picLocks noChangeAspect="1"/>
-          </p:cNvPicPr>
-          <p:nvPr/>
-        </p:nvPicPr>
-        <p:blipFill>
-          <a:blip r:embed="rId4">
-            <a:extLst>
-              <a:ext uri="{28A0092B-C50C-407E-A947-70E740481C1C}">
-                <a14:useLocalDpi xmlns:a14="http://schemas.microsoft.com/office/drawing/2010/main" val="0"/>
-              </a:ext>
-            </a:extLst>
-          </a:blip>
-          <a:stretch>
-            <a:fillRect/>
-          </a:stretch>
-        </p:blipFill>
-        <p:spPr>
-          <a:xfrm>
-            <a:off x="1206129" y="3283076"/>
-            <a:ext cx="6030167" cy="2905530"/>
-          </a:xfrm>
-          <a:prstGeom prst="rect">
-            <a:avLst/>
-          </a:prstGeom>
-          <a:ln>
-            <a:noFill/>
-          </a:ln>
-          <a:effectLst>
-            <a:outerShdw blurRad="292100" dist="139700" dir="2700000" algn="tl" rotWithShape="0">
-              <a:srgbClr val="333333">
-                <a:alpha val="65000"/>
-              </a:srgbClr>
-            </a:outerShdw>
-          </a:effectLst>
-        </p:spPr>
-      </p:pic>
-      <p:sp>
-        <p:nvSpPr>
-          <p:cNvPr id="14" name="矩形 13"/>
-          <p:cNvSpPr/>
-          <p:nvPr/>
-        </p:nvSpPr>
-        <p:spPr>
-          <a:xfrm>
-            <a:off x="2627784" y="4869160"/>
-            <a:ext cx="2736304" cy="288032"/>
-          </a:xfrm>
-          <a:prstGeom prst="rect">
-            <a:avLst/>
-          </a:prstGeom>
-          <a:noFill/>
-          <a:ln>
-            <a:solidFill>
-              <a:srgbClr val="FFFF00"/>
-            </a:solidFill>
-          </a:ln>
-        </p:spPr>
-        <p:style>
-          <a:lnRef idx="2">
-            <a:schemeClr val="accent1">
-              <a:shade val="50000"/>
-            </a:schemeClr>
-          </a:lnRef>
-          <a:fillRef idx="1">
-            <a:schemeClr val="accent1"/>
-          </a:fillRef>
-          <a:effectRef idx="0">
-            <a:schemeClr val="accent1"/>
-          </a:effectRef>
-          <a:fontRef idx="minor">
-            <a:schemeClr val="lt1"/>
-          </a:fontRef>
-        </p:style>
-        <p:txBody>
-          <a:bodyPr rtlCol="0" anchor="ctr"/>
-          <a:lstStyle/>
-          <a:p>
-            <a:pPr algn="ctr"/>
-            <a:endParaRPr lang="zh-CN" altLang="en-US"/>
-          </a:p>
-        </p:txBody>
-      </p:sp>
-      <p:sp>
-        <p:nvSpPr>
-          <p:cNvPr id="15" name="圆角矩形标注 14"/>
-          <p:cNvSpPr/>
-          <p:nvPr/>
-        </p:nvSpPr>
-        <p:spPr>
-          <a:xfrm>
-            <a:off x="5796136" y="4656275"/>
-            <a:ext cx="1296144" cy="500917"/>
-          </a:xfrm>
-          <a:prstGeom prst="wedgeRoundRectCallout">
-            <a:avLst>
-              <a:gd name="adj1" fmla="val -56292"/>
-              <a:gd name="adj2" fmla="val -21278"/>
-              <a:gd name="adj3" fmla="val 16667"/>
-            </a:avLst>
-          </a:prstGeom>
-        </p:spPr>
-        <p:style>
-          <a:lnRef idx="2">
-            <a:schemeClr val="accent5"/>
-          </a:lnRef>
-          <a:fillRef idx="1">
-            <a:schemeClr val="lt1"/>
-          </a:fillRef>
-          <a:effectRef idx="0">
-            <a:schemeClr val="accent5"/>
-          </a:effectRef>
-          <a:fontRef idx="minor">
-            <a:schemeClr val="dk1"/>
-          </a:fontRef>
-        </p:style>
-        <p:txBody>
-          <a:bodyPr rtlCol="0" anchor="ctr"/>
-          <a:lstStyle/>
-          <a:p>
-            <a:pPr>
-              <a:lnSpc>
-                <a:spcPct val="150000"/>
-              </a:lnSpc>
-            </a:pPr>
-            <a:r>
-              <a:rPr lang="zh-CN" altLang="en-US" sz="2000" dirty="0" smtClean="0">
-                <a:solidFill>
-                  <a:schemeClr val="tx1">
-                    <a:lumMod val="75000"/>
-                    <a:lumOff val="25000"/>
-                  </a:schemeClr>
-                </a:solidFill>
-                <a:latin typeface="微软雅黑" pitchFamily="34" charset="-122"/>
-                <a:ea typeface="微软雅黑" pitchFamily="34" charset="-122"/>
-              </a:rPr>
-              <a:t>填充图案</a:t>
-            </a:r>
-            <a:endParaRPr lang="en-US" altLang="zh-CN" sz="2000" dirty="0">
-              <a:solidFill>
-                <a:schemeClr val="tx1">
-                  <a:lumMod val="75000"/>
-                  <a:lumOff val="25000"/>
-                </a:schemeClr>
-              </a:solidFill>
-              <a:latin typeface="微软雅黑" pitchFamily="34" charset="-122"/>
-              <a:ea typeface="微软雅黑" pitchFamily="34" charset="-122"/>
-            </a:endParaRPr>
-          </a:p>
-        </p:txBody>
-      </p:sp>
-    </p:spTree>
-    <p:extLst>
-      <p:ext uri="{BB962C8B-B14F-4D97-AF65-F5344CB8AC3E}">
-        <p14:creationId xmlns:p14="http://schemas.microsoft.com/office/powerpoint/2010/main" val="641788130"/>
-      </p:ext>
-    </p:extLst>
-  </p:cSld>
-  <p:clrMapOvr>
-    <a:masterClrMapping/>
-  </p:clrMapOvr>
-</p:sld>
-</file>
-
-<file path=ppt/slides/slide15.xml><?xml version="1.0" encoding="utf-8"?>
-<p:sld xmlns:a="http://schemas.openxmlformats.org/drawingml/2006/main" xmlns:r="http://schemas.openxmlformats.org/officeDocument/2006/relationships" xmlns:p="http://schemas.openxmlformats.org/presentationml/2006/main">
-  <p:cSld>
-    <p:spTree>
-      <p:nvGrpSpPr>
-        <p:cNvPr id="1" name=""/>
-        <p:cNvGrpSpPr/>
-        <p:nvPr/>
-      </p:nvGrpSpPr>
-      <p:grpSpPr>
-        <a:xfrm>
-          <a:off x="0" y="0"/>
-          <a:ext cx="0" cy="0"/>
-          <a:chOff x="0" y="0"/>
-          <a:chExt cx="0" cy="0"/>
-        </a:xfrm>
-      </p:grpSpPr>
-      <p:pic>
-        <p:nvPicPr>
-          <p:cNvPr id="2" name="图片 1" descr="屏幕剪辑"/>
-          <p:cNvPicPr>
-            <a:picLocks noChangeAspect="1"/>
-          </p:cNvPicPr>
-          <p:nvPr/>
-        </p:nvPicPr>
-        <p:blipFill>
-          <a:blip r:embed="rId2">
-            <a:extLst>
-              <a:ext uri="{28A0092B-C50C-407E-A947-70E740481C1C}">
-                <a14:useLocalDpi xmlns:a14="http://schemas.microsoft.com/office/drawing/2010/main" val="0"/>
-              </a:ext>
-            </a:extLst>
-          </a:blip>
-          <a:stretch>
-            <a:fillRect/>
-          </a:stretch>
-        </p:blipFill>
-        <p:spPr>
-          <a:xfrm>
-            <a:off x="1259632" y="332656"/>
-            <a:ext cx="5430008" cy="752580"/>
-          </a:xfrm>
-          <a:prstGeom prst="rect">
-            <a:avLst/>
-          </a:prstGeom>
-          <a:ln>
-            <a:noFill/>
-          </a:ln>
-          <a:effectLst>
-            <a:outerShdw blurRad="292100" dist="139700" dir="2700000" algn="tl" rotWithShape="0">
-              <a:srgbClr val="333333">
-                <a:alpha val="65000"/>
-              </a:srgbClr>
-            </a:outerShdw>
-          </a:effectLst>
-        </p:spPr>
-      </p:pic>
-      <p:sp>
-        <p:nvSpPr>
-          <p:cNvPr id="3" name="矩形 2"/>
-          <p:cNvSpPr/>
-          <p:nvPr/>
-        </p:nvSpPr>
-        <p:spPr>
-          <a:xfrm>
-            <a:off x="2123728" y="692696"/>
-            <a:ext cx="3312368" cy="288032"/>
-          </a:xfrm>
-          <a:prstGeom prst="rect">
-            <a:avLst/>
-          </a:prstGeom>
-          <a:noFill/>
-          <a:ln>
-            <a:solidFill>
-              <a:srgbClr val="FFFF00"/>
-            </a:solidFill>
-          </a:ln>
-        </p:spPr>
-        <p:style>
-          <a:lnRef idx="2">
-            <a:schemeClr val="accent1">
-              <a:shade val="50000"/>
-            </a:schemeClr>
-          </a:lnRef>
-          <a:fillRef idx="1">
-            <a:schemeClr val="accent1"/>
-          </a:fillRef>
-          <a:effectRef idx="0">
-            <a:schemeClr val="accent1"/>
-          </a:effectRef>
-          <a:fontRef idx="minor">
-            <a:schemeClr val="lt1"/>
-          </a:fontRef>
-        </p:style>
-        <p:txBody>
-          <a:bodyPr rtlCol="0" anchor="ctr"/>
-          <a:lstStyle/>
-          <a:p>
-            <a:pPr algn="ctr"/>
-            <a:endParaRPr lang="zh-CN" altLang="en-US"/>
-          </a:p>
-        </p:txBody>
-      </p:sp>
-      <p:sp>
-        <p:nvSpPr>
-          <p:cNvPr id="4" name="圆角矩形标注 3"/>
-          <p:cNvSpPr/>
-          <p:nvPr/>
-        </p:nvSpPr>
-        <p:spPr>
-          <a:xfrm>
-            <a:off x="6041568" y="610417"/>
-            <a:ext cx="1770792" cy="474819"/>
-          </a:xfrm>
-          <a:prstGeom prst="wedgeRoundRectCallout">
-            <a:avLst>
-              <a:gd name="adj1" fmla="val -56292"/>
-              <a:gd name="adj2" fmla="val -21278"/>
-              <a:gd name="adj3" fmla="val 16667"/>
-            </a:avLst>
-          </a:prstGeom>
-        </p:spPr>
-        <p:style>
-          <a:lnRef idx="2">
-            <a:schemeClr val="accent5"/>
-          </a:lnRef>
-          <a:fillRef idx="1">
-            <a:schemeClr val="lt1"/>
-          </a:fillRef>
-          <a:effectRef idx="0">
-            <a:schemeClr val="accent5"/>
-          </a:effectRef>
-          <a:fontRef idx="minor">
-            <a:schemeClr val="dk1"/>
-          </a:fontRef>
-        </p:style>
-        <p:txBody>
-          <a:bodyPr rtlCol="0" anchor="ctr"/>
-          <a:lstStyle/>
-          <a:p>
-            <a:pPr>
-              <a:lnSpc>
-                <a:spcPct val="150000"/>
-              </a:lnSpc>
-            </a:pPr>
-            <a:r>
-              <a:rPr lang="zh-CN" altLang="en-US" sz="2000" dirty="0" smtClean="0">
-                <a:solidFill>
-                  <a:schemeClr val="tx1">
-                    <a:lumMod val="75000"/>
-                    <a:lumOff val="25000"/>
-                  </a:schemeClr>
-                </a:solidFill>
-                <a:latin typeface="微软雅黑" pitchFamily="34" charset="-122"/>
-                <a:ea typeface="微软雅黑" pitchFamily="34" charset="-122"/>
-              </a:rPr>
-              <a:t>使用图案填充</a:t>
-            </a:r>
-            <a:endParaRPr lang="en-US" altLang="zh-CN" sz="2000" dirty="0">
-              <a:solidFill>
-                <a:schemeClr val="tx1">
-                  <a:lumMod val="75000"/>
-                  <a:lumOff val="25000"/>
-                </a:schemeClr>
-              </a:solidFill>
-              <a:latin typeface="微软雅黑" pitchFamily="34" charset="-122"/>
-              <a:ea typeface="微软雅黑" pitchFamily="34" charset="-122"/>
-            </a:endParaRPr>
-          </a:p>
-        </p:txBody>
-      </p:sp>
-      <p:pic>
-        <p:nvPicPr>
-          <p:cNvPr id="5" name="图片 4" descr="屏幕剪辑"/>
-          <p:cNvPicPr>
-            <a:picLocks noChangeAspect="1"/>
-          </p:cNvPicPr>
-          <p:nvPr/>
-        </p:nvPicPr>
-        <p:blipFill>
-          <a:blip r:embed="rId3">
-            <a:extLst>
-              <a:ext uri="{28A0092B-C50C-407E-A947-70E740481C1C}">
-                <a14:useLocalDpi xmlns:a14="http://schemas.microsoft.com/office/drawing/2010/main" val="0"/>
-              </a:ext>
-            </a:extLst>
-          </a:blip>
-          <a:stretch>
-            <a:fillRect/>
-          </a:stretch>
-        </p:blipFill>
-        <p:spPr>
-          <a:xfrm>
-            <a:off x="1186001" y="1445276"/>
-            <a:ext cx="6506483" cy="2400635"/>
-          </a:xfrm>
-          <a:prstGeom prst="rect">
-            <a:avLst/>
-          </a:prstGeom>
-          <a:ln>
-            <a:noFill/>
-          </a:ln>
-          <a:effectLst>
-            <a:softEdge rad="112500"/>
-          </a:effectLst>
-        </p:spPr>
-      </p:pic>
-    </p:spTree>
-    <p:extLst>
-      <p:ext uri="{BB962C8B-B14F-4D97-AF65-F5344CB8AC3E}">
-        <p14:creationId xmlns:p14="http://schemas.microsoft.com/office/powerpoint/2010/main" val="3188073928"/>
-      </p:ext>
-    </p:extLst>
-  </p:cSld>
-  <p:clrMapOvr>
-    <a:masterClrMapping/>
-  </p:clrMapOvr>
-</p:sld>
-</file>
-
 <file path=ppt/slides/slide16.xml><?xml version="1.0" encoding="utf-8"?>
 <p:sld xmlns:a="http://schemas.openxmlformats.org/drawingml/2006/main" xmlns:r="http://schemas.openxmlformats.org/officeDocument/2006/relationships" xmlns:p="http://schemas.openxmlformats.org/presentationml/2006/main">
   <p:cSld>
@@ -6215,616 +5347,6 @@
       </p:grpSpPr>
       <p:sp>
         <p:nvSpPr>
-          <p:cNvPr id="2" name="矩形 1"/>
-          <p:cNvSpPr/>
-          <p:nvPr/>
-        </p:nvSpPr>
-        <p:spPr>
-          <a:xfrm>
-            <a:off x="827584" y="12680"/>
-            <a:ext cx="7776864" cy="581057"/>
-          </a:xfrm>
-          <a:prstGeom prst="rect">
-            <a:avLst/>
-          </a:prstGeom>
-        </p:spPr>
-        <p:txBody>
-          <a:bodyPr wrap="square">
-            <a:spAutoFit/>
-          </a:bodyPr>
-          <a:lstStyle/>
-          <a:p>
-            <a:pPr>
-              <a:lnSpc>
-                <a:spcPct val="150000"/>
-              </a:lnSpc>
-            </a:pPr>
-            <a:r>
-              <a:rPr lang="en-US" altLang="zh-CN" sz="2400" b="1" dirty="0" smtClean="0">
-                <a:solidFill>
-                  <a:schemeClr val="tx1">
-                    <a:lumMod val="75000"/>
-                    <a:lumOff val="25000"/>
-                  </a:schemeClr>
-                </a:solidFill>
-                <a:latin typeface="微软雅黑" pitchFamily="34" charset="-122"/>
-                <a:ea typeface="微软雅黑" pitchFamily="34" charset="-122"/>
-              </a:rPr>
-              <a:t>5-c </a:t>
-            </a:r>
-            <a:r>
-              <a:rPr lang="zh-CN" altLang="en-US" sz="2400" b="1" dirty="0" smtClean="0">
-                <a:solidFill>
-                  <a:schemeClr val="tx1">
-                    <a:lumMod val="75000"/>
-                    <a:lumOff val="25000"/>
-                  </a:schemeClr>
-                </a:solidFill>
-                <a:latin typeface="微软雅黑" pitchFamily="34" charset="-122"/>
-                <a:ea typeface="微软雅黑" pitchFamily="34" charset="-122"/>
-              </a:rPr>
-              <a:t>叠加图片</a:t>
-            </a:r>
-            <a:r>
-              <a:rPr lang="en-US" altLang="zh-CN" sz="2400" b="1" dirty="0" smtClean="0">
-                <a:solidFill>
-                  <a:schemeClr val="tx1">
-                    <a:lumMod val="75000"/>
-                    <a:lumOff val="25000"/>
-                  </a:schemeClr>
-                </a:solidFill>
-                <a:latin typeface="微软雅黑" pitchFamily="34" charset="-122"/>
-                <a:ea typeface="微软雅黑" pitchFamily="34" charset="-122"/>
-              </a:rPr>
-              <a:t> </a:t>
-            </a:r>
-            <a:endParaRPr lang="en-US" altLang="zh-CN" sz="2400" dirty="0" smtClean="0">
-              <a:solidFill>
-                <a:schemeClr val="tx1">
-                  <a:lumMod val="75000"/>
-                  <a:lumOff val="25000"/>
-                </a:schemeClr>
-              </a:solidFill>
-              <a:latin typeface="微软雅黑" pitchFamily="34" charset="-122"/>
-              <a:ea typeface="微软雅黑" pitchFamily="34" charset="-122"/>
-            </a:endParaRPr>
-          </a:p>
-        </p:txBody>
-      </p:sp>
-      <p:pic>
-        <p:nvPicPr>
-          <p:cNvPr id="3" name="图片 2" descr="屏幕剪辑"/>
-          <p:cNvPicPr>
-            <a:picLocks noChangeAspect="1"/>
-          </p:cNvPicPr>
-          <p:nvPr/>
-        </p:nvPicPr>
-        <p:blipFill>
-          <a:blip r:embed="rId3">
-            <a:extLst>
-              <a:ext uri="{28A0092B-C50C-407E-A947-70E740481C1C}">
-                <a14:useLocalDpi xmlns:a14="http://schemas.microsoft.com/office/drawing/2010/main" val="0"/>
-              </a:ext>
-            </a:extLst>
-          </a:blip>
-          <a:stretch>
-            <a:fillRect/>
-          </a:stretch>
-        </p:blipFill>
-        <p:spPr>
-          <a:xfrm>
-            <a:off x="971600" y="836712"/>
-            <a:ext cx="7022369" cy="1946048"/>
-          </a:xfrm>
-          <a:prstGeom prst="rect">
-            <a:avLst/>
-          </a:prstGeom>
-          <a:ln>
-            <a:noFill/>
-          </a:ln>
-          <a:effectLst>
-            <a:softEdge rad="112500"/>
-          </a:effectLst>
-        </p:spPr>
-      </p:pic>
-      <p:sp>
-        <p:nvSpPr>
-          <p:cNvPr id="16" name="矩形 15"/>
-          <p:cNvSpPr/>
-          <p:nvPr/>
-        </p:nvSpPr>
-        <p:spPr>
-          <a:xfrm>
-            <a:off x="827584" y="2798926"/>
-            <a:ext cx="7776864" cy="581057"/>
-          </a:xfrm>
-          <a:prstGeom prst="rect">
-            <a:avLst/>
-          </a:prstGeom>
-        </p:spPr>
-        <p:txBody>
-          <a:bodyPr wrap="square">
-            <a:spAutoFit/>
-          </a:bodyPr>
-          <a:lstStyle/>
-          <a:p>
-            <a:pPr>
-              <a:lnSpc>
-                <a:spcPct val="150000"/>
-              </a:lnSpc>
-            </a:pPr>
-            <a:r>
-              <a:rPr lang="zh-CN" altLang="en-US" sz="2400" dirty="0" smtClean="0">
-                <a:solidFill>
-                  <a:schemeClr val="tx1">
-                    <a:lumMod val="75000"/>
-                    <a:lumOff val="25000"/>
-                  </a:schemeClr>
-                </a:solidFill>
-                <a:latin typeface="微软雅黑" pitchFamily="34" charset="-122"/>
-                <a:ea typeface="微软雅黑" pitchFamily="34" charset="-122"/>
-              </a:rPr>
-              <a:t>亮光是半透明渐变，所以可以透出彩色的下层渐变</a:t>
-            </a:r>
-            <a:endParaRPr lang="en-US" altLang="zh-CN" sz="2400" dirty="0" smtClean="0">
-              <a:solidFill>
-                <a:schemeClr val="tx1">
-                  <a:lumMod val="75000"/>
-                  <a:lumOff val="25000"/>
-                </a:schemeClr>
-              </a:solidFill>
-              <a:latin typeface="微软雅黑" pitchFamily="34" charset="-122"/>
-              <a:ea typeface="微软雅黑" pitchFamily="34" charset="-122"/>
-            </a:endParaRPr>
-          </a:p>
-        </p:txBody>
-      </p:sp>
-      <p:sp>
-        <p:nvSpPr>
-          <p:cNvPr id="17" name="矩形 16"/>
-          <p:cNvSpPr/>
-          <p:nvPr/>
-        </p:nvSpPr>
-        <p:spPr>
-          <a:xfrm>
-            <a:off x="845298" y="3443809"/>
-            <a:ext cx="7776864" cy="1135054"/>
-          </a:xfrm>
-          <a:prstGeom prst="rect">
-            <a:avLst/>
-          </a:prstGeom>
-        </p:spPr>
-        <p:txBody>
-          <a:bodyPr wrap="square">
-            <a:spAutoFit/>
-          </a:bodyPr>
-          <a:lstStyle/>
-          <a:p>
-            <a:pPr>
-              <a:lnSpc>
-                <a:spcPct val="150000"/>
-              </a:lnSpc>
-            </a:pPr>
-            <a:r>
-              <a:rPr lang="en-US" altLang="zh-CN" sz="2400" b="1" dirty="0" smtClean="0">
-                <a:solidFill>
-                  <a:schemeClr val="tx1">
-                    <a:lumMod val="75000"/>
-                    <a:lumOff val="25000"/>
-                  </a:schemeClr>
-                </a:solidFill>
-                <a:latin typeface="微软雅黑" pitchFamily="34" charset="-122"/>
-                <a:ea typeface="微软雅黑" pitchFamily="34" charset="-122"/>
-              </a:rPr>
-              <a:t>5-d </a:t>
-            </a:r>
-            <a:r>
-              <a:rPr lang="zh-CN" altLang="en-US" sz="2400" b="1" dirty="0" smtClean="0">
-                <a:solidFill>
-                  <a:schemeClr val="tx1">
-                    <a:lumMod val="75000"/>
-                    <a:lumOff val="25000"/>
-                  </a:schemeClr>
-                </a:solidFill>
-                <a:latin typeface="微软雅黑" pitchFamily="34" charset="-122"/>
-                <a:ea typeface="微软雅黑" pitchFamily="34" charset="-122"/>
-              </a:rPr>
-              <a:t>添加动画</a:t>
-            </a:r>
-            <a:endParaRPr lang="en-US" altLang="zh-CN" sz="2400" b="1" dirty="0" smtClean="0">
-              <a:solidFill>
-                <a:schemeClr val="tx1">
-                  <a:lumMod val="75000"/>
-                  <a:lumOff val="25000"/>
-                </a:schemeClr>
-              </a:solidFill>
-              <a:latin typeface="微软雅黑" pitchFamily="34" charset="-122"/>
-              <a:ea typeface="微软雅黑" pitchFamily="34" charset="-122"/>
-            </a:endParaRPr>
-          </a:p>
-          <a:p>
-            <a:pPr>
-              <a:lnSpc>
-                <a:spcPct val="150000"/>
-              </a:lnSpc>
-            </a:pPr>
-            <a:r>
-              <a:rPr lang="en-US" altLang="zh-CN" sz="2400" b="1" dirty="0" smtClean="0">
-                <a:solidFill>
-                  <a:schemeClr val="tx1">
-                    <a:lumMod val="75000"/>
-                    <a:lumOff val="25000"/>
-                  </a:schemeClr>
-                </a:solidFill>
-                <a:latin typeface="微软雅黑" pitchFamily="34" charset="-122"/>
-                <a:ea typeface="微软雅黑" pitchFamily="34" charset="-122"/>
-              </a:rPr>
-              <a:t> </a:t>
-            </a:r>
-            <a:r>
-              <a:rPr lang="zh-CN" altLang="en-US" sz="2400" dirty="0" smtClean="0">
-                <a:solidFill>
-                  <a:schemeClr val="tx1">
-                    <a:lumMod val="75000"/>
-                    <a:lumOff val="25000"/>
-                  </a:schemeClr>
-                </a:solidFill>
-                <a:latin typeface="微软雅黑" pitchFamily="34" charset="-122"/>
-                <a:ea typeface="微软雅黑" pitchFamily="34" charset="-122"/>
-              </a:rPr>
-              <a:t>通过改变图案的</a:t>
-            </a:r>
-            <a:r>
-              <a:rPr lang="en-US" altLang="zh-CN" sz="2400" dirty="0" err="1" smtClean="0">
-                <a:solidFill>
-                  <a:schemeClr val="tx1">
-                    <a:lumMod val="75000"/>
-                    <a:lumOff val="25000"/>
-                  </a:schemeClr>
-                </a:solidFill>
-                <a:latin typeface="微软雅黑" pitchFamily="34" charset="-122"/>
-                <a:ea typeface="微软雅黑" pitchFamily="34" charset="-122"/>
-              </a:rPr>
-              <a:t>x,y</a:t>
-            </a:r>
-            <a:r>
-              <a:rPr lang="zh-CN" altLang="en-US" sz="2400" dirty="0" smtClean="0">
-                <a:solidFill>
-                  <a:schemeClr val="tx1">
-                    <a:lumMod val="75000"/>
-                    <a:lumOff val="25000"/>
-                  </a:schemeClr>
-                </a:solidFill>
-                <a:latin typeface="微软雅黑" pitchFamily="34" charset="-122"/>
-                <a:ea typeface="微软雅黑" pitchFamily="34" charset="-122"/>
-              </a:rPr>
-              <a:t>坐标形成动画</a:t>
-            </a:r>
-            <a:endParaRPr lang="en-US" altLang="zh-CN" sz="2400" dirty="0" smtClean="0">
-              <a:solidFill>
-                <a:schemeClr val="tx1">
-                  <a:lumMod val="75000"/>
-                  <a:lumOff val="25000"/>
-                </a:schemeClr>
-              </a:solidFill>
-              <a:latin typeface="微软雅黑" pitchFamily="34" charset="-122"/>
-              <a:ea typeface="微软雅黑" pitchFamily="34" charset="-122"/>
-            </a:endParaRPr>
-          </a:p>
-        </p:txBody>
-      </p:sp>
-      <p:pic>
-        <p:nvPicPr>
-          <p:cNvPr id="4" name="图片 3" descr="屏幕剪辑"/>
-          <p:cNvPicPr>
-            <a:picLocks noChangeAspect="1"/>
-          </p:cNvPicPr>
-          <p:nvPr/>
-        </p:nvPicPr>
-        <p:blipFill>
-          <a:blip r:embed="rId4">
-            <a:extLst>
-              <a:ext uri="{28A0092B-C50C-407E-A947-70E740481C1C}">
-                <a14:useLocalDpi xmlns:a14="http://schemas.microsoft.com/office/drawing/2010/main" val="0"/>
-              </a:ext>
-            </a:extLst>
-          </a:blip>
-          <a:stretch>
-            <a:fillRect/>
-          </a:stretch>
-        </p:blipFill>
-        <p:spPr>
-          <a:xfrm>
-            <a:off x="996752" y="4823065"/>
-            <a:ext cx="4505954" cy="1524213"/>
-          </a:xfrm>
-          <a:prstGeom prst="rect">
-            <a:avLst/>
-          </a:prstGeom>
-          <a:ln>
-            <a:noFill/>
-          </a:ln>
-          <a:effectLst>
-            <a:outerShdw blurRad="292100" dist="139700" dir="2700000" algn="tl" rotWithShape="0">
-              <a:srgbClr val="333333">
-                <a:alpha val="65000"/>
-              </a:srgbClr>
-            </a:outerShdw>
-          </a:effectLst>
-        </p:spPr>
-      </p:pic>
-    </p:spTree>
-    <p:extLst>
-      <p:ext uri="{BB962C8B-B14F-4D97-AF65-F5344CB8AC3E}">
-        <p14:creationId xmlns:p14="http://schemas.microsoft.com/office/powerpoint/2010/main" val="1015007289"/>
-      </p:ext>
-    </p:extLst>
-  </p:cSld>
-  <p:clrMapOvr>
-    <a:masterClrMapping/>
-  </p:clrMapOvr>
-</p:sld>
-</file>
-
-<file path=ppt/slides/slide17.xml><?xml version="1.0" encoding="utf-8"?>
-<p:sld xmlns:a="http://schemas.openxmlformats.org/drawingml/2006/main" xmlns:r="http://schemas.openxmlformats.org/officeDocument/2006/relationships" xmlns:p="http://schemas.openxmlformats.org/presentationml/2006/main">
-  <p:cSld>
-    <p:spTree>
-      <p:nvGrpSpPr>
-        <p:cNvPr id="1" name=""/>
-        <p:cNvGrpSpPr/>
-        <p:nvPr/>
-      </p:nvGrpSpPr>
-      <p:grpSpPr>
-        <a:xfrm>
-          <a:off x="0" y="0"/>
-          <a:ext cx="0" cy="0"/>
-          <a:chOff x="0" y="0"/>
-          <a:chExt cx="0" cy="0"/>
-        </a:xfrm>
-      </p:grpSpPr>
-      <p:sp>
-        <p:nvSpPr>
-          <p:cNvPr id="17" name="矩形 16"/>
-          <p:cNvSpPr/>
-          <p:nvPr/>
-        </p:nvSpPr>
-        <p:spPr>
-          <a:xfrm>
-            <a:off x="755576" y="0"/>
-            <a:ext cx="7776864" cy="1754326"/>
-          </a:xfrm>
-          <a:prstGeom prst="rect">
-            <a:avLst/>
-          </a:prstGeom>
-        </p:spPr>
-        <p:txBody>
-          <a:bodyPr wrap="square">
-            <a:spAutoFit/>
-          </a:bodyPr>
-          <a:lstStyle/>
-          <a:p>
-            <a:pPr>
-              <a:lnSpc>
-                <a:spcPct val="150000"/>
-              </a:lnSpc>
-            </a:pPr>
-            <a:r>
-              <a:rPr lang="en-US" altLang="zh-CN" sz="2400" b="1" dirty="0" smtClean="0">
-                <a:solidFill>
-                  <a:schemeClr val="tx1">
-                    <a:lumMod val="75000"/>
-                    <a:lumOff val="25000"/>
-                  </a:schemeClr>
-                </a:solidFill>
-                <a:latin typeface="微软雅黑" pitchFamily="34" charset="-122"/>
-                <a:ea typeface="微软雅黑" pitchFamily="34" charset="-122"/>
-              </a:rPr>
-              <a:t>5-e </a:t>
-            </a:r>
-            <a:r>
-              <a:rPr lang="zh-CN" altLang="en-US" sz="2400" b="1" dirty="0" smtClean="0">
-                <a:solidFill>
-                  <a:schemeClr val="tx1">
-                    <a:lumMod val="75000"/>
-                    <a:lumOff val="25000"/>
-                  </a:schemeClr>
-                </a:solidFill>
-                <a:latin typeface="微软雅黑" pitchFamily="34" charset="-122"/>
-                <a:ea typeface="微软雅黑" pitchFamily="34" charset="-122"/>
-              </a:rPr>
-              <a:t>填充文字</a:t>
-            </a:r>
-            <a:endParaRPr lang="en-US" altLang="zh-CN" sz="2400" b="1" dirty="0" smtClean="0">
-              <a:solidFill>
-                <a:schemeClr val="tx1">
-                  <a:lumMod val="75000"/>
-                  <a:lumOff val="25000"/>
-                </a:schemeClr>
-              </a:solidFill>
-              <a:latin typeface="微软雅黑" pitchFamily="34" charset="-122"/>
-              <a:ea typeface="微软雅黑" pitchFamily="34" charset="-122"/>
-            </a:endParaRPr>
-          </a:p>
-          <a:p>
-            <a:pPr>
-              <a:lnSpc>
-                <a:spcPct val="150000"/>
-              </a:lnSpc>
-            </a:pPr>
-            <a:r>
-              <a:rPr lang="en-US" altLang="zh-CN" sz="2400" b="1" dirty="0" smtClean="0">
-                <a:solidFill>
-                  <a:schemeClr val="tx1">
-                    <a:lumMod val="75000"/>
-                    <a:lumOff val="25000"/>
-                  </a:schemeClr>
-                </a:solidFill>
-                <a:latin typeface="微软雅黑" pitchFamily="34" charset="-122"/>
-                <a:ea typeface="微软雅黑" pitchFamily="34" charset="-122"/>
-              </a:rPr>
-              <a:t> </a:t>
-            </a:r>
-            <a:r>
-              <a:rPr lang="zh-CN" altLang="en-US" sz="2400" dirty="0" smtClean="0">
-                <a:solidFill>
-                  <a:schemeClr val="tx1">
-                    <a:lumMod val="75000"/>
-                    <a:lumOff val="25000"/>
-                  </a:schemeClr>
-                </a:solidFill>
-                <a:latin typeface="微软雅黑" pitchFamily="34" charset="-122"/>
-                <a:ea typeface="微软雅黑" pitchFamily="34" charset="-122"/>
-              </a:rPr>
-              <a:t>为了更好的观察填充效果，我们使用了</a:t>
-            </a:r>
-            <a:r>
-              <a:rPr lang="en-US" altLang="zh-CN" sz="2400" dirty="0" err="1" smtClean="0">
-                <a:solidFill>
-                  <a:schemeClr val="tx1">
-                    <a:lumMod val="75000"/>
-                    <a:lumOff val="25000"/>
-                  </a:schemeClr>
-                </a:solidFill>
-                <a:latin typeface="微软雅黑" pitchFamily="34" charset="-122"/>
-                <a:ea typeface="微软雅黑" pitchFamily="34" charset="-122"/>
-              </a:rPr>
-              <a:t>rect</a:t>
-            </a:r>
-            <a:r>
-              <a:rPr lang="zh-CN" altLang="en-US" sz="2400" dirty="0" smtClean="0">
-                <a:solidFill>
-                  <a:schemeClr val="tx1">
-                    <a:lumMod val="75000"/>
-                    <a:lumOff val="25000"/>
-                  </a:schemeClr>
-                </a:solidFill>
-                <a:latin typeface="微软雅黑" pitchFamily="34" charset="-122"/>
-                <a:ea typeface="微软雅黑" pitchFamily="34" charset="-122"/>
-              </a:rPr>
-              <a:t>，现在把填充目标换成文本！</a:t>
-            </a:r>
-            <a:endParaRPr lang="en-US" altLang="zh-CN" sz="2400" dirty="0" smtClean="0">
-              <a:solidFill>
-                <a:schemeClr val="tx1">
-                  <a:lumMod val="75000"/>
-                  <a:lumOff val="25000"/>
-                </a:schemeClr>
-              </a:solidFill>
-              <a:latin typeface="微软雅黑" pitchFamily="34" charset="-122"/>
-              <a:ea typeface="微软雅黑" pitchFamily="34" charset="-122"/>
-            </a:endParaRPr>
-          </a:p>
-        </p:txBody>
-      </p:sp>
-      <p:pic>
-        <p:nvPicPr>
-          <p:cNvPr id="5" name="图片 4" descr="屏幕剪辑"/>
-          <p:cNvPicPr>
-            <a:picLocks noChangeAspect="1"/>
-          </p:cNvPicPr>
-          <p:nvPr/>
-        </p:nvPicPr>
-        <p:blipFill>
-          <a:blip r:embed="rId3">
-            <a:extLst>
-              <a:ext uri="{28A0092B-C50C-407E-A947-70E740481C1C}">
-                <a14:useLocalDpi xmlns:a14="http://schemas.microsoft.com/office/drawing/2010/main" val="0"/>
-              </a:ext>
-            </a:extLst>
-          </a:blip>
-          <a:stretch>
-            <a:fillRect/>
-          </a:stretch>
-        </p:blipFill>
-        <p:spPr>
-          <a:xfrm>
-            <a:off x="1043608" y="1754326"/>
-            <a:ext cx="6430272" cy="1952898"/>
-          </a:xfrm>
-          <a:prstGeom prst="rect">
-            <a:avLst/>
-          </a:prstGeom>
-          <a:ln>
-            <a:noFill/>
-          </a:ln>
-          <a:effectLst>
-            <a:outerShdw blurRad="292100" dist="139700" dir="2700000" algn="tl" rotWithShape="0">
-              <a:srgbClr val="333333">
-                <a:alpha val="65000"/>
-              </a:srgbClr>
-            </a:outerShdw>
-          </a:effectLst>
-        </p:spPr>
-      </p:pic>
-      <p:pic>
-        <p:nvPicPr>
-          <p:cNvPr id="6" name="图片 5" descr="屏幕剪辑"/>
-          <p:cNvPicPr>
-            <a:picLocks noChangeAspect="1"/>
-          </p:cNvPicPr>
-          <p:nvPr/>
-        </p:nvPicPr>
-        <p:blipFill>
-          <a:blip r:embed="rId4">
-            <a:extLst>
-              <a:ext uri="{28A0092B-C50C-407E-A947-70E740481C1C}">
-                <a14:useLocalDpi xmlns:a14="http://schemas.microsoft.com/office/drawing/2010/main" val="0"/>
-              </a:ext>
-            </a:extLst>
-          </a:blip>
-          <a:stretch>
-            <a:fillRect/>
-          </a:stretch>
-        </p:blipFill>
-        <p:spPr>
-          <a:xfrm>
-            <a:off x="876344" y="4149080"/>
-            <a:ext cx="7535327" cy="1762371"/>
-          </a:xfrm>
-          <a:prstGeom prst="rect">
-            <a:avLst/>
-          </a:prstGeom>
-          <a:ln>
-            <a:noFill/>
-          </a:ln>
-          <a:effectLst>
-            <a:softEdge rad="112500"/>
-          </a:effectLst>
-        </p:spPr>
-      </p:pic>
-    </p:spTree>
-    <p:extLst>
-      <p:ext uri="{BB962C8B-B14F-4D97-AF65-F5344CB8AC3E}">
-        <p14:creationId xmlns:p14="http://schemas.microsoft.com/office/powerpoint/2010/main" val="2865681072"/>
-      </p:ext>
-    </p:extLst>
-  </p:cSld>
-  <p:clrMapOvr>
-    <a:masterClrMapping/>
-  </p:clrMapOvr>
-</p:sld>
-</file>
-
-<file path=ppt/slides/slide18.xml><?xml version="1.0" encoding="utf-8"?>
-<p:sld xmlns:a="http://schemas.openxmlformats.org/drawingml/2006/main" xmlns:r="http://schemas.openxmlformats.org/officeDocument/2006/relationships" xmlns:p="http://schemas.openxmlformats.org/presentationml/2006/main">
-  <p:cSld>
-    <p:spTree>
-      <p:nvGrpSpPr>
-        <p:cNvPr id="1" name=""/>
-        <p:cNvGrpSpPr/>
-        <p:nvPr/>
-      </p:nvGrpSpPr>
-      <p:grpSpPr>
-        <a:xfrm>
-          <a:off x="0" y="0"/>
-          <a:ext cx="0" cy="0"/>
-          <a:chOff x="0" y="0"/>
-          <a:chExt cx="0" cy="0"/>
-        </a:xfrm>
-      </p:grpSpPr>
-      <p:sp>
-        <p:nvSpPr>
           <p:cNvPr id="4" name="TextBox 3"/>
           <p:cNvSpPr txBox="1"/>
           <p:nvPr/>
@@ -6846,17 +5368,17 @@
           <a:lstStyle/>
           <a:p>
             <a:r>
-              <a:rPr lang="en-US" altLang="zh-CN" sz="2800" b="1" dirty="0">
-                <a:solidFill>
-                  <a:schemeClr val="tx1">
-                    <a:lumMod val="75000"/>
-                    <a:lumOff val="25000"/>
-                  </a:schemeClr>
-                </a:solidFill>
-                <a:latin typeface="微软雅黑" pitchFamily="34" charset="-122"/>
-                <a:ea typeface="微软雅黑" pitchFamily="34" charset="-122"/>
-              </a:rPr>
-              <a:t>6</a:t>
+              <a:rPr lang="en-US" altLang="zh-CN" sz="2800" b="1" dirty="0" smtClean="0">
+                <a:solidFill>
+                  <a:schemeClr val="tx1">
+                    <a:lumMod val="75000"/>
+                    <a:lumOff val="25000"/>
+                  </a:schemeClr>
+                </a:solidFill>
+                <a:latin typeface="微软雅黑" pitchFamily="34" charset="-122"/>
+                <a:ea typeface="微软雅黑" pitchFamily="34" charset="-122"/>
+              </a:rPr>
+              <a:t>11</a:t>
             </a:r>
             <a:r>
               <a:rPr lang="en-US" altLang="zh-CN" sz="2800" b="1" dirty="0" smtClean="0">
@@ -7101,8 +5623,8 @@
         </p:nvSpPr>
         <p:spPr>
           <a:xfrm>
-            <a:off x="611560" y="453173"/>
-            <a:ext cx="6840760" cy="523220"/>
+            <a:off x="684000" y="453173"/>
+            <a:ext cx="7776000" cy="523220"/>
           </a:xfrm>
           <a:prstGeom prst="rect">
             <a:avLst/>
@@ -7152,7 +5674,33 @@
                 <a:latin typeface="微软雅黑" pitchFamily="34" charset="-122"/>
                 <a:ea typeface="微软雅黑" pitchFamily="34" charset="-122"/>
               </a:rPr>
-              <a:t>——SVG</a:t>
+              <a:t>——</a:t>
+            </a:r>
+            <a:r>
+              <a:rPr lang="en-US" altLang="zh-CN" sz="2800" b="1" dirty="0" smtClean="0">
+                <a:solidFill>
+                  <a:schemeClr val="tx1">
+                    <a:lumMod val="75000"/>
+                    <a:lumOff val="25000"/>
+                  </a:schemeClr>
+                </a:solidFill>
+                <a:latin typeface="微软雅黑" pitchFamily="34" charset="-122"/>
+                <a:ea typeface="微软雅黑" pitchFamily="34" charset="-122"/>
+              </a:rPr>
+              <a:t>SVG</a:t>
+            </a:r>
+            <a:r>
+              <a:rPr lang="zh-CN" altLang="en-US" sz="2800" b="1" dirty="0">
+                <a:solidFill>
+                  <a:schemeClr val="tx1">
+                    <a:lumMod val="75000"/>
+                    <a:lumOff val="25000"/>
+                  </a:schemeClr>
+                </a:solidFill>
+                <a:latin typeface="微软雅黑" pitchFamily="34" charset="-122"/>
+                <a:ea typeface="微软雅黑" pitchFamily="34" charset="-122"/>
+              </a:rPr>
+              <a:t>滤</a:t>
             </a:r>
             <a:r>
               <a:rPr lang="zh-CN" altLang="en-US" sz="2800" b="1" dirty="0" smtClean="0">
@@ -7165,7 +5713,33 @@
                 <a:latin typeface="微软雅黑" pitchFamily="34" charset="-122"/>
                 <a:ea typeface="微软雅黑" pitchFamily="34" charset="-122"/>
               </a:rPr>
-              <a:t>渐变（难度：</a:t>
+              <a:t>镜</a:t>
+            </a:r>
+            <a:r>
+              <a:rPr lang="zh-CN" altLang="en-US" sz="2800" b="1" dirty="0" smtClean="0">
+                <a:solidFill>
+                  <a:schemeClr val="tx1">
+                    <a:lumMod val="75000"/>
+                    <a:lumOff val="25000"/>
+                  </a:schemeClr>
+                </a:solidFill>
+                <a:latin typeface="微软雅黑" pitchFamily="34" charset="-122"/>
+                <a:ea typeface="微软雅黑" pitchFamily="34" charset="-122"/>
+              </a:rPr>
+              <a:t>（</a:t>
+            </a:r>
+            <a:r>
+              <a:rPr lang="zh-CN" altLang="en-US" sz="2800" b="1" dirty="0" smtClean="0">
+                <a:solidFill>
+                  <a:schemeClr val="tx1">
+                    <a:lumMod val="75000"/>
+                    <a:lumOff val="25000"/>
+                  </a:schemeClr>
+                </a:solidFill>
+                <a:latin typeface="微软雅黑" pitchFamily="34" charset="-122"/>
+                <a:ea typeface="微软雅黑" pitchFamily="34" charset="-122"/>
+              </a:rPr>
+              <a:t>难度：</a:t>
             </a:r>
             <a:r>
               <a:rPr lang="en-US" altLang="zh-CN" sz="2800" b="1" dirty="0" smtClean="0">
@@ -7178,7 +5752,7 @@
                 <a:latin typeface="微软雅黑" pitchFamily="34" charset="-122"/>
                 <a:ea typeface="微软雅黑" pitchFamily="34" charset="-122"/>
               </a:rPr>
-              <a:t>2.5</a:t>
+              <a:t>2.8</a:t>
             </a:r>
             <a:r>
               <a:rPr lang="zh-CN" altLang="en-US" sz="2800" b="1" dirty="0" smtClean="0">
@@ -7214,8 +5788,8 @@
         </p:nvSpPr>
         <p:spPr>
           <a:xfrm>
-            <a:off x="677955" y="1134480"/>
-            <a:ext cx="7416824" cy="1200329"/>
+            <a:off x="684000" y="1134480"/>
+            <a:ext cx="7776000" cy="2862322"/>
           </a:xfrm>
           <a:prstGeom prst="rect">
             <a:avLst/>
@@ -7244,7 +5818,111 @@
                 <a:latin typeface="微软雅黑" pitchFamily="34" charset="-122"/>
                 <a:ea typeface="微软雅黑" pitchFamily="34" charset="-122"/>
               </a:rPr>
-              <a:t>本期我们的目标是制作一个被彩色线条填充，并且有亮光闪过的文本！</a:t>
+              <a:t>本期我们的目标</a:t>
+            </a:r>
+            <a:r>
+              <a:rPr lang="zh-CN" altLang="en-US" sz="2400" dirty="0" smtClean="0">
+                <a:solidFill>
+                  <a:schemeClr val="tx1">
+                    <a:lumMod val="75000"/>
+                    <a:lumOff val="25000"/>
+                  </a:schemeClr>
+                </a:solidFill>
+                <a:latin typeface="微软雅黑" pitchFamily="34" charset="-122"/>
+                <a:ea typeface="微软雅黑" pitchFamily="34" charset="-122"/>
+              </a:rPr>
+              <a:t>是学习</a:t>
+            </a:r>
+            <a:r>
+              <a:rPr lang="en-US" altLang="zh-CN" sz="2400" dirty="0" smtClean="0">
+                <a:solidFill>
+                  <a:schemeClr val="tx1">
+                    <a:lumMod val="75000"/>
+                    <a:lumOff val="25000"/>
+                  </a:schemeClr>
+                </a:solidFill>
+                <a:latin typeface="微软雅黑" pitchFamily="34" charset="-122"/>
+                <a:ea typeface="微软雅黑" pitchFamily="34" charset="-122"/>
+              </a:rPr>
+              <a:t>SVG</a:t>
+            </a:r>
+            <a:r>
+              <a:rPr lang="zh-CN" altLang="en-US" sz="2400" dirty="0" smtClean="0">
+                <a:solidFill>
+                  <a:schemeClr val="tx1">
+                    <a:lumMod val="75000"/>
+                    <a:lumOff val="25000"/>
+                  </a:schemeClr>
+                </a:solidFill>
+                <a:latin typeface="微软雅黑" pitchFamily="34" charset="-122"/>
+                <a:ea typeface="微软雅黑" pitchFamily="34" charset="-122"/>
+              </a:rPr>
+              <a:t>的滤镜，由于这部分内容比较复杂，所以我们专门用</a:t>
+            </a:r>
+            <a:r>
+              <a:rPr lang="en-US" altLang="zh-CN" sz="2400" dirty="0" smtClean="0">
+                <a:solidFill>
+                  <a:schemeClr val="tx1">
+                    <a:lumMod val="75000"/>
+                    <a:lumOff val="25000"/>
+                  </a:schemeClr>
+                </a:solidFill>
+                <a:latin typeface="微软雅黑" pitchFamily="34" charset="-122"/>
+                <a:ea typeface="微软雅黑" pitchFamily="34" charset="-122"/>
+              </a:rPr>
+              <a:t>2</a:t>
+            </a:r>
+            <a:r>
+              <a:rPr lang="zh-CN" altLang="en-US" sz="2400" dirty="0" smtClean="0">
+                <a:solidFill>
+                  <a:schemeClr val="tx1">
+                    <a:lumMod val="75000"/>
+                    <a:lumOff val="25000"/>
+                  </a:schemeClr>
+                </a:solidFill>
+                <a:latin typeface="微软雅黑" pitchFamily="34" charset="-122"/>
+                <a:ea typeface="微软雅黑" pitchFamily="34" charset="-122"/>
+              </a:rPr>
+              <a:t>期内容来讲解！本期我们首先学习的滤镜有：</a:t>
+            </a:r>
+            <a:r>
+              <a:rPr lang="en-US" altLang="zh-CN" sz="2400" dirty="0" err="1" smtClean="0">
+                <a:solidFill>
+                  <a:schemeClr val="tx1">
+                    <a:lumMod val="75000"/>
+                    <a:lumOff val="25000"/>
+                  </a:schemeClr>
+                </a:solidFill>
+                <a:latin typeface="微软雅黑" pitchFamily="34" charset="-122"/>
+                <a:ea typeface="微软雅黑" pitchFamily="34" charset="-122"/>
+              </a:rPr>
+              <a:t>Blend,ColorMatrix,Composite,GaussianBlur,feImage</a:t>
+            </a:r>
+            <a:r>
+              <a:rPr lang="en-US" altLang="zh-CN" sz="2400" dirty="0" err="1" smtClean="0">
+                <a:solidFill>
+                  <a:schemeClr val="tx1">
+                    <a:lumMod val="75000"/>
+                    <a:lumOff val="25000"/>
+                  </a:schemeClr>
+                </a:solidFill>
+                <a:latin typeface="微软雅黑" pitchFamily="34" charset="-122"/>
+                <a:ea typeface="微软雅黑" pitchFamily="34" charset="-122"/>
+              </a:rPr>
+              <a:t>,feFlood,feTile</a:t>
+            </a:r>
+            <a:r>
+              <a:rPr lang="zh-CN" altLang="en-US" sz="2400" dirty="0">
+                <a:solidFill>
+                  <a:schemeClr val="tx1">
+                    <a:lumMod val="75000"/>
+                    <a:lumOff val="25000"/>
+                  </a:schemeClr>
+                </a:solidFill>
+                <a:latin typeface="微软雅黑" pitchFamily="34" charset="-122"/>
+                <a:ea typeface="微软雅黑" pitchFamily="34" charset="-122"/>
+              </a:rPr>
+              <a:t>。</a:t>
             </a:r>
             <a:endParaRPr lang="en-US" altLang="zh-CN" sz="2400" dirty="0" smtClean="0">
               <a:solidFill>
@@ -7259,78 +5937,6 @@
           </a:p>
         </p:txBody>
       </p:sp>
-      <p:pic>
-        <p:nvPicPr>
-          <p:cNvPr id="5" name="图片 4" descr="屏幕剪辑"/>
-          <p:cNvPicPr>
-            <a:picLocks noChangeAspect="1"/>
-          </p:cNvPicPr>
-          <p:nvPr/>
-        </p:nvPicPr>
-        <p:blipFill>
-          <a:blip r:embed="rId2">
-            <a:extLst>
-              <a:ext uri="{28A0092B-C50C-407E-A947-70E740481C1C}">
-                <a14:useLocalDpi xmlns:a14="http://schemas.microsoft.com/office/drawing/2010/main" val="0"/>
-              </a:ext>
-            </a:extLst>
-          </a:blip>
-          <a:stretch>
-            <a:fillRect/>
-          </a:stretch>
-        </p:blipFill>
-        <p:spPr>
-          <a:xfrm>
-            <a:off x="755576" y="2488090"/>
-            <a:ext cx="7590568" cy="1927911"/>
-          </a:xfrm>
-          <a:prstGeom prst="rect">
-            <a:avLst/>
-          </a:prstGeom>
-          <a:ln>
-            <a:noFill/>
-          </a:ln>
-          <a:effectLst>
-            <a:softEdge rad="112500"/>
-          </a:effectLst>
-        </p:spPr>
-      </p:pic>
-      <p:pic>
-        <p:nvPicPr>
-          <p:cNvPr id="8" name="图片 7" descr="屏幕剪辑"/>
-          <p:cNvPicPr>
-            <a:picLocks noChangeAspect="1"/>
-          </p:cNvPicPr>
-          <p:nvPr/>
-        </p:nvPicPr>
-        <p:blipFill>
-          <a:blip r:embed="rId3">
-            <a:extLst>
-              <a:ext uri="{28A0092B-C50C-407E-A947-70E740481C1C}">
-                <a14:useLocalDpi xmlns:a14="http://schemas.microsoft.com/office/drawing/2010/main" val="0"/>
-              </a:ext>
-            </a:extLst>
-          </a:blip>
-          <a:stretch>
-            <a:fillRect/>
-          </a:stretch>
-        </p:blipFill>
-        <p:spPr>
-          <a:xfrm>
-            <a:off x="785055" y="4416001"/>
-            <a:ext cx="7630590" cy="1971950"/>
-          </a:xfrm>
-          <a:prstGeom prst="rect">
-            <a:avLst/>
-          </a:prstGeom>
-          <a:ln>
-            <a:noFill/>
-          </a:ln>
-          <a:effectLst>
-            <a:softEdge rad="112500"/>
-          </a:effectLst>
-        </p:spPr>
-      </p:pic>
     </p:spTree>
     <p:extLst>
       <p:ext uri="{BB962C8B-B14F-4D97-AF65-F5344CB8AC3E}">
@@ -7376,8 +5982,8 @@
         </p:nvSpPr>
         <p:spPr>
           <a:xfrm>
-            <a:off x="467544" y="476672"/>
-            <a:ext cx="5976664" cy="523220"/>
+            <a:off x="684000" y="476672"/>
+            <a:ext cx="7776000" cy="523220"/>
           </a:xfrm>
           <a:prstGeom prst="rect">
             <a:avLst/>
@@ -7463,8 +6069,8 @@
         </p:nvSpPr>
         <p:spPr>
           <a:xfrm>
-            <a:off x="611560" y="1196752"/>
-            <a:ext cx="7992888" cy="3970318"/>
+            <a:off x="684000" y="1196752"/>
+            <a:ext cx="7776000" cy="3416320"/>
           </a:xfrm>
           <a:prstGeom prst="rect">
             <a:avLst/>
@@ -7494,111 +6100,7 @@
                 <a:latin typeface="微软雅黑" pitchFamily="34" charset="-122"/>
                 <a:ea typeface="微软雅黑" pitchFamily="34" charset="-122"/>
               </a:rPr>
-              <a:t>我们使用</a:t>
-            </a:r>
-            <a:r>
-              <a:rPr lang="en-US" altLang="zh-CN" sz="2400" dirty="0" smtClean="0">
-                <a:solidFill>
-                  <a:schemeClr val="tx1">
-                    <a:lumMod val="75000"/>
-                    <a:lumOff val="25000"/>
-                  </a:schemeClr>
-                </a:solidFill>
-                <a:latin typeface="微软雅黑" pitchFamily="34" charset="-122"/>
-                <a:ea typeface="微软雅黑" pitchFamily="34" charset="-122"/>
-              </a:rPr>
-              <a:t>SVG</a:t>
-            </a:r>
-            <a:r>
-              <a:rPr lang="zh-CN" altLang="en-US" sz="2400" dirty="0" smtClean="0">
-                <a:solidFill>
-                  <a:schemeClr val="tx1">
-                    <a:lumMod val="75000"/>
-                    <a:lumOff val="25000"/>
-                  </a:schemeClr>
-                </a:solidFill>
-                <a:latin typeface="微软雅黑" pitchFamily="34" charset="-122"/>
-                <a:ea typeface="微软雅黑" pitchFamily="34" charset="-122"/>
-              </a:rPr>
-              <a:t>的渐变技术制作一个彩色的</a:t>
-            </a:r>
-            <a:r>
-              <a:rPr lang="zh-CN" altLang="en-US" sz="2400" b="1" dirty="0" smtClean="0">
-                <a:solidFill>
-                  <a:schemeClr val="tx1">
-                    <a:lumMod val="75000"/>
-                    <a:lumOff val="25000"/>
-                  </a:schemeClr>
-                </a:solidFill>
-                <a:latin typeface="微软雅黑" pitchFamily="34" charset="-122"/>
-                <a:ea typeface="微软雅黑" pitchFamily="34" charset="-122"/>
-              </a:rPr>
-              <a:t>渐变条纹图案</a:t>
-            </a:r>
-            <a:r>
-              <a:rPr lang="zh-CN" altLang="en-US" sz="2400" dirty="0" smtClean="0">
-                <a:solidFill>
-                  <a:schemeClr val="tx1">
-                    <a:lumMod val="75000"/>
-                    <a:lumOff val="25000"/>
-                  </a:schemeClr>
-                </a:solidFill>
-                <a:latin typeface="微软雅黑" pitchFamily="34" charset="-122"/>
-                <a:ea typeface="微软雅黑" pitchFamily="34" charset="-122"/>
-              </a:rPr>
-              <a:t>（</a:t>
-            </a:r>
-            <a:r>
-              <a:rPr lang="en-US" altLang="zh-CN" sz="2400" dirty="0" err="1" smtClean="0">
-                <a:solidFill>
-                  <a:schemeClr val="tx1">
-                    <a:lumMod val="75000"/>
-                    <a:lumOff val="25000"/>
-                  </a:schemeClr>
-                </a:solidFill>
-                <a:latin typeface="微软雅黑" pitchFamily="34" charset="-122"/>
-                <a:ea typeface="微软雅黑" pitchFamily="34" charset="-122"/>
-              </a:rPr>
-              <a:t>svg</a:t>
-            </a:r>
-            <a:r>
-              <a:rPr lang="zh-CN" altLang="en-US" sz="2400" dirty="0" smtClean="0">
-                <a:solidFill>
-                  <a:schemeClr val="tx1">
-                    <a:lumMod val="75000"/>
-                    <a:lumOff val="25000"/>
-                  </a:schemeClr>
-                </a:solidFill>
-                <a:latin typeface="微软雅黑" pitchFamily="34" charset="-122"/>
-                <a:ea typeface="微软雅黑" pitchFamily="34" charset="-122"/>
-              </a:rPr>
-              <a:t>的</a:t>
-            </a:r>
-            <a:r>
-              <a:rPr lang="en-US" altLang="zh-CN" sz="2400" dirty="0" smtClean="0">
-                <a:solidFill>
-                  <a:schemeClr val="tx1">
-                    <a:lumMod val="75000"/>
-                    <a:lumOff val="25000"/>
-                  </a:schemeClr>
-                </a:solidFill>
-                <a:latin typeface="微软雅黑" pitchFamily="34" charset="-122"/>
-                <a:ea typeface="微软雅黑" pitchFamily="34" charset="-122"/>
-              </a:rPr>
-              <a:t>pattern</a:t>
-            </a:r>
-            <a:r>
-              <a:rPr lang="zh-CN" altLang="en-US" sz="2400" dirty="0" smtClean="0">
-                <a:solidFill>
-                  <a:schemeClr val="tx1">
-                    <a:lumMod val="75000"/>
-                    <a:lumOff val="25000"/>
-                  </a:schemeClr>
-                </a:solidFill>
-                <a:latin typeface="微软雅黑" pitchFamily="34" charset="-122"/>
-                <a:ea typeface="微软雅黑" pitchFamily="34" charset="-122"/>
-              </a:rPr>
-              <a:t>），然后“填充”文字</a:t>
+              <a:t>当我们学习一种新的技术，无非是要搞明白它的的参数和用法，将参数的变化应用到实际的效果中，看看能有什么变化。</a:t>
             </a:r>
             <a:endParaRPr lang="en-US" altLang="zh-CN" sz="2400" dirty="0" smtClean="0">
               <a:solidFill>
@@ -7619,6 +6121,19 @@
               <a:buAutoNum type="arabicPeriod"/>
             </a:pPr>
             <a:r>
+              <a:rPr lang="zh-CN" altLang="en-US" sz="2400" dirty="0">
+                <a:solidFill>
+                  <a:schemeClr val="tx1">
+                    <a:lumMod val="75000"/>
+                    <a:lumOff val="25000"/>
+                  </a:schemeClr>
+                </a:solidFill>
+                <a:latin typeface="微软雅黑" pitchFamily="34" charset="-122"/>
+                <a:ea typeface="微软雅黑" pitchFamily="34" charset="-122"/>
+              </a:rPr>
+              <a:t>滤</a:t>
+            </a:r>
+            <a:r>
               <a:rPr lang="zh-CN" altLang="en-US" sz="2400" dirty="0" smtClean="0">
                 <a:solidFill>
                   <a:schemeClr val="tx1">
@@ -7629,111 +6144,7 @@
                 <a:latin typeface="微软雅黑" pitchFamily="34" charset="-122"/>
                 <a:ea typeface="微软雅黑" pitchFamily="34" charset="-122"/>
               </a:rPr>
-              <a:t>对于亮光的制作，我们同样使用渐变技术，制作</a:t>
-            </a:r>
-            <a:r>
-              <a:rPr lang="zh-CN" altLang="en-US" sz="2400" b="1" dirty="0" smtClean="0">
-                <a:solidFill>
-                  <a:schemeClr val="tx1">
-                    <a:lumMod val="75000"/>
-                    <a:lumOff val="25000"/>
-                  </a:schemeClr>
-                </a:solidFill>
-                <a:latin typeface="微软雅黑" pitchFamily="34" charset="-122"/>
-                <a:ea typeface="微软雅黑" pitchFamily="34" charset="-122"/>
-              </a:rPr>
-              <a:t>半透明的黑白条纹</a:t>
-            </a:r>
-            <a:r>
-              <a:rPr lang="zh-CN" altLang="en-US" sz="2400" dirty="0" smtClean="0">
-                <a:solidFill>
-                  <a:schemeClr val="tx1">
-                    <a:lumMod val="75000"/>
-                    <a:lumOff val="25000"/>
-                  </a:schemeClr>
-                </a:solidFill>
-                <a:latin typeface="微软雅黑" pitchFamily="34" charset="-122"/>
-                <a:ea typeface="微软雅黑" pitchFamily="34" charset="-122"/>
-              </a:rPr>
-              <a:t>（模拟</a:t>
-            </a:r>
-            <a:r>
-              <a:rPr lang="zh-CN" altLang="en-US" sz="2400" dirty="0">
-                <a:solidFill>
-                  <a:schemeClr val="tx1">
-                    <a:lumMod val="75000"/>
-                    <a:lumOff val="25000"/>
-                  </a:schemeClr>
-                </a:solidFill>
-                <a:latin typeface="微软雅黑" pitchFamily="34" charset="-122"/>
-                <a:ea typeface="微软雅黑" pitchFamily="34" charset="-122"/>
-              </a:rPr>
-              <a:t>亮光）图案（</a:t>
-            </a:r>
-            <a:r>
-              <a:rPr lang="en-US" altLang="zh-CN" sz="2400" dirty="0">
-                <a:solidFill>
-                  <a:schemeClr val="tx1">
-                    <a:lumMod val="75000"/>
-                    <a:lumOff val="25000"/>
-                  </a:schemeClr>
-                </a:solidFill>
-                <a:latin typeface="微软雅黑" pitchFamily="34" charset="-122"/>
-                <a:ea typeface="微软雅黑" pitchFamily="34" charset="-122"/>
-              </a:rPr>
-              <a:t> </a:t>
-            </a:r>
-            <a:r>
-              <a:rPr lang="en-US" altLang="zh-CN" sz="2400" dirty="0" err="1">
-                <a:solidFill>
-                  <a:schemeClr val="tx1">
-                    <a:lumMod val="75000"/>
-                    <a:lumOff val="25000"/>
-                  </a:schemeClr>
-                </a:solidFill>
-                <a:latin typeface="微软雅黑" pitchFamily="34" charset="-122"/>
-                <a:ea typeface="微软雅黑" pitchFamily="34" charset="-122"/>
-              </a:rPr>
-              <a:t>svg</a:t>
-            </a:r>
-            <a:r>
-              <a:rPr lang="zh-CN" altLang="en-US" sz="2400" dirty="0">
-                <a:solidFill>
-                  <a:schemeClr val="tx1">
-                    <a:lumMod val="75000"/>
-                    <a:lumOff val="25000"/>
-                  </a:schemeClr>
-                </a:solidFill>
-                <a:latin typeface="微软雅黑" pitchFamily="34" charset="-122"/>
-                <a:ea typeface="微软雅黑" pitchFamily="34" charset="-122"/>
-              </a:rPr>
-              <a:t>的</a:t>
-            </a:r>
-            <a:r>
-              <a:rPr lang="en-US" altLang="zh-CN" sz="2400" dirty="0">
-                <a:solidFill>
-                  <a:schemeClr val="tx1">
-                    <a:lumMod val="75000"/>
-                    <a:lumOff val="25000"/>
-                  </a:schemeClr>
-                </a:solidFill>
-                <a:latin typeface="微软雅黑" pitchFamily="34" charset="-122"/>
-                <a:ea typeface="微软雅黑" pitchFamily="34" charset="-122"/>
-              </a:rPr>
-              <a:t>pattern </a:t>
-            </a:r>
-            <a:r>
-              <a:rPr lang="zh-CN" altLang="en-US" sz="2400" dirty="0" smtClean="0">
-                <a:solidFill>
-                  <a:schemeClr val="tx1">
-                    <a:lumMod val="75000"/>
-                    <a:lumOff val="25000"/>
-                  </a:schemeClr>
-                </a:solidFill>
-                <a:latin typeface="微软雅黑" pitchFamily="34" charset="-122"/>
-                <a:ea typeface="微软雅黑" pitchFamily="34" charset="-122"/>
-              </a:rPr>
-              <a:t>），然后填充图案</a:t>
+              <a:t>镜中有些参数不是所有浏览器都能很好的支持，这个需要大家注意。</a:t>
             </a:r>
             <a:endParaRPr lang="en-US" altLang="zh-CN" sz="2400" dirty="0" smtClean="0">
               <a:solidFill>
@@ -7747,116 +6158,11 @@
             </a:endParaRPr>
           </a:p>
           <a:p>
-            <a:pPr marL="457200" indent="-457200">
+            <a:pPr>
               <a:lnSpc>
                 <a:spcPct val="150000"/>
               </a:lnSpc>
-              <a:buAutoNum type="arabicPeriod"/>
             </a:pPr>
-            <a:r>
-              <a:rPr lang="zh-CN" altLang="en-US" sz="2400" dirty="0" smtClean="0">
-                <a:solidFill>
-                  <a:schemeClr val="tx1">
-                    <a:lumMod val="75000"/>
-                    <a:lumOff val="25000"/>
-                  </a:schemeClr>
-                </a:solidFill>
-                <a:latin typeface="微软雅黑" pitchFamily="34" charset="-122"/>
-                <a:ea typeface="微软雅黑" pitchFamily="34" charset="-122"/>
-              </a:rPr>
-              <a:t>彩色图案的移动和亮光的闪烁动画，通过改变图案（</a:t>
-            </a:r>
-            <a:r>
-              <a:rPr lang="en-US" altLang="zh-CN" sz="2400" dirty="0" smtClean="0">
-                <a:solidFill>
-                  <a:schemeClr val="tx1">
-                    <a:lumMod val="75000"/>
-                    <a:lumOff val="25000"/>
-                  </a:schemeClr>
-                </a:solidFill>
-                <a:latin typeface="微软雅黑" pitchFamily="34" charset="-122"/>
-                <a:ea typeface="微软雅黑" pitchFamily="34" charset="-122"/>
-              </a:rPr>
-              <a:t>pattern</a:t>
-            </a:r>
-            <a:r>
-              <a:rPr lang="zh-CN" altLang="en-US" sz="2400" dirty="0" smtClean="0">
-                <a:solidFill>
-                  <a:schemeClr val="tx1">
-                    <a:lumMod val="75000"/>
-                    <a:lumOff val="25000"/>
-                  </a:schemeClr>
-                </a:solidFill>
-                <a:latin typeface="微软雅黑" pitchFamily="34" charset="-122"/>
-                <a:ea typeface="微软雅黑" pitchFamily="34" charset="-122"/>
-              </a:rPr>
-              <a:t>）</a:t>
-            </a:r>
-            <a:r>
-              <a:rPr lang="en-US" altLang="zh-CN" sz="2400" b="1" dirty="0" err="1" smtClean="0">
-                <a:solidFill>
-                  <a:schemeClr val="tx1">
-                    <a:lumMod val="75000"/>
-                    <a:lumOff val="25000"/>
-                  </a:schemeClr>
-                </a:solidFill>
-                <a:latin typeface="微软雅黑" pitchFamily="34" charset="-122"/>
-                <a:ea typeface="微软雅黑" pitchFamily="34" charset="-122"/>
-              </a:rPr>
-              <a:t>x,y</a:t>
-            </a:r>
-            <a:r>
-              <a:rPr lang="zh-CN" altLang="en-US" sz="2400" b="1" dirty="0" smtClean="0">
-                <a:solidFill>
-                  <a:schemeClr val="tx1">
-                    <a:lumMod val="75000"/>
-                    <a:lumOff val="25000"/>
-                  </a:schemeClr>
-                </a:solidFill>
-                <a:latin typeface="微软雅黑" pitchFamily="34" charset="-122"/>
-                <a:ea typeface="微软雅黑" pitchFamily="34" charset="-122"/>
-              </a:rPr>
-              <a:t>坐标的</a:t>
-            </a:r>
-            <a:r>
-              <a:rPr lang="en-US" altLang="zh-CN" sz="2400" b="1" dirty="0" smtClean="0">
-                <a:solidFill>
-                  <a:schemeClr val="tx1">
-                    <a:lumMod val="75000"/>
-                    <a:lumOff val="25000"/>
-                  </a:schemeClr>
-                </a:solidFill>
-                <a:latin typeface="微软雅黑" pitchFamily="34" charset="-122"/>
-                <a:ea typeface="微软雅黑" pitchFamily="34" charset="-122"/>
-              </a:rPr>
-              <a:t>SMIL</a:t>
-            </a:r>
-            <a:r>
-              <a:rPr lang="zh-CN" altLang="en-US" sz="2400" b="1" dirty="0" smtClean="0">
-                <a:solidFill>
-                  <a:schemeClr val="tx1">
-                    <a:lumMod val="75000"/>
-                    <a:lumOff val="25000"/>
-                  </a:schemeClr>
-                </a:solidFill>
-                <a:latin typeface="微软雅黑" pitchFamily="34" charset="-122"/>
-                <a:ea typeface="微软雅黑" pitchFamily="34" charset="-122"/>
-              </a:rPr>
-              <a:t>动画</a:t>
-            </a:r>
-            <a:r>
-              <a:rPr lang="zh-CN" altLang="en-US" sz="2400" dirty="0" smtClean="0">
-                <a:solidFill>
-                  <a:schemeClr val="tx1">
-                    <a:lumMod val="75000"/>
-                    <a:lumOff val="25000"/>
-                  </a:schemeClr>
-                </a:solidFill>
-                <a:latin typeface="微软雅黑" pitchFamily="34" charset="-122"/>
-                <a:ea typeface="微软雅黑" pitchFamily="34" charset="-122"/>
-              </a:rPr>
-              <a:t>实现</a:t>
-            </a:r>
             <a:endParaRPr lang="en-US" altLang="zh-CN" sz="2400" dirty="0" smtClean="0">
               <a:solidFill>
                 <a:schemeClr val="tx1">
@@ -7915,8 +6221,8 @@
         </p:nvSpPr>
         <p:spPr>
           <a:xfrm>
-            <a:off x="827584" y="116632"/>
-            <a:ext cx="7776864" cy="1754326"/>
+            <a:off x="683568" y="116632"/>
+            <a:ext cx="7776864" cy="3970318"/>
           </a:xfrm>
           <a:prstGeom prst="rect">
             <a:avLst/>
@@ -7947,19 +6253,6 @@
               <a:t>3 </a:t>
             </a:r>
             <a:r>
-              <a:rPr lang="en-US" altLang="zh-CN" sz="2400" b="1" dirty="0" smtClean="0">
-                <a:solidFill>
-                  <a:schemeClr val="tx1">
-                    <a:lumMod val="75000"/>
-                    <a:lumOff val="25000"/>
-                  </a:schemeClr>
-                </a:solidFill>
-                <a:latin typeface="微软雅黑" pitchFamily="34" charset="-122"/>
-                <a:ea typeface="微软雅黑" pitchFamily="34" charset="-122"/>
-              </a:rPr>
-              <a:t>SVG</a:t>
-            </a:r>
-            <a:r>
               <a:rPr lang="zh-CN" altLang="en-US" sz="2400" b="1" dirty="0">
                 <a:solidFill>
                   <a:schemeClr val="tx1">
@@ -7970,7 +6263,7 @@
                 <a:latin typeface="微软雅黑" pitchFamily="34" charset="-122"/>
                 <a:ea typeface="微软雅黑" pitchFamily="34" charset="-122"/>
               </a:rPr>
-              <a:t>线性</a:t>
+              <a:t>滤</a:t>
             </a:r>
             <a:r>
               <a:rPr lang="zh-CN" altLang="en-US" sz="2400" b="1" dirty="0" smtClean="0">
@@ -7983,7 +6276,7 @@
                 <a:latin typeface="微软雅黑" pitchFamily="34" charset="-122"/>
                 <a:ea typeface="微软雅黑" pitchFamily="34" charset="-122"/>
               </a:rPr>
-              <a:t>渐变</a:t>
+              <a:t>镜基础</a:t>
             </a:r>
             <a:endParaRPr lang="en-US" altLang="zh-CN" sz="2400" b="1" dirty="0" smtClean="0">
               <a:solidFill>
@@ -8016,19 +6309,6 @@
               <a:t>3-a </a:t>
             </a:r>
             <a:r>
-              <a:rPr lang="zh-CN" altLang="en-US" sz="2400" b="1" dirty="0">
-                <a:solidFill>
-                  <a:schemeClr val="tx1">
-                    <a:lumMod val="75000"/>
-                    <a:lumOff val="25000"/>
-                  </a:schemeClr>
-                </a:solidFill>
-                <a:latin typeface="微软雅黑" pitchFamily="34" charset="-122"/>
-                <a:ea typeface="微软雅黑" pitchFamily="34" charset="-122"/>
-              </a:rPr>
-              <a:t>线性</a:t>
-            </a:r>
-            <a:r>
               <a:rPr lang="zh-CN" altLang="en-US" sz="2400" b="1" dirty="0" smtClean="0">
                 <a:solidFill>
                   <a:schemeClr val="tx1">
@@ -8039,7 +6319,7 @@
                 <a:latin typeface="微软雅黑" pitchFamily="34" charset="-122"/>
                 <a:ea typeface="微软雅黑" pitchFamily="34" charset="-122"/>
               </a:rPr>
-              <a:t>渐变</a:t>
+              <a:t>滤镜的文档结构</a:t>
             </a:r>
             <a:endParaRPr lang="en-US" altLang="zh-CN" sz="2400" b="1" dirty="0" smtClean="0">
               <a:solidFill>
@@ -8069,7 +6349,85 @@
                 <a:latin typeface="微软雅黑" pitchFamily="34" charset="-122"/>
                 <a:ea typeface="微软雅黑" pitchFamily="34" charset="-122"/>
               </a:rPr>
-              <a:t>线性渐变使用标签</a:t>
+              <a:t>所有的滤镜标签的前缀都是</a:t>
+            </a:r>
+            <a:r>
+              <a:rPr lang="en-US" altLang="zh-CN" sz="2400" dirty="0" err="1" smtClean="0">
+                <a:solidFill>
+                  <a:schemeClr val="tx1">
+                    <a:lumMod val="75000"/>
+                    <a:lumOff val="25000"/>
+                  </a:schemeClr>
+                </a:solidFill>
+                <a:latin typeface="微软雅黑" pitchFamily="34" charset="-122"/>
+                <a:ea typeface="微软雅黑" pitchFamily="34" charset="-122"/>
+              </a:rPr>
+              <a:t>fe</a:t>
+            </a:r>
+            <a:r>
+              <a:rPr lang="zh-CN" altLang="en-US" sz="2400" dirty="0" smtClean="0">
+                <a:solidFill>
+                  <a:schemeClr val="tx1">
+                    <a:lumMod val="75000"/>
+                    <a:lumOff val="25000"/>
+                  </a:schemeClr>
+                </a:solidFill>
+                <a:latin typeface="微软雅黑" pitchFamily="34" charset="-122"/>
+                <a:ea typeface="微软雅黑" pitchFamily="34" charset="-122"/>
+              </a:rPr>
+              <a:t>，后面是各种滤镜的名称。如</a:t>
+            </a:r>
+            <a:r>
+              <a:rPr lang="en-US" altLang="zh-CN" sz="2400" dirty="0" err="1" smtClean="0">
+                <a:solidFill>
+                  <a:schemeClr val="tx1">
+                    <a:lumMod val="75000"/>
+                    <a:lumOff val="25000"/>
+                  </a:schemeClr>
+                </a:solidFill>
+                <a:latin typeface="微软雅黑" pitchFamily="34" charset="-122"/>
+                <a:ea typeface="微软雅黑" pitchFamily="34" charset="-122"/>
+              </a:rPr>
+              <a:t>feImage,feTile</a:t>
+            </a:r>
+            <a:r>
+              <a:rPr lang="zh-CN" altLang="en-US" sz="2400" dirty="0" smtClean="0">
+                <a:solidFill>
+                  <a:schemeClr val="tx1">
+                    <a:lumMod val="75000"/>
+                    <a:lumOff val="25000"/>
+                  </a:schemeClr>
+                </a:solidFill>
+                <a:latin typeface="微软雅黑" pitchFamily="34" charset="-122"/>
+                <a:ea typeface="微软雅黑" pitchFamily="34" charset="-122"/>
+              </a:rPr>
+              <a:t>等等。具体类型的</a:t>
+            </a:r>
+            <a:r>
+              <a:rPr lang="zh-CN" altLang="en-US" sz="2400" dirty="0">
+                <a:solidFill>
+                  <a:schemeClr val="tx1">
+                    <a:lumMod val="75000"/>
+                    <a:lumOff val="25000"/>
+                  </a:schemeClr>
+                </a:solidFill>
+                <a:latin typeface="微软雅黑" pitchFamily="34" charset="-122"/>
+                <a:ea typeface="微软雅黑" pitchFamily="34" charset="-122"/>
+              </a:rPr>
+              <a:t>滤镜</a:t>
+            </a:r>
+            <a:r>
+              <a:rPr lang="zh-CN" altLang="en-US" sz="2400" dirty="0" smtClean="0">
+                <a:solidFill>
+                  <a:schemeClr val="tx1">
+                    <a:lumMod val="75000"/>
+                    <a:lumOff val="25000"/>
+                  </a:schemeClr>
+                </a:solidFill>
+                <a:latin typeface="微软雅黑" pitchFamily="34" charset="-122"/>
+                <a:ea typeface="微软雅黑" pitchFamily="34" charset="-122"/>
+              </a:rPr>
+              <a:t>标签要放在</a:t>
             </a:r>
             <a:r>
               <a:rPr lang="en-US" altLang="zh-CN" sz="2400" dirty="0" smtClean="0">
@@ -8082,20 +6440,20 @@
                 <a:latin typeface="微软雅黑" pitchFamily="34" charset="-122"/>
                 <a:ea typeface="微软雅黑" pitchFamily="34" charset="-122"/>
               </a:rPr>
-              <a:t>&lt;</a:t>
-            </a:r>
-            <a:r>
-              <a:rPr lang="en-US" altLang="zh-CN" sz="2400" dirty="0" err="1" smtClean="0">
-                <a:solidFill>
-                  <a:schemeClr val="tx1">
-                    <a:lumMod val="75000"/>
-                    <a:lumOff val="25000"/>
-                  </a:schemeClr>
-                </a:solidFill>
-                <a:latin typeface="微软雅黑" pitchFamily="34" charset="-122"/>
-                <a:ea typeface="微软雅黑" pitchFamily="34" charset="-122"/>
-              </a:rPr>
-              <a:t>linearGradient</a:t>
+              <a:t>&lt;filter&gt;</a:t>
+            </a:r>
+            <a:r>
+              <a:rPr lang="zh-CN" altLang="en-US" sz="2400" dirty="0" smtClean="0">
+                <a:solidFill>
+                  <a:schemeClr val="tx1">
+                    <a:lumMod val="75000"/>
+                    <a:lumOff val="25000"/>
+                  </a:schemeClr>
+                </a:solidFill>
+                <a:latin typeface="微软雅黑" pitchFamily="34" charset="-122"/>
+                <a:ea typeface="微软雅黑" pitchFamily="34" charset="-122"/>
+              </a:rPr>
+              <a:t>标签之中，使用时，引用</a:t>
             </a:r>
             <a:r>
               <a:rPr lang="en-US" altLang="zh-CN" sz="2400" dirty="0" smtClean="0">
@@ -8108,7 +6466,7 @@
                 <a:latin typeface="微软雅黑" pitchFamily="34" charset="-122"/>
                 <a:ea typeface="微软雅黑" pitchFamily="34" charset="-122"/>
               </a:rPr>
-              <a:t>&gt;</a:t>
+              <a:t>&lt;filter&gt;</a:t>
             </a:r>
             <a:r>
               <a:rPr lang="zh-CN" altLang="en-US" sz="2400" dirty="0" smtClean="0">
@@ -8121,7 +6479,63 @@
                 <a:latin typeface="微软雅黑" pitchFamily="34" charset="-122"/>
                 <a:ea typeface="微软雅黑" pitchFamily="34" charset="-122"/>
               </a:rPr>
-              <a:t>，如下图：</a:t>
+              <a:t>标签的</a:t>
+            </a:r>
+            <a:r>
+              <a:rPr lang="en-US" altLang="zh-CN" sz="2400" dirty="0" smtClean="0">
+                <a:solidFill>
+                  <a:schemeClr val="tx1">
+                    <a:lumMod val="75000"/>
+                    <a:lumOff val="25000"/>
+                  </a:schemeClr>
+                </a:solidFill>
+                <a:latin typeface="微软雅黑" pitchFamily="34" charset="-122"/>
+                <a:ea typeface="微软雅黑" pitchFamily="34" charset="-122"/>
+              </a:rPr>
+              <a:t>id</a:t>
+            </a:r>
+            <a:r>
+              <a:rPr lang="zh-CN" altLang="en-US" sz="2400" dirty="0" smtClean="0">
+                <a:solidFill>
+                  <a:schemeClr val="tx1">
+                    <a:lumMod val="75000"/>
+                    <a:lumOff val="25000"/>
+                  </a:schemeClr>
+                </a:solidFill>
+                <a:latin typeface="微软雅黑" pitchFamily="34" charset="-122"/>
+                <a:ea typeface="微软雅黑" pitchFamily="34" charset="-122"/>
+              </a:rPr>
+              <a:t>。如下：</a:t>
+            </a:r>
+            <a:endParaRPr lang="en-US" altLang="zh-CN" sz="2400" dirty="0" smtClean="0">
+              <a:solidFill>
+                <a:schemeClr val="tx1">
+                  <a:lumMod val="75000"/>
+                  <a:lumOff val="25000"/>
+                </a:schemeClr>
+              </a:solidFill>
+              <a:latin typeface="微软雅黑" pitchFamily="34" charset="-122"/>
+              <a:ea typeface="微软雅黑" pitchFamily="34" charset="-122"/>
+            </a:endParaRPr>
+          </a:p>
+          <a:p>
+            <a:pPr>
+              <a:lnSpc>
+                <a:spcPct val="150000"/>
+              </a:lnSpc>
+            </a:pPr>
+            <a:r>
+              <a:rPr lang="en-US" altLang="zh-CN" sz="2400" dirty="0">
+                <a:solidFill>
+                  <a:schemeClr val="tx1">
+                    <a:lumMod val="75000"/>
+                    <a:lumOff val="25000"/>
+                  </a:schemeClr>
+                </a:solidFill>
+                <a:latin typeface="微软雅黑" pitchFamily="34" charset="-122"/>
+                <a:ea typeface="微软雅黑" pitchFamily="34" charset="-122"/>
+              </a:rPr>
+              <a:t>	</a:t>
             </a:r>
             <a:endParaRPr lang="en-US" altLang="zh-CN" sz="2400" b="1" dirty="0" smtClean="0">
               <a:solidFill>
@@ -8136,64 +6550,23 @@
           </a:p>
         </p:txBody>
       </p:sp>
-      <p:pic>
-        <p:nvPicPr>
-          <p:cNvPr id="3" name="图片 2" descr="屏幕剪辑"/>
-          <p:cNvPicPr>
-            <a:picLocks noChangeAspect="1"/>
-          </p:cNvPicPr>
+      <p:sp>
+        <p:nvSpPr>
+          <p:cNvPr id="5" name="矩形 4"/>
+          <p:cNvSpPr/>
           <p:nvPr/>
-        </p:nvPicPr>
-        <p:blipFill>
-          <a:blip r:embed="rId2">
-            <a:extLst>
-              <a:ext uri="{28A0092B-C50C-407E-A947-70E740481C1C}">
-                <a14:useLocalDpi xmlns:a14="http://schemas.microsoft.com/office/drawing/2010/main" val="0"/>
-              </a:ext>
-            </a:extLst>
-          </a:blip>
-          <a:stretch>
-            <a:fillRect/>
-          </a:stretch>
-        </p:blipFill>
+        </p:nvSpPr>
         <p:spPr>
           <a:xfrm>
-            <a:off x="1043608" y="2060848"/>
-            <a:ext cx="6925642" cy="1543265"/>
+            <a:off x="683568" y="3541072"/>
+            <a:ext cx="7776864" cy="3416320"/>
           </a:xfrm>
           <a:prstGeom prst="rect">
             <a:avLst/>
           </a:prstGeom>
-          <a:ln>
-            <a:noFill/>
-          </a:ln>
-          <a:effectLst>
-            <a:outerShdw blurRad="292100" dist="139700" dir="2700000" algn="tl" rotWithShape="0">
-              <a:srgbClr val="333333">
-                <a:alpha val="65000"/>
-              </a:srgbClr>
-            </a:outerShdw>
-          </a:effectLst>
         </p:spPr>
-      </p:pic>
-      <p:sp>
-        <p:nvSpPr>
-          <p:cNvPr id="4" name="TextBox 4"/>
-          <p:cNvSpPr txBox="1"/>
-          <p:nvPr/>
-        </p:nvSpPr>
-        <p:spPr>
-          <a:xfrm>
-            <a:off x="827584" y="3794003"/>
-            <a:ext cx="7632848" cy="2862322"/>
-          </a:xfrm>
-          <a:prstGeom prst="rect">
-            <a:avLst/>
-          </a:prstGeom>
-          <a:noFill/>
-        </p:spPr>
-        <p:txBody>
-          <a:bodyPr wrap="square" rtlCol="0">
+        <p:txBody>
+          <a:bodyPr wrap="square">
             <a:spAutoFit/>
           </a:bodyPr>
           <a:lstStyle/>
@@ -8204,6 +6577,29 @@
               </a:lnSpc>
             </a:pPr>
             <a:r>
+              <a:rPr lang="en-US" altLang="zh-CN" sz="2400" dirty="0">
+                <a:solidFill>
+                  <a:schemeClr val="tx1">
+                    <a:lumMod val="75000"/>
+                    <a:lumOff val="25000"/>
+                  </a:schemeClr>
+                </a:solidFill>
+                <a:latin typeface="微软雅黑" pitchFamily="34" charset="-122"/>
+                <a:ea typeface="微软雅黑" pitchFamily="34" charset="-122"/>
+              </a:rPr>
+              <a:t>	</a:t>
+            </a:r>
+            <a:r>
+              <a:rPr lang="en-US" altLang="zh-CN" sz="2400" b="1" dirty="0" smtClean="0">
+                <a:solidFill>
+                  <a:srgbClr val="C00000"/>
+                </a:solidFill>
+                <a:latin typeface="微软雅黑" pitchFamily="34" charset="-122"/>
+                <a:ea typeface="微软雅黑" pitchFamily="34" charset="-122"/>
+              </a:rPr>
+              <a:t>&lt;filter </a:t>
+            </a:r>
+            <a:r>
               <a:rPr lang="en-US" altLang="zh-CN" sz="2400" dirty="0" smtClean="0">
                 <a:solidFill>
                   <a:schemeClr val="tx1">
@@ -8214,9 +6610,171 @@
                 <a:latin typeface="微软雅黑" pitchFamily="34" charset="-122"/>
                 <a:ea typeface="微软雅黑" pitchFamily="34" charset="-122"/>
               </a:rPr>
+              <a:t>id=“</a:t>
+            </a:r>
+            <a:r>
+              <a:rPr lang="en-US" altLang="zh-CN" sz="2400" b="1" dirty="0" smtClean="0">
+                <a:solidFill>
+                  <a:srgbClr val="7030A0"/>
+                </a:solidFill>
+                <a:latin typeface="微软雅黑" pitchFamily="34" charset="-122"/>
+                <a:ea typeface="微软雅黑" pitchFamily="34" charset="-122"/>
+              </a:rPr>
+              <a:t>f1</a:t>
+            </a:r>
+            <a:r>
+              <a:rPr lang="en-US" altLang="zh-CN" sz="2400" dirty="0" smtClean="0">
+                <a:solidFill>
+                  <a:schemeClr val="tx1">
+                    <a:lumMod val="75000"/>
+                    <a:lumOff val="25000"/>
+                  </a:schemeClr>
+                </a:solidFill>
+                <a:latin typeface="微软雅黑" pitchFamily="34" charset="-122"/>
+                <a:ea typeface="微软雅黑" pitchFamily="34" charset="-122"/>
+              </a:rPr>
+              <a:t>”&gt;</a:t>
+            </a:r>
+          </a:p>
+          <a:p>
+            <a:pPr>
+              <a:lnSpc>
+                <a:spcPct val="150000"/>
+              </a:lnSpc>
+            </a:pPr>
+            <a:r>
+              <a:rPr lang="en-US" altLang="zh-CN" sz="2400" dirty="0">
+                <a:solidFill>
+                  <a:schemeClr val="tx1">
+                    <a:lumMod val="75000"/>
+                    <a:lumOff val="25000"/>
+                  </a:schemeClr>
+                </a:solidFill>
+                <a:latin typeface="微软雅黑" pitchFamily="34" charset="-122"/>
+                <a:ea typeface="微软雅黑" pitchFamily="34" charset="-122"/>
+              </a:rPr>
+              <a:t>	</a:t>
+            </a:r>
+            <a:r>
+              <a:rPr lang="en-US" altLang="zh-CN" sz="2400" dirty="0" smtClean="0">
+                <a:solidFill>
+                  <a:schemeClr val="tx1">
+                    <a:lumMod val="75000"/>
+                    <a:lumOff val="25000"/>
+                  </a:schemeClr>
+                </a:solidFill>
+                <a:latin typeface="微软雅黑" pitchFamily="34" charset="-122"/>
+                <a:ea typeface="微软雅黑" pitchFamily="34" charset="-122"/>
+              </a:rPr>
+              <a:t>	</a:t>
+            </a:r>
+            <a:r>
+              <a:rPr lang="en-US" altLang="zh-CN" sz="2400" b="1" dirty="0" smtClean="0">
+                <a:solidFill>
+                  <a:srgbClr val="C00000"/>
+                </a:solidFill>
+                <a:latin typeface="微软雅黑" pitchFamily="34" charset="-122"/>
+                <a:ea typeface="微软雅黑" pitchFamily="34" charset="-122"/>
+              </a:rPr>
               <a:t>&lt;</a:t>
             </a:r>
             <a:r>
+              <a:rPr lang="en-US" altLang="zh-CN" sz="2400" b="1" dirty="0" err="1" smtClean="0">
+                <a:solidFill>
+                  <a:srgbClr val="C00000"/>
+                </a:solidFill>
+                <a:latin typeface="微软雅黑" pitchFamily="34" charset="-122"/>
+                <a:ea typeface="微软雅黑" pitchFamily="34" charset="-122"/>
+              </a:rPr>
+              <a:t>feImage</a:t>
+            </a:r>
+            <a:r>
+              <a:rPr lang="en-US" altLang="zh-CN" sz="2400" b="1" dirty="0" smtClean="0">
+                <a:solidFill>
+                  <a:srgbClr val="C00000"/>
+                </a:solidFill>
+                <a:latin typeface="微软雅黑" pitchFamily="34" charset="-122"/>
+                <a:ea typeface="微软雅黑" pitchFamily="34" charset="-122"/>
+              </a:rPr>
+              <a:t> </a:t>
+            </a:r>
+            <a:r>
+              <a:rPr lang="en-US" altLang="zh-CN" sz="2400" dirty="0" smtClean="0">
+                <a:solidFill>
+                  <a:schemeClr val="tx1">
+                    <a:lumMod val="75000"/>
+                    <a:lumOff val="25000"/>
+                  </a:schemeClr>
+                </a:solidFill>
+                <a:latin typeface="微软雅黑" pitchFamily="34" charset="-122"/>
+                <a:ea typeface="微软雅黑" pitchFamily="34" charset="-122"/>
+              </a:rPr>
+              <a:t>…&gt;</a:t>
+            </a:r>
+          </a:p>
+          <a:p>
+            <a:pPr>
+              <a:lnSpc>
+                <a:spcPct val="150000"/>
+              </a:lnSpc>
+            </a:pPr>
+            <a:r>
+              <a:rPr lang="en-US" altLang="zh-CN" sz="2400" dirty="0">
+                <a:solidFill>
+                  <a:schemeClr val="tx1">
+                    <a:lumMod val="75000"/>
+                    <a:lumOff val="25000"/>
+                  </a:schemeClr>
+                </a:solidFill>
+                <a:latin typeface="微软雅黑" pitchFamily="34" charset="-122"/>
+                <a:ea typeface="微软雅黑" pitchFamily="34" charset="-122"/>
+              </a:rPr>
+              <a:t>	</a:t>
+            </a:r>
+            <a:r>
+              <a:rPr lang="en-US" altLang="zh-CN" sz="2400" b="1" dirty="0" smtClean="0">
+                <a:solidFill>
+                  <a:srgbClr val="C00000"/>
+                </a:solidFill>
+                <a:latin typeface="微软雅黑" pitchFamily="34" charset="-122"/>
+                <a:ea typeface="微软雅黑" pitchFamily="34" charset="-122"/>
+              </a:rPr>
+              <a:t>&lt;/filter&gt;</a:t>
+            </a:r>
+          </a:p>
+          <a:p>
+            <a:pPr>
+              <a:lnSpc>
+                <a:spcPct val="150000"/>
+              </a:lnSpc>
+            </a:pPr>
+            <a:r>
+              <a:rPr lang="en-US" altLang="zh-CN" sz="2400" dirty="0">
+                <a:solidFill>
+                  <a:schemeClr val="tx1">
+                    <a:lumMod val="75000"/>
+                    <a:lumOff val="25000"/>
+                  </a:schemeClr>
+                </a:solidFill>
+                <a:latin typeface="微软雅黑" pitchFamily="34" charset="-122"/>
+                <a:ea typeface="微软雅黑" pitchFamily="34" charset="-122"/>
+              </a:rPr>
+              <a:t>	</a:t>
+            </a:r>
+            <a:r>
+              <a:rPr lang="en-US" altLang="zh-CN" sz="2400" dirty="0" smtClean="0">
+                <a:solidFill>
+                  <a:schemeClr val="tx1">
+                    <a:lumMod val="75000"/>
+                    <a:lumOff val="25000"/>
+                  </a:schemeClr>
+                </a:solidFill>
+                <a:latin typeface="微软雅黑" pitchFamily="34" charset="-122"/>
+                <a:ea typeface="微软雅黑" pitchFamily="34" charset="-122"/>
+              </a:rPr>
+              <a:t>&lt;</a:t>
+            </a:r>
+            <a:r>
               <a:rPr lang="en-US" altLang="zh-CN" sz="2400" dirty="0" err="1" smtClean="0">
                 <a:solidFill>
                   <a:schemeClr val="tx1">
@@ -8227,7 +6785,7 @@
                 <a:latin typeface="微软雅黑" pitchFamily="34" charset="-122"/>
                 <a:ea typeface="微软雅黑" pitchFamily="34" charset="-122"/>
               </a:rPr>
-              <a:t>linearGradient</a:t>
+              <a:t>rect</a:t>
             </a:r>
             <a:r>
               <a:rPr lang="en-US" altLang="zh-CN" sz="2400" dirty="0" smtClean="0">
@@ -8240,256 +6798,128 @@
                 <a:latin typeface="微软雅黑" pitchFamily="34" charset="-122"/>
                 <a:ea typeface="微软雅黑" pitchFamily="34" charset="-122"/>
               </a:rPr>
+              <a:t>  filter=“</a:t>
+            </a:r>
+            <a:r>
+              <a:rPr lang="en-US" altLang="zh-CN" sz="2400" b="1" dirty="0" err="1" smtClean="0">
+                <a:solidFill>
+                  <a:srgbClr val="00B050"/>
+                </a:solidFill>
+                <a:latin typeface="微软雅黑" pitchFamily="34" charset="-122"/>
+                <a:ea typeface="微软雅黑" pitchFamily="34" charset="-122"/>
+              </a:rPr>
+              <a:t>url</a:t>
+            </a:r>
+            <a:r>
+              <a:rPr lang="en-US" altLang="zh-CN" sz="2400" b="1" dirty="0" smtClean="0">
+                <a:solidFill>
+                  <a:srgbClr val="00B050"/>
+                </a:solidFill>
+                <a:latin typeface="微软雅黑" pitchFamily="34" charset="-122"/>
+                <a:ea typeface="微软雅黑" pitchFamily="34" charset="-122"/>
+              </a:rPr>
+              <a:t>(</a:t>
+            </a:r>
+            <a:r>
+              <a:rPr lang="en-US" altLang="zh-CN" sz="2400" b="1" dirty="0" smtClean="0">
+                <a:solidFill>
+                  <a:srgbClr val="7030A0"/>
+                </a:solidFill>
+                <a:latin typeface="微软雅黑" pitchFamily="34" charset="-122"/>
+                <a:ea typeface="微软雅黑" pitchFamily="34" charset="-122"/>
+              </a:rPr>
+              <a:t>#f1</a:t>
+            </a:r>
+            <a:r>
+              <a:rPr lang="en-US" altLang="zh-CN" sz="2400" b="1" dirty="0" smtClean="0">
+                <a:solidFill>
+                  <a:srgbClr val="00B050"/>
+                </a:solidFill>
+                <a:latin typeface="微软雅黑" pitchFamily="34" charset="-122"/>
+                <a:ea typeface="微软雅黑" pitchFamily="34" charset="-122"/>
+              </a:rPr>
+              <a:t>)</a:t>
+            </a:r>
+            <a:r>
+              <a:rPr lang="en-US" altLang="zh-CN" sz="2400" dirty="0" smtClean="0">
+                <a:solidFill>
+                  <a:schemeClr val="tx1">
+                    <a:lumMod val="75000"/>
+                    <a:lumOff val="25000"/>
+                  </a:schemeClr>
+                </a:solidFill>
+                <a:latin typeface="微软雅黑" pitchFamily="34" charset="-122"/>
+                <a:ea typeface="微软雅黑" pitchFamily="34" charset="-122"/>
+              </a:rPr>
+              <a:t>”&gt;</a:t>
+            </a:r>
+          </a:p>
+          <a:p>
+            <a:pPr>
+              <a:lnSpc>
+                <a:spcPct val="150000"/>
+              </a:lnSpc>
+            </a:pPr>
+            <a:r>
+              <a:rPr lang="en-US" altLang="zh-CN" sz="2400" dirty="0">
+                <a:solidFill>
+                  <a:schemeClr val="tx1">
+                    <a:lumMod val="75000"/>
+                    <a:lumOff val="25000"/>
+                  </a:schemeClr>
+                </a:solidFill>
+                <a:latin typeface="微软雅黑" pitchFamily="34" charset="-122"/>
+                <a:ea typeface="微软雅黑" pitchFamily="34" charset="-122"/>
+              </a:rPr>
+              <a:t>	</a:t>
+            </a:r>
+            <a:r>
+              <a:rPr lang="en-US" altLang="zh-CN" sz="2400" dirty="0" smtClean="0">
+                <a:solidFill>
+                  <a:schemeClr val="tx1">
+                    <a:lumMod val="75000"/>
+                    <a:lumOff val="25000"/>
+                  </a:schemeClr>
+                </a:solidFill>
+                <a:latin typeface="微软雅黑" pitchFamily="34" charset="-122"/>
+                <a:ea typeface="微软雅黑" pitchFamily="34" charset="-122"/>
+              </a:rPr>
+              <a:t>&lt;/</a:t>
+            </a:r>
+            <a:r>
+              <a:rPr lang="en-US" altLang="zh-CN" sz="2400" dirty="0" err="1" smtClean="0">
+                <a:solidFill>
+                  <a:schemeClr val="tx1">
+                    <a:lumMod val="75000"/>
+                    <a:lumOff val="25000"/>
+                  </a:schemeClr>
+                </a:solidFill>
+                <a:latin typeface="微软雅黑" pitchFamily="34" charset="-122"/>
+                <a:ea typeface="微软雅黑" pitchFamily="34" charset="-122"/>
+              </a:rPr>
+              <a:t>rect</a:t>
+            </a:r>
+            <a:r>
+              <a:rPr lang="en-US" altLang="zh-CN" sz="2400" dirty="0" smtClean="0">
+                <a:solidFill>
+                  <a:schemeClr val="tx1">
+                    <a:lumMod val="75000"/>
+                    <a:lumOff val="25000"/>
+                  </a:schemeClr>
+                </a:solidFill>
+                <a:latin typeface="微软雅黑" pitchFamily="34" charset="-122"/>
+                <a:ea typeface="微软雅黑" pitchFamily="34" charset="-122"/>
+              </a:rPr>
               <a:t>&gt;</a:t>
             </a:r>
-            <a:r>
-              <a:rPr lang="zh-CN" altLang="en-US" sz="2400" dirty="0" smtClean="0">
-                <a:solidFill>
-                  <a:schemeClr val="tx1">
-                    <a:lumMod val="75000"/>
-                    <a:lumOff val="25000"/>
-                  </a:schemeClr>
-                </a:solidFill>
-                <a:latin typeface="微软雅黑" pitchFamily="34" charset="-122"/>
-                <a:ea typeface="微软雅黑" pitchFamily="34" charset="-122"/>
-              </a:rPr>
-              <a:t>标签下可有任意多个</a:t>
-            </a:r>
-            <a:r>
-              <a:rPr lang="en-US" altLang="zh-CN" sz="2400" dirty="0" smtClean="0">
-                <a:solidFill>
-                  <a:schemeClr val="tx1">
-                    <a:lumMod val="75000"/>
-                    <a:lumOff val="25000"/>
-                  </a:schemeClr>
-                </a:solidFill>
-                <a:latin typeface="微软雅黑" pitchFamily="34" charset="-122"/>
-                <a:ea typeface="微软雅黑" pitchFamily="34" charset="-122"/>
-              </a:rPr>
-              <a:t>&lt;stop&gt;</a:t>
-            </a:r>
-            <a:r>
-              <a:rPr lang="zh-CN" altLang="en-US" sz="2400" dirty="0" smtClean="0">
-                <a:solidFill>
-                  <a:schemeClr val="tx1">
-                    <a:lumMod val="75000"/>
-                    <a:lumOff val="25000"/>
-                  </a:schemeClr>
-                </a:solidFill>
-                <a:latin typeface="微软雅黑" pitchFamily="34" charset="-122"/>
-                <a:ea typeface="微软雅黑" pitchFamily="34" charset="-122"/>
-              </a:rPr>
-              <a:t>标签，描述关键颜色点，关键点之间的颜色将逐渐过度。</a:t>
-            </a:r>
-            <a:r>
-              <a:rPr lang="en-US" altLang="zh-CN" sz="2400" dirty="0" smtClean="0">
-                <a:solidFill>
-                  <a:schemeClr val="tx1">
-                    <a:lumMod val="75000"/>
-                    <a:lumOff val="25000"/>
-                  </a:schemeClr>
-                </a:solidFill>
-                <a:latin typeface="微软雅黑" pitchFamily="34" charset="-122"/>
-                <a:ea typeface="微软雅黑" pitchFamily="34" charset="-122"/>
-              </a:rPr>
-              <a:t>&lt;stop&gt;</a:t>
-            </a:r>
-            <a:r>
-              <a:rPr lang="zh-CN" altLang="en-US" sz="2400" dirty="0">
-                <a:solidFill>
-                  <a:schemeClr val="tx1">
-                    <a:lumMod val="75000"/>
-                    <a:lumOff val="25000"/>
-                  </a:schemeClr>
-                </a:solidFill>
-                <a:latin typeface="微软雅黑" pitchFamily="34" charset="-122"/>
-                <a:ea typeface="微软雅黑" pitchFamily="34" charset="-122"/>
-              </a:rPr>
-              <a:t>的</a:t>
-            </a:r>
-            <a:r>
-              <a:rPr lang="en-US" altLang="zh-CN" sz="2400" dirty="0" smtClean="0">
-                <a:solidFill>
-                  <a:schemeClr val="tx1">
-                    <a:lumMod val="75000"/>
-                    <a:lumOff val="25000"/>
-                  </a:schemeClr>
-                </a:solidFill>
-                <a:latin typeface="微软雅黑" pitchFamily="34" charset="-122"/>
-                <a:ea typeface="微软雅黑" pitchFamily="34" charset="-122"/>
-              </a:rPr>
-              <a:t>offset</a:t>
-            </a:r>
-            <a:r>
-              <a:rPr lang="zh-CN" altLang="en-US" sz="2400" dirty="0" smtClean="0">
-                <a:solidFill>
-                  <a:schemeClr val="tx1">
-                    <a:lumMod val="75000"/>
-                    <a:lumOff val="25000"/>
-                  </a:schemeClr>
-                </a:solidFill>
-                <a:latin typeface="微软雅黑" pitchFamily="34" charset="-122"/>
-                <a:ea typeface="微软雅黑" pitchFamily="34" charset="-122"/>
-              </a:rPr>
-              <a:t>和</a:t>
-            </a:r>
-            <a:r>
-              <a:rPr lang="en-US" altLang="zh-CN" sz="2400" dirty="0" smtClean="0">
-                <a:solidFill>
-                  <a:schemeClr val="tx1">
-                    <a:lumMod val="75000"/>
-                    <a:lumOff val="25000"/>
-                  </a:schemeClr>
-                </a:solidFill>
-                <a:latin typeface="微软雅黑" pitchFamily="34" charset="-122"/>
-                <a:ea typeface="微软雅黑" pitchFamily="34" charset="-122"/>
-              </a:rPr>
-              <a:t>stop-color</a:t>
-            </a:r>
-            <a:r>
-              <a:rPr lang="zh-CN" altLang="en-US" sz="2400" dirty="0" smtClean="0">
-                <a:solidFill>
-                  <a:schemeClr val="tx1">
-                    <a:lumMod val="75000"/>
-                    <a:lumOff val="25000"/>
-                  </a:schemeClr>
-                </a:solidFill>
-                <a:latin typeface="微软雅黑" pitchFamily="34" charset="-122"/>
-                <a:ea typeface="微软雅黑" pitchFamily="34" charset="-122"/>
-              </a:rPr>
-              <a:t>属性是必须的。</a:t>
-            </a:r>
-            <a:r>
-              <a:rPr lang="en-US" altLang="zh-CN" sz="2400" dirty="0" smtClean="0">
-                <a:solidFill>
-                  <a:schemeClr val="tx1">
-                    <a:lumMod val="75000"/>
-                    <a:lumOff val="25000"/>
-                  </a:schemeClr>
-                </a:solidFill>
-                <a:latin typeface="微软雅黑" pitchFamily="34" charset="-122"/>
-                <a:ea typeface="微软雅黑" pitchFamily="34" charset="-122"/>
-              </a:rPr>
-              <a:t>offset</a:t>
-            </a:r>
-            <a:r>
-              <a:rPr lang="zh-CN" altLang="en-US" sz="2400" dirty="0" smtClean="0">
-                <a:solidFill>
-                  <a:schemeClr val="tx1">
-                    <a:lumMod val="75000"/>
-                    <a:lumOff val="25000"/>
-                  </a:schemeClr>
-                </a:solidFill>
-                <a:latin typeface="微软雅黑" pitchFamily="34" charset="-122"/>
-                <a:ea typeface="微软雅黑" pitchFamily="34" charset="-122"/>
-              </a:rPr>
-              <a:t>描述哪个位置的颜色等于</a:t>
-            </a:r>
-            <a:r>
-              <a:rPr lang="en-US" altLang="zh-CN" sz="2400" dirty="0" smtClean="0">
-                <a:solidFill>
-                  <a:schemeClr val="tx1">
-                    <a:lumMod val="75000"/>
-                    <a:lumOff val="25000"/>
-                  </a:schemeClr>
-                </a:solidFill>
-                <a:latin typeface="微软雅黑" pitchFamily="34" charset="-122"/>
-                <a:ea typeface="微软雅黑" pitchFamily="34" charset="-122"/>
-              </a:rPr>
-              <a:t>stop-color</a:t>
-            </a:r>
-            <a:r>
-              <a:rPr lang="zh-CN" altLang="en-US" sz="2400" dirty="0" smtClean="0">
-                <a:solidFill>
-                  <a:schemeClr val="tx1">
-                    <a:lumMod val="75000"/>
-                    <a:lumOff val="25000"/>
-                  </a:schemeClr>
-                </a:solidFill>
-                <a:latin typeface="微软雅黑" pitchFamily="34" charset="-122"/>
-                <a:ea typeface="微软雅黑" pitchFamily="34" charset="-122"/>
-              </a:rPr>
-              <a:t>的颜色，该属性也可放在</a:t>
-            </a:r>
-            <a:r>
-              <a:rPr lang="en-US" altLang="zh-CN" sz="2400" dirty="0" smtClean="0">
-                <a:solidFill>
-                  <a:schemeClr val="tx1">
-                    <a:lumMod val="75000"/>
-                    <a:lumOff val="25000"/>
-                  </a:schemeClr>
-                </a:solidFill>
-                <a:latin typeface="微软雅黑" pitchFamily="34" charset="-122"/>
-                <a:ea typeface="微软雅黑" pitchFamily="34" charset="-122"/>
-              </a:rPr>
-              <a:t>style</a:t>
-            </a:r>
-            <a:r>
-              <a:rPr lang="zh-CN" altLang="en-US" sz="2400" dirty="0" smtClean="0">
-                <a:solidFill>
-                  <a:schemeClr val="tx1">
-                    <a:lumMod val="75000"/>
-                    <a:lumOff val="25000"/>
-                  </a:schemeClr>
-                </a:solidFill>
-                <a:latin typeface="微软雅黑" pitchFamily="34" charset="-122"/>
-                <a:ea typeface="微软雅黑" pitchFamily="34" charset="-122"/>
-              </a:rPr>
-              <a:t>属性中。</a:t>
-            </a:r>
-            <a:r>
-              <a:rPr lang="en-US" altLang="zh-CN" sz="2400" dirty="0" smtClean="0">
-                <a:solidFill>
-                  <a:schemeClr val="tx1">
-                    <a:lumMod val="75000"/>
-                    <a:lumOff val="25000"/>
-                  </a:schemeClr>
-                </a:solidFill>
-                <a:latin typeface="微软雅黑" pitchFamily="34" charset="-122"/>
-                <a:ea typeface="微软雅黑" pitchFamily="34" charset="-122"/>
-              </a:rPr>
-              <a:t>stop-opacity</a:t>
-            </a:r>
-            <a:r>
-              <a:rPr lang="zh-CN" altLang="en-US" sz="2400" dirty="0" smtClean="0">
-                <a:solidFill>
-                  <a:schemeClr val="tx1">
-                    <a:lumMod val="75000"/>
-                    <a:lumOff val="25000"/>
-                  </a:schemeClr>
-                </a:solidFill>
-                <a:latin typeface="微软雅黑" pitchFamily="34" charset="-122"/>
-                <a:ea typeface="微软雅黑" pitchFamily="34" charset="-122"/>
-              </a:rPr>
-              <a:t>描述透明度，取值</a:t>
-            </a:r>
-            <a:r>
-              <a:rPr lang="en-US" altLang="zh-CN" sz="2400" dirty="0" smtClean="0">
-                <a:solidFill>
-                  <a:schemeClr val="tx1">
-                    <a:lumMod val="75000"/>
-                    <a:lumOff val="25000"/>
-                  </a:schemeClr>
-                </a:solidFill>
-                <a:latin typeface="微软雅黑" pitchFamily="34" charset="-122"/>
-                <a:ea typeface="微软雅黑" pitchFamily="34" charset="-122"/>
-              </a:rPr>
-              <a:t>0~1</a:t>
-            </a:r>
-            <a:r>
-              <a:rPr lang="zh-CN" altLang="en-US" sz="2400" dirty="0" smtClean="0">
-                <a:solidFill>
-                  <a:schemeClr val="tx1">
-                    <a:lumMod val="75000"/>
-                    <a:lumOff val="25000"/>
-                  </a:schemeClr>
-                </a:solidFill>
-                <a:latin typeface="微软雅黑" pitchFamily="34" charset="-122"/>
-                <a:ea typeface="微软雅黑" pitchFamily="34" charset="-122"/>
-              </a:rPr>
-              <a:t>。</a:t>
-            </a:r>
-            <a:endParaRPr lang="en-US" altLang="zh-CN" sz="2400" dirty="0" smtClean="0">
+          </a:p>
+          <a:p>
+            <a:pPr>
+              <a:lnSpc>
+                <a:spcPct val="150000"/>
+              </a:lnSpc>
+            </a:pPr>
+            <a:endParaRPr lang="en-US" altLang="zh-CN" sz="2400" b="1" dirty="0" smtClean="0">
               <a:solidFill>
                 <a:schemeClr val="tx1">
                   <a:lumMod val="75000"/>
@@ -8540,7 +6970,7 @@
         </p:nvSpPr>
         <p:spPr>
           <a:xfrm>
-            <a:off x="827584" y="116632"/>
+            <a:off x="683568" y="116632"/>
             <a:ext cx="7776864" cy="2308324"/>
           </a:xfrm>
           <a:prstGeom prst="rect">
@@ -8572,6 +7002,19 @@
               <a:t>3-b </a:t>
             </a:r>
             <a:r>
+              <a:rPr lang="zh-CN" altLang="en-US" sz="2400" b="1" dirty="0" smtClean="0">
+                <a:solidFill>
+                  <a:schemeClr val="tx1">
+                    <a:lumMod val="75000"/>
+                    <a:lumOff val="25000"/>
+                  </a:schemeClr>
+                </a:solidFill>
+                <a:latin typeface="微软雅黑" pitchFamily="34" charset="-122"/>
+                <a:ea typeface="微软雅黑" pitchFamily="34" charset="-122"/>
+              </a:rPr>
+              <a:t>滤镜的</a:t>
+            </a:r>
+            <a:r>
               <a:rPr lang="zh-CN" altLang="en-US" sz="2400" b="1" dirty="0">
                 <a:solidFill>
                   <a:schemeClr val="tx1">
@@ -8582,20 +7025,7 @@
                 <a:latin typeface="微软雅黑" pitchFamily="34" charset="-122"/>
                 <a:ea typeface="微软雅黑" pitchFamily="34" charset="-122"/>
               </a:rPr>
-              <a:t>渐变</a:t>
-            </a:r>
-            <a:r>
-              <a:rPr lang="zh-CN" altLang="en-US" sz="2400" b="1" dirty="0" smtClean="0">
-                <a:solidFill>
-                  <a:schemeClr val="tx1">
-                    <a:lumMod val="75000"/>
-                    <a:lumOff val="25000"/>
-                  </a:schemeClr>
-                </a:solidFill>
-                <a:latin typeface="微软雅黑" pitchFamily="34" charset="-122"/>
-                <a:ea typeface="微软雅黑" pitchFamily="34" charset="-122"/>
-              </a:rPr>
-              <a:t>的使用</a:t>
+              <a:t>级联</a:t>
             </a:r>
             <a:endParaRPr lang="en-US" altLang="zh-CN" sz="2400" b="1" dirty="0" smtClean="0">
               <a:solidFill>
@@ -8615,6 +7045,19 @@
               </a:lnSpc>
             </a:pPr>
             <a:r>
+              <a:rPr lang="zh-CN" altLang="en-US" sz="2400" dirty="0">
+                <a:solidFill>
+                  <a:schemeClr val="tx1">
+                    <a:lumMod val="75000"/>
+                    <a:lumOff val="25000"/>
+                  </a:schemeClr>
+                </a:solidFill>
+                <a:latin typeface="微软雅黑" pitchFamily="34" charset="-122"/>
+                <a:ea typeface="微软雅黑" pitchFamily="34" charset="-122"/>
+              </a:rPr>
+              <a:t>多</a:t>
+            </a:r>
+            <a:r>
               <a:rPr lang="zh-CN" altLang="en-US" sz="2400" dirty="0" smtClean="0">
                 <a:solidFill>
                   <a:schemeClr val="tx1">
@@ -8625,7 +7068,59 @@
                 <a:latin typeface="微软雅黑" pitchFamily="34" charset="-122"/>
                 <a:ea typeface="微软雅黑" pitchFamily="34" charset="-122"/>
               </a:rPr>
-              <a:t>我们可以通过</a:t>
+              <a:t>个滤镜可以串联起来，达到多个滤镜处理的效果</a:t>
+            </a:r>
+            <a:r>
+              <a:rPr lang="zh-CN" altLang="en-US" sz="2400" dirty="0">
+                <a:solidFill>
+                  <a:schemeClr val="tx1">
+                    <a:lumMod val="75000"/>
+                    <a:lumOff val="25000"/>
+                  </a:schemeClr>
+                </a:solidFill>
+                <a:latin typeface="微软雅黑" pitchFamily="34" charset="-122"/>
+                <a:ea typeface="微软雅黑" pitchFamily="34" charset="-122"/>
+              </a:rPr>
+              <a:t>叠加</a:t>
+            </a:r>
+            <a:r>
+              <a:rPr lang="zh-CN" altLang="en-US" sz="2400" dirty="0" smtClean="0">
+                <a:solidFill>
+                  <a:schemeClr val="tx1">
+                    <a:lumMod val="75000"/>
+                    <a:lumOff val="25000"/>
+                  </a:schemeClr>
+                </a:solidFill>
+                <a:latin typeface="微软雅黑" pitchFamily="34" charset="-122"/>
+                <a:ea typeface="微软雅黑" pitchFamily="34" charset="-122"/>
+              </a:rPr>
+              <a:t>。上一个滤镜的输出，作为下一个滤镜的输入，</a:t>
+            </a:r>
+            <a:r>
+              <a:rPr lang="zh-CN" altLang="en-US" sz="2400" dirty="0">
+                <a:solidFill>
+                  <a:schemeClr val="tx1">
+                    <a:lumMod val="75000"/>
+                    <a:lumOff val="25000"/>
+                  </a:schemeClr>
+                </a:solidFill>
+                <a:latin typeface="微软雅黑" pitchFamily="34" charset="-122"/>
+                <a:ea typeface="微软雅黑" pitchFamily="34" charset="-122"/>
+              </a:rPr>
+              <a:t>滤</a:t>
+            </a:r>
+            <a:r>
+              <a:rPr lang="zh-CN" altLang="en-US" sz="2400" dirty="0" smtClean="0">
+                <a:solidFill>
+                  <a:schemeClr val="tx1">
+                    <a:lumMod val="75000"/>
+                    <a:lumOff val="25000"/>
+                  </a:schemeClr>
+                </a:solidFill>
+                <a:latin typeface="微软雅黑" pitchFamily="34" charset="-122"/>
+                <a:ea typeface="微软雅黑" pitchFamily="34" charset="-122"/>
+              </a:rPr>
+              <a:t>镜</a:t>
             </a:r>
             <a:r>
               <a:rPr lang="en-US" altLang="zh-CN" sz="2400" dirty="0" smtClean="0">
@@ -8638,7 +7133,7 @@
                 <a:latin typeface="微软雅黑" pitchFamily="34" charset="-122"/>
                 <a:ea typeface="微软雅黑" pitchFamily="34" charset="-122"/>
               </a:rPr>
-              <a:t>fill</a:t>
+              <a:t>A</a:t>
             </a:r>
             <a:r>
               <a:rPr lang="zh-CN" altLang="en-US" sz="2400" dirty="0" smtClean="0">
@@ -8651,20 +7146,7 @@
                 <a:latin typeface="微软雅黑" pitchFamily="34" charset="-122"/>
                 <a:ea typeface="微软雅黑" pitchFamily="34" charset="-122"/>
               </a:rPr>
-              <a:t>：</a:t>
-            </a:r>
-            <a:r>
-              <a:rPr lang="en-US" altLang="zh-CN" sz="2400" dirty="0" err="1" smtClean="0">
-                <a:solidFill>
-                  <a:schemeClr val="tx1">
-                    <a:lumMod val="75000"/>
-                    <a:lumOff val="25000"/>
-                  </a:schemeClr>
-                </a:solidFill>
-                <a:latin typeface="微软雅黑" pitchFamily="34" charset="-122"/>
-                <a:ea typeface="微软雅黑" pitchFamily="34" charset="-122"/>
-              </a:rPr>
-              <a:t>url</a:t>
+              <a:t>的结果给滤镜</a:t>
             </a:r>
             <a:r>
               <a:rPr lang="en-US" altLang="zh-CN" sz="2400" dirty="0" smtClean="0">
@@ -8677,7 +7159,7 @@
                 <a:latin typeface="微软雅黑" pitchFamily="34" charset="-122"/>
                 <a:ea typeface="微软雅黑" pitchFamily="34" charset="-122"/>
               </a:rPr>
-              <a:t>(#</a:t>
+              <a:t>B</a:t>
             </a:r>
             <a:r>
               <a:rPr lang="zh-CN" altLang="en-US" sz="2400" dirty="0" smtClean="0">
@@ -8690,7 +7172,7 @@
                 <a:latin typeface="微软雅黑" pitchFamily="34" charset="-122"/>
                 <a:ea typeface="微软雅黑" pitchFamily="34" charset="-122"/>
               </a:rPr>
-              <a:t>渐变</a:t>
+              <a:t>，</a:t>
             </a:r>
             <a:r>
               <a:rPr lang="en-US" altLang="zh-CN" sz="2400" dirty="0" smtClean="0">
@@ -8703,7 +7185,20 @@
                 <a:latin typeface="微软雅黑" pitchFamily="34" charset="-122"/>
                 <a:ea typeface="微软雅黑" pitchFamily="34" charset="-122"/>
               </a:rPr>
-              <a:t>ID</a:t>
+              <a:t>B</a:t>
+            </a:r>
+            <a:r>
+              <a:rPr lang="zh-CN" altLang="en-US" sz="2400" dirty="0" smtClean="0">
+                <a:solidFill>
+                  <a:schemeClr val="tx1">
+                    <a:lumMod val="75000"/>
+                    <a:lumOff val="25000"/>
+                  </a:schemeClr>
+                </a:solidFill>
+                <a:latin typeface="微软雅黑" pitchFamily="34" charset="-122"/>
+                <a:ea typeface="微软雅黑" pitchFamily="34" charset="-122"/>
+              </a:rPr>
+              <a:t>处理后的结果给滤镜</a:t>
             </a:r>
             <a:r>
               <a:rPr lang="en-US" altLang="zh-CN" sz="2400" dirty="0" smtClean="0">
@@ -8716,7 +7211,7 @@
                 <a:latin typeface="微软雅黑" pitchFamily="34" charset="-122"/>
                 <a:ea typeface="微软雅黑" pitchFamily="34" charset="-122"/>
               </a:rPr>
-              <a:t>)</a:t>
+              <a:t>C</a:t>
             </a:r>
             <a:r>
               <a:rPr lang="zh-CN" altLang="en-US" sz="2400" dirty="0" smtClean="0">
@@ -8729,35 +7224,22 @@
                 <a:latin typeface="微软雅黑" pitchFamily="34" charset="-122"/>
                 <a:ea typeface="微软雅黑" pitchFamily="34" charset="-122"/>
               </a:rPr>
-              <a:t>的方式直接引用渐变，引用渐变的元素，可以是图案（</a:t>
-            </a:r>
-            <a:r>
-              <a:rPr lang="en-US" altLang="zh-CN" sz="2400" dirty="0" smtClean="0">
-                <a:solidFill>
-                  <a:schemeClr val="tx1">
-                    <a:lumMod val="75000"/>
-                    <a:lumOff val="25000"/>
-                  </a:schemeClr>
-                </a:solidFill>
-                <a:latin typeface="微软雅黑" pitchFamily="34" charset="-122"/>
-                <a:ea typeface="微软雅黑" pitchFamily="34" charset="-122"/>
-              </a:rPr>
-              <a:t>pattern</a:t>
-            </a:r>
-            <a:r>
-              <a:rPr lang="zh-CN" altLang="en-US" sz="2400" dirty="0" smtClean="0">
-                <a:solidFill>
-                  <a:schemeClr val="tx1">
-                    <a:lumMod val="75000"/>
-                    <a:lumOff val="25000"/>
-                  </a:schemeClr>
-                </a:solidFill>
-                <a:latin typeface="微软雅黑" pitchFamily="34" charset="-122"/>
-                <a:ea typeface="微软雅黑" pitchFamily="34" charset="-122"/>
-              </a:rPr>
-              <a:t>），路径，图形，文本等等。</a:t>
-            </a:r>
-            <a:endParaRPr lang="en-US" altLang="zh-CN" sz="2400" dirty="0" smtClean="0">
+              <a:t>，如下：</a:t>
+            </a:r>
+            <a:r>
+              <a:rPr lang="en-US" altLang="zh-CN" sz="2400" dirty="0">
+                <a:solidFill>
+                  <a:schemeClr val="tx1">
+                    <a:lumMod val="75000"/>
+                    <a:lumOff val="25000"/>
+                  </a:schemeClr>
+                </a:solidFill>
+                <a:latin typeface="微软雅黑" pitchFamily="34" charset="-122"/>
+                <a:ea typeface="微软雅黑" pitchFamily="34" charset="-122"/>
+              </a:rPr>
+              <a:t>	</a:t>
+            </a:r>
+            <a:endParaRPr lang="en-US" altLang="zh-CN" sz="2400" b="1" dirty="0" smtClean="0">
               <a:solidFill>
                 <a:schemeClr val="tx1">
                   <a:lumMod val="75000"/>
@@ -8770,132 +7252,728 @@
           </a:p>
         </p:txBody>
       </p:sp>
-      <p:pic>
-        <p:nvPicPr>
-          <p:cNvPr id="5" name="图片 4" descr="屏幕剪辑"/>
-          <p:cNvPicPr>
-            <a:picLocks noChangeAspect="1"/>
-          </p:cNvPicPr>
+      <p:sp>
+        <p:nvSpPr>
+          <p:cNvPr id="5" name="矩形 4"/>
+          <p:cNvSpPr/>
           <p:nvPr/>
-        </p:nvPicPr>
-        <p:blipFill>
-          <a:blip r:embed="rId2">
-            <a:extLst>
-              <a:ext uri="{28A0092B-C50C-407E-A947-70E740481C1C}">
-                <a14:useLocalDpi xmlns:a14="http://schemas.microsoft.com/office/drawing/2010/main" val="0"/>
-              </a:ext>
-            </a:extLst>
-          </a:blip>
-          <a:stretch>
-            <a:fillRect/>
-          </a:stretch>
-        </p:blipFill>
+        </p:nvSpPr>
         <p:spPr>
           <a:xfrm>
-            <a:off x="1547664" y="2424956"/>
-            <a:ext cx="5496692" cy="638264"/>
+            <a:off x="666015" y="3158966"/>
+            <a:ext cx="7776864" cy="2862322"/>
           </a:xfrm>
           <a:prstGeom prst="rect">
             <a:avLst/>
           </a:prstGeom>
-          <a:ln>
-            <a:noFill/>
-          </a:ln>
-          <a:effectLst>
-            <a:outerShdw blurRad="292100" dist="139700" dir="2700000" algn="tl" rotWithShape="0">
-              <a:srgbClr val="333333">
-                <a:alpha val="65000"/>
-              </a:srgbClr>
-            </a:outerShdw>
-          </a:effectLst>
         </p:spPr>
-      </p:pic>
-      <p:sp>
-        <p:nvSpPr>
-          <p:cNvPr id="6" name="矩形 5"/>
+        <p:txBody>
+          <a:bodyPr wrap="square">
+            <a:spAutoFit/>
+          </a:bodyPr>
+          <a:lstStyle/>
+          <a:p>
+            <a:pPr>
+              <a:lnSpc>
+                <a:spcPct val="150000"/>
+              </a:lnSpc>
+            </a:pPr>
+            <a:r>
+              <a:rPr lang="en-US" altLang="zh-CN" sz="2400" b="1" dirty="0" smtClean="0">
+                <a:solidFill>
+                  <a:schemeClr val="tx1">
+                    <a:lumMod val="75000"/>
+                    <a:lumOff val="25000"/>
+                  </a:schemeClr>
+                </a:solidFill>
+                <a:latin typeface="微软雅黑" pitchFamily="34" charset="-122"/>
+                <a:ea typeface="微软雅黑" pitchFamily="34" charset="-122"/>
+              </a:rPr>
+              <a:t>&lt;filter </a:t>
+            </a:r>
+            <a:r>
+              <a:rPr lang="en-US" altLang="zh-CN" sz="2400" dirty="0" smtClean="0">
+                <a:solidFill>
+                  <a:schemeClr val="tx1">
+                    <a:lumMod val="75000"/>
+                    <a:lumOff val="25000"/>
+                  </a:schemeClr>
+                </a:solidFill>
+                <a:latin typeface="微软雅黑" pitchFamily="34" charset="-122"/>
+                <a:ea typeface="微软雅黑" pitchFamily="34" charset="-122"/>
+              </a:rPr>
+              <a:t>id=“</a:t>
+            </a:r>
+            <a:r>
+              <a:rPr lang="en-US" altLang="zh-CN" sz="2400" b="1" dirty="0" smtClean="0">
+                <a:solidFill>
+                  <a:schemeClr val="tx1">
+                    <a:lumMod val="75000"/>
+                    <a:lumOff val="25000"/>
+                  </a:schemeClr>
+                </a:solidFill>
+                <a:latin typeface="微软雅黑" pitchFamily="34" charset="-122"/>
+                <a:ea typeface="微软雅黑" pitchFamily="34" charset="-122"/>
+              </a:rPr>
+              <a:t>f1</a:t>
+            </a:r>
+            <a:r>
+              <a:rPr lang="en-US" altLang="zh-CN" sz="2400" dirty="0" smtClean="0">
+                <a:solidFill>
+                  <a:schemeClr val="tx1">
+                    <a:lumMod val="75000"/>
+                    <a:lumOff val="25000"/>
+                  </a:schemeClr>
+                </a:solidFill>
+                <a:latin typeface="微软雅黑" pitchFamily="34" charset="-122"/>
+                <a:ea typeface="微软雅黑" pitchFamily="34" charset="-122"/>
+              </a:rPr>
+              <a:t>”&gt;</a:t>
+            </a:r>
+          </a:p>
+          <a:p>
+            <a:pPr>
+              <a:lnSpc>
+                <a:spcPct val="150000"/>
+              </a:lnSpc>
+            </a:pPr>
+            <a:r>
+              <a:rPr lang="en-US" altLang="zh-CN" sz="2400" dirty="0" smtClean="0">
+                <a:solidFill>
+                  <a:schemeClr val="tx1">
+                    <a:lumMod val="75000"/>
+                    <a:lumOff val="25000"/>
+                  </a:schemeClr>
+                </a:solidFill>
+                <a:latin typeface="微软雅黑" pitchFamily="34" charset="-122"/>
+                <a:ea typeface="微软雅黑" pitchFamily="34" charset="-122"/>
+              </a:rPr>
+              <a:t>	&lt;</a:t>
+            </a:r>
+            <a:r>
+              <a:rPr lang="en-US" altLang="zh-CN" sz="2400" dirty="0" err="1" smtClean="0">
+                <a:solidFill>
+                  <a:schemeClr val="tx1">
+                    <a:lumMod val="75000"/>
+                    <a:lumOff val="25000"/>
+                  </a:schemeClr>
+                </a:solidFill>
+                <a:latin typeface="微软雅黑" pitchFamily="34" charset="-122"/>
+                <a:ea typeface="微软雅黑" pitchFamily="34" charset="-122"/>
+              </a:rPr>
+              <a:t>feA</a:t>
+            </a:r>
+            <a:r>
+              <a:rPr lang="en-US" altLang="zh-CN" sz="2400" dirty="0">
+                <a:solidFill>
+                  <a:schemeClr val="tx1">
+                    <a:lumMod val="75000"/>
+                    <a:lumOff val="25000"/>
+                  </a:schemeClr>
+                </a:solidFill>
+                <a:latin typeface="微软雅黑" pitchFamily="34" charset="-122"/>
+                <a:ea typeface="微软雅黑" pitchFamily="34" charset="-122"/>
+              </a:rPr>
+              <a:t> </a:t>
+            </a:r>
+            <a:r>
+              <a:rPr lang="en-US" altLang="zh-CN" sz="2400" b="1" dirty="0">
+                <a:solidFill>
+                  <a:schemeClr val="tx1">
+                    <a:lumMod val="75000"/>
+                    <a:lumOff val="25000"/>
+                  </a:schemeClr>
+                </a:solidFill>
+                <a:latin typeface="微软雅黑" pitchFamily="34" charset="-122"/>
+                <a:ea typeface="微软雅黑" pitchFamily="34" charset="-122"/>
+              </a:rPr>
+              <a:t>in</a:t>
+            </a:r>
+            <a:r>
+              <a:rPr lang="en-US" altLang="zh-CN" sz="2400" dirty="0">
+                <a:solidFill>
+                  <a:schemeClr val="tx1">
+                    <a:lumMod val="75000"/>
+                    <a:lumOff val="25000"/>
+                  </a:schemeClr>
+                </a:solidFill>
+                <a:latin typeface="微软雅黑" pitchFamily="34" charset="-122"/>
+                <a:ea typeface="微软雅黑" pitchFamily="34" charset="-122"/>
+              </a:rPr>
+              <a:t>=“</a:t>
+            </a:r>
+            <a:r>
+              <a:rPr lang="en-US" altLang="zh-CN" sz="2400" b="1" dirty="0" err="1">
+                <a:solidFill>
+                  <a:srgbClr val="FFC000"/>
+                </a:solidFill>
+                <a:latin typeface="微软雅黑" pitchFamily="34" charset="-122"/>
+                <a:ea typeface="微软雅黑" pitchFamily="34" charset="-122"/>
+              </a:rPr>
+              <a:t>SourceGraphic</a:t>
+            </a:r>
+            <a:r>
+              <a:rPr lang="en-US" altLang="zh-CN" sz="2400" dirty="0">
+                <a:solidFill>
+                  <a:schemeClr val="tx1">
+                    <a:lumMod val="75000"/>
+                    <a:lumOff val="25000"/>
+                  </a:schemeClr>
+                </a:solidFill>
+                <a:latin typeface="微软雅黑" pitchFamily="34" charset="-122"/>
+                <a:ea typeface="微软雅黑" pitchFamily="34" charset="-122"/>
+              </a:rPr>
+              <a:t>” </a:t>
+            </a:r>
+            <a:r>
+              <a:rPr lang="en-US" altLang="zh-CN" sz="2400" b="1" dirty="0" smtClean="0">
+                <a:solidFill>
+                  <a:schemeClr val="tx1">
+                    <a:lumMod val="75000"/>
+                    <a:lumOff val="25000"/>
+                  </a:schemeClr>
+                </a:solidFill>
+                <a:latin typeface="微软雅黑" pitchFamily="34" charset="-122"/>
+                <a:ea typeface="微软雅黑" pitchFamily="34" charset="-122"/>
+              </a:rPr>
+              <a:t>result</a:t>
+            </a:r>
+            <a:r>
+              <a:rPr lang="en-US" altLang="zh-CN" sz="2400" dirty="0" smtClean="0">
+                <a:solidFill>
+                  <a:schemeClr val="tx1">
+                    <a:lumMod val="75000"/>
+                    <a:lumOff val="25000"/>
+                  </a:schemeClr>
+                </a:solidFill>
+                <a:latin typeface="微软雅黑" pitchFamily="34" charset="-122"/>
+                <a:ea typeface="微软雅黑" pitchFamily="34" charset="-122"/>
+              </a:rPr>
+              <a:t>=“</a:t>
+            </a:r>
+            <a:r>
+              <a:rPr lang="en-US" altLang="zh-CN" sz="2400" b="1" dirty="0" smtClean="0">
+                <a:solidFill>
+                  <a:srgbClr val="C00000"/>
+                </a:solidFill>
+                <a:latin typeface="微软雅黑" pitchFamily="34" charset="-122"/>
+                <a:ea typeface="微软雅黑" pitchFamily="34" charset="-122"/>
+              </a:rPr>
+              <a:t>A</a:t>
+            </a:r>
+            <a:r>
+              <a:rPr lang="en-US" altLang="zh-CN" sz="2400" dirty="0" smtClean="0">
+                <a:solidFill>
+                  <a:schemeClr val="tx1">
+                    <a:lumMod val="75000"/>
+                    <a:lumOff val="25000"/>
+                  </a:schemeClr>
+                </a:solidFill>
+                <a:latin typeface="微软雅黑" pitchFamily="34" charset="-122"/>
+                <a:ea typeface="微软雅黑" pitchFamily="34" charset="-122"/>
+              </a:rPr>
+              <a:t>”/&gt;</a:t>
+            </a:r>
+          </a:p>
+          <a:p>
+            <a:pPr>
+              <a:lnSpc>
+                <a:spcPct val="150000"/>
+              </a:lnSpc>
+            </a:pPr>
+            <a:r>
+              <a:rPr lang="en-US" altLang="zh-CN" sz="2400" dirty="0" smtClean="0">
+                <a:solidFill>
+                  <a:schemeClr val="tx1">
+                    <a:lumMod val="75000"/>
+                    <a:lumOff val="25000"/>
+                  </a:schemeClr>
+                </a:solidFill>
+                <a:latin typeface="微软雅黑" pitchFamily="34" charset="-122"/>
+                <a:ea typeface="微软雅黑" pitchFamily="34" charset="-122"/>
+              </a:rPr>
+              <a:t>	&lt;</a:t>
+            </a:r>
+            <a:r>
+              <a:rPr lang="en-US" altLang="zh-CN" sz="2400" dirty="0" err="1" smtClean="0">
+                <a:solidFill>
+                  <a:schemeClr val="tx1">
+                    <a:lumMod val="75000"/>
+                    <a:lumOff val="25000"/>
+                  </a:schemeClr>
+                </a:solidFill>
+                <a:latin typeface="微软雅黑" pitchFamily="34" charset="-122"/>
+                <a:ea typeface="微软雅黑" pitchFamily="34" charset="-122"/>
+              </a:rPr>
+              <a:t>feB</a:t>
+            </a:r>
+            <a:r>
+              <a:rPr lang="en-US" altLang="zh-CN" sz="2400" dirty="0" smtClean="0">
+                <a:solidFill>
+                  <a:schemeClr val="tx1">
+                    <a:lumMod val="75000"/>
+                    <a:lumOff val="25000"/>
+                  </a:schemeClr>
+                </a:solidFill>
+                <a:latin typeface="微软雅黑" pitchFamily="34" charset="-122"/>
+                <a:ea typeface="微软雅黑" pitchFamily="34" charset="-122"/>
+              </a:rPr>
+              <a:t> </a:t>
+            </a:r>
+            <a:r>
+              <a:rPr lang="en-US" altLang="zh-CN" sz="2400" b="1" dirty="0" smtClean="0">
+                <a:solidFill>
+                  <a:schemeClr val="tx1">
+                    <a:lumMod val="75000"/>
+                    <a:lumOff val="25000"/>
+                  </a:schemeClr>
+                </a:solidFill>
+                <a:latin typeface="微软雅黑" pitchFamily="34" charset="-122"/>
+                <a:ea typeface="微软雅黑" pitchFamily="34" charset="-122"/>
+              </a:rPr>
+              <a:t>in</a:t>
+            </a:r>
+            <a:r>
+              <a:rPr lang="en-US" altLang="zh-CN" sz="2400" dirty="0" smtClean="0">
+                <a:solidFill>
+                  <a:schemeClr val="tx1">
+                    <a:lumMod val="75000"/>
+                    <a:lumOff val="25000"/>
+                  </a:schemeClr>
+                </a:solidFill>
+                <a:latin typeface="微软雅黑" pitchFamily="34" charset="-122"/>
+                <a:ea typeface="微软雅黑" pitchFamily="34" charset="-122"/>
+              </a:rPr>
+              <a:t>=“</a:t>
+            </a:r>
+            <a:r>
+              <a:rPr lang="en-US" altLang="zh-CN" sz="2400" b="1" dirty="0" smtClean="0">
+                <a:solidFill>
+                  <a:srgbClr val="C00000"/>
+                </a:solidFill>
+                <a:latin typeface="微软雅黑" pitchFamily="34" charset="-122"/>
+                <a:ea typeface="微软雅黑" pitchFamily="34" charset="-122"/>
+              </a:rPr>
+              <a:t>A</a:t>
+            </a:r>
+            <a:r>
+              <a:rPr lang="en-US" altLang="zh-CN" sz="2400" dirty="0" smtClean="0">
+                <a:solidFill>
+                  <a:schemeClr val="tx1">
+                    <a:lumMod val="75000"/>
+                    <a:lumOff val="25000"/>
+                  </a:schemeClr>
+                </a:solidFill>
+                <a:latin typeface="微软雅黑" pitchFamily="34" charset="-122"/>
+                <a:ea typeface="微软雅黑" pitchFamily="34" charset="-122"/>
+              </a:rPr>
+              <a:t>” </a:t>
+            </a:r>
+            <a:r>
+              <a:rPr lang="en-US" altLang="zh-CN" sz="2400" b="1" dirty="0" smtClean="0">
+                <a:solidFill>
+                  <a:schemeClr val="tx1">
+                    <a:lumMod val="75000"/>
+                    <a:lumOff val="25000"/>
+                  </a:schemeClr>
+                </a:solidFill>
+                <a:latin typeface="微软雅黑" pitchFamily="34" charset="-122"/>
+                <a:ea typeface="微软雅黑" pitchFamily="34" charset="-122"/>
+              </a:rPr>
+              <a:t>result</a:t>
+            </a:r>
+            <a:r>
+              <a:rPr lang="en-US" altLang="zh-CN" sz="2400" dirty="0" smtClean="0">
+                <a:solidFill>
+                  <a:schemeClr val="tx1">
+                    <a:lumMod val="75000"/>
+                    <a:lumOff val="25000"/>
+                  </a:schemeClr>
+                </a:solidFill>
+                <a:latin typeface="微软雅黑" pitchFamily="34" charset="-122"/>
+                <a:ea typeface="微软雅黑" pitchFamily="34" charset="-122"/>
+              </a:rPr>
+              <a:t>=“</a:t>
+            </a:r>
+            <a:r>
+              <a:rPr lang="en-US" altLang="zh-CN" sz="2400" b="1" dirty="0" smtClean="0">
+                <a:solidFill>
+                  <a:srgbClr val="00B050"/>
+                </a:solidFill>
+                <a:latin typeface="微软雅黑" pitchFamily="34" charset="-122"/>
+                <a:ea typeface="微软雅黑" pitchFamily="34" charset="-122"/>
+              </a:rPr>
+              <a:t>B</a:t>
+            </a:r>
+            <a:r>
+              <a:rPr lang="en-US" altLang="zh-CN" sz="2400" dirty="0" smtClean="0">
+                <a:solidFill>
+                  <a:schemeClr val="tx1">
+                    <a:lumMod val="75000"/>
+                    <a:lumOff val="25000"/>
+                  </a:schemeClr>
+                </a:solidFill>
+                <a:latin typeface="微软雅黑" pitchFamily="34" charset="-122"/>
+                <a:ea typeface="微软雅黑" pitchFamily="34" charset="-122"/>
+              </a:rPr>
+              <a:t>”/&gt;</a:t>
+            </a:r>
+          </a:p>
+          <a:p>
+            <a:pPr>
+              <a:lnSpc>
+                <a:spcPct val="150000"/>
+              </a:lnSpc>
+            </a:pPr>
+            <a:r>
+              <a:rPr lang="en-US" altLang="zh-CN" sz="2400" dirty="0">
+                <a:solidFill>
+                  <a:schemeClr val="tx1">
+                    <a:lumMod val="75000"/>
+                    <a:lumOff val="25000"/>
+                  </a:schemeClr>
+                </a:solidFill>
+                <a:latin typeface="微软雅黑" pitchFamily="34" charset="-122"/>
+                <a:ea typeface="微软雅黑" pitchFamily="34" charset="-122"/>
+              </a:rPr>
+              <a:t>	</a:t>
+            </a:r>
+            <a:r>
+              <a:rPr lang="en-US" altLang="zh-CN" sz="2400" dirty="0" smtClean="0">
+                <a:solidFill>
+                  <a:schemeClr val="tx1">
+                    <a:lumMod val="75000"/>
+                    <a:lumOff val="25000"/>
+                  </a:schemeClr>
+                </a:solidFill>
+                <a:latin typeface="微软雅黑" pitchFamily="34" charset="-122"/>
+                <a:ea typeface="微软雅黑" pitchFamily="34" charset="-122"/>
+              </a:rPr>
+              <a:t>&lt;</a:t>
+            </a:r>
+            <a:r>
+              <a:rPr lang="en-US" altLang="zh-CN" sz="2400" dirty="0" err="1" smtClean="0">
+                <a:solidFill>
+                  <a:schemeClr val="tx1">
+                    <a:lumMod val="75000"/>
+                    <a:lumOff val="25000"/>
+                  </a:schemeClr>
+                </a:solidFill>
+                <a:latin typeface="微软雅黑" pitchFamily="34" charset="-122"/>
+                <a:ea typeface="微软雅黑" pitchFamily="34" charset="-122"/>
+              </a:rPr>
+              <a:t>feC</a:t>
+            </a:r>
+            <a:r>
+              <a:rPr lang="en-US" altLang="zh-CN" sz="2400" dirty="0" smtClean="0">
+                <a:solidFill>
+                  <a:schemeClr val="tx1">
+                    <a:lumMod val="75000"/>
+                    <a:lumOff val="25000"/>
+                  </a:schemeClr>
+                </a:solidFill>
+                <a:latin typeface="微软雅黑" pitchFamily="34" charset="-122"/>
+                <a:ea typeface="微软雅黑" pitchFamily="34" charset="-122"/>
+              </a:rPr>
+              <a:t> </a:t>
+            </a:r>
+            <a:r>
+              <a:rPr lang="en-US" altLang="zh-CN" sz="2400" b="1" dirty="0">
+                <a:solidFill>
+                  <a:schemeClr val="tx1">
+                    <a:lumMod val="75000"/>
+                    <a:lumOff val="25000"/>
+                  </a:schemeClr>
+                </a:solidFill>
+                <a:latin typeface="微软雅黑" pitchFamily="34" charset="-122"/>
+                <a:ea typeface="微软雅黑" pitchFamily="34" charset="-122"/>
+              </a:rPr>
+              <a:t>in</a:t>
+            </a:r>
+            <a:r>
+              <a:rPr lang="en-US" altLang="zh-CN" sz="2400" dirty="0" smtClean="0">
+                <a:solidFill>
+                  <a:schemeClr val="tx1">
+                    <a:lumMod val="75000"/>
+                    <a:lumOff val="25000"/>
+                  </a:schemeClr>
+                </a:solidFill>
+                <a:latin typeface="微软雅黑" pitchFamily="34" charset="-122"/>
+                <a:ea typeface="微软雅黑" pitchFamily="34" charset="-122"/>
+              </a:rPr>
+              <a:t>=“</a:t>
+            </a:r>
+            <a:r>
+              <a:rPr lang="en-US" altLang="zh-CN" sz="2400" b="1" dirty="0" smtClean="0">
+                <a:solidFill>
+                  <a:srgbClr val="00B050"/>
+                </a:solidFill>
+                <a:latin typeface="微软雅黑" pitchFamily="34" charset="-122"/>
+                <a:ea typeface="微软雅黑" pitchFamily="34" charset="-122"/>
+              </a:rPr>
+              <a:t>B</a:t>
+            </a:r>
+            <a:r>
+              <a:rPr lang="en-US" altLang="zh-CN" sz="2400" dirty="0" smtClean="0">
+                <a:solidFill>
+                  <a:schemeClr val="tx1">
+                    <a:lumMod val="75000"/>
+                    <a:lumOff val="25000"/>
+                  </a:schemeClr>
+                </a:solidFill>
+                <a:latin typeface="微软雅黑" pitchFamily="34" charset="-122"/>
+                <a:ea typeface="微软雅黑" pitchFamily="34" charset="-122"/>
+              </a:rPr>
+              <a:t>” </a:t>
+            </a:r>
+            <a:r>
+              <a:rPr lang="en-US" altLang="zh-CN" sz="2400" b="1" dirty="0" smtClean="0">
+                <a:solidFill>
+                  <a:schemeClr val="tx1">
+                    <a:lumMod val="75000"/>
+                    <a:lumOff val="25000"/>
+                  </a:schemeClr>
+                </a:solidFill>
+                <a:latin typeface="微软雅黑" pitchFamily="34" charset="-122"/>
+                <a:ea typeface="微软雅黑" pitchFamily="34" charset="-122"/>
+              </a:rPr>
+              <a:t>result</a:t>
+            </a:r>
+            <a:r>
+              <a:rPr lang="en-US" altLang="zh-CN" sz="2400" dirty="0" smtClean="0">
+                <a:solidFill>
+                  <a:schemeClr val="tx1">
+                    <a:lumMod val="75000"/>
+                    <a:lumOff val="25000"/>
+                  </a:schemeClr>
+                </a:solidFill>
+                <a:latin typeface="微软雅黑" pitchFamily="34" charset="-122"/>
+                <a:ea typeface="微软雅黑" pitchFamily="34" charset="-122"/>
+              </a:rPr>
+              <a:t>=“</a:t>
+            </a:r>
+            <a:r>
+              <a:rPr lang="en-US" altLang="zh-CN" sz="2400" b="1" dirty="0" smtClean="0">
+                <a:solidFill>
+                  <a:srgbClr val="0070C0"/>
+                </a:solidFill>
+                <a:latin typeface="微软雅黑" pitchFamily="34" charset="-122"/>
+                <a:ea typeface="微软雅黑" pitchFamily="34" charset="-122"/>
+              </a:rPr>
+              <a:t>C</a:t>
+            </a:r>
+            <a:r>
+              <a:rPr lang="en-US" altLang="zh-CN" sz="2400" dirty="0" smtClean="0">
+                <a:solidFill>
+                  <a:schemeClr val="tx1">
+                    <a:lumMod val="75000"/>
+                    <a:lumOff val="25000"/>
+                  </a:schemeClr>
+                </a:solidFill>
+                <a:latin typeface="微软雅黑" pitchFamily="34" charset="-122"/>
+                <a:ea typeface="微软雅黑" pitchFamily="34" charset="-122"/>
+              </a:rPr>
+              <a:t>”/&gt;</a:t>
+            </a:r>
+          </a:p>
+          <a:p>
+            <a:pPr>
+              <a:lnSpc>
+                <a:spcPct val="150000"/>
+              </a:lnSpc>
+            </a:pPr>
+            <a:r>
+              <a:rPr lang="en-US" altLang="zh-CN" sz="2400" b="1" dirty="0" smtClean="0">
+                <a:solidFill>
+                  <a:schemeClr val="tx1">
+                    <a:lumMod val="75000"/>
+                    <a:lumOff val="25000"/>
+                  </a:schemeClr>
+                </a:solidFill>
+                <a:latin typeface="微软雅黑" pitchFamily="34" charset="-122"/>
+                <a:ea typeface="微软雅黑" pitchFamily="34" charset="-122"/>
+              </a:rPr>
+              <a:t>&lt;/filter&gt;</a:t>
+            </a:r>
+            <a:r>
+              <a:rPr lang="en-US" altLang="zh-CN" sz="2400" dirty="0">
+                <a:solidFill>
+                  <a:schemeClr val="tx1">
+                    <a:lumMod val="75000"/>
+                    <a:lumOff val="25000"/>
+                  </a:schemeClr>
+                </a:solidFill>
+                <a:latin typeface="微软雅黑" pitchFamily="34" charset="-122"/>
+                <a:ea typeface="微软雅黑" pitchFamily="34" charset="-122"/>
+              </a:rPr>
+              <a:t>	</a:t>
+            </a:r>
+            <a:endParaRPr lang="en-US" altLang="zh-CN" sz="2400" b="1" dirty="0" smtClean="0">
+              <a:solidFill>
+                <a:schemeClr val="tx1">
+                  <a:lumMod val="75000"/>
+                  <a:lumOff val="25000"/>
+                </a:schemeClr>
+              </a:solidFill>
+              <a:latin typeface="微软雅黑" pitchFamily="34" charset="-122"/>
+              <a:ea typeface="微软雅黑" pitchFamily="34" charset="-122"/>
+            </a:endParaRPr>
+          </a:p>
+        </p:txBody>
+      </p:sp>
+      <p:sp>
+        <p:nvSpPr>
+          <p:cNvPr id="4" name="圆角矩形标注 3"/>
           <p:cNvSpPr/>
           <p:nvPr/>
         </p:nvSpPr>
         <p:spPr>
           <a:xfrm>
-            <a:off x="2411760" y="2735569"/>
-            <a:ext cx="2160240" cy="288032"/>
+            <a:off x="3707904" y="2636912"/>
+            <a:ext cx="2664296" cy="864096"/>
           </a:xfrm>
-          <a:prstGeom prst="rect">
-            <a:avLst/>
+          <a:prstGeom prst="wedgeRoundRectCallout">
+            <a:avLst>
+              <a:gd name="adj1" fmla="val -25097"/>
+              <a:gd name="adj2" fmla="val 79381"/>
+              <a:gd name="adj3" fmla="val 16667"/>
+            </a:avLst>
           </a:prstGeom>
-          <a:noFill/>
-          <a:ln>
-            <a:solidFill>
-              <a:srgbClr val="FFFF00"/>
-            </a:solidFill>
-          </a:ln>
         </p:spPr>
         <p:style>
           <a:lnRef idx="2">
-            <a:schemeClr val="accent1">
-              <a:shade val="50000"/>
-            </a:schemeClr>
+            <a:schemeClr val="accent5"/>
           </a:lnRef>
           <a:fillRef idx="1">
-            <a:schemeClr val="accent1"/>
+            <a:schemeClr val="lt1"/>
           </a:fillRef>
           <a:effectRef idx="0">
-            <a:schemeClr val="accent1"/>
+            <a:schemeClr val="accent5"/>
           </a:effectRef>
           <a:fontRef idx="minor">
-            <a:schemeClr val="lt1"/>
+            <a:schemeClr val="dk1"/>
           </a:fontRef>
         </p:style>
         <p:txBody>
           <a:bodyPr rtlCol="0" anchor="ctr"/>
           <a:lstStyle/>
           <a:p>
-            <a:pPr algn="ctr"/>
-            <a:endParaRPr lang="zh-CN" altLang="en-US"/>
-          </a:p>
-        </p:txBody>
-      </p:sp>
-      <p:pic>
-        <p:nvPicPr>
-          <p:cNvPr id="7" name="图片 6" descr="屏幕剪辑"/>
-          <p:cNvPicPr>
-            <a:picLocks noChangeAspect="1"/>
-          </p:cNvPicPr>
+            <a:pPr>
+              <a:lnSpc>
+                <a:spcPct val="150000"/>
+              </a:lnSpc>
+            </a:pPr>
+            <a:r>
+              <a:rPr lang="en-US" altLang="zh-CN" sz="2000" dirty="0" err="1" smtClean="0">
+                <a:solidFill>
+                  <a:schemeClr val="tx1">
+                    <a:lumMod val="75000"/>
+                    <a:lumOff val="25000"/>
+                  </a:schemeClr>
+                </a:solidFill>
+                <a:latin typeface="微软雅黑" pitchFamily="34" charset="-122"/>
+                <a:ea typeface="微软雅黑" pitchFamily="34" charset="-122"/>
+              </a:rPr>
+              <a:t>SourceGraphic</a:t>
+            </a:r>
+            <a:r>
+              <a:rPr lang="zh-CN" altLang="en-US" sz="2000" dirty="0" smtClean="0">
+                <a:solidFill>
+                  <a:schemeClr val="tx1">
+                    <a:lumMod val="75000"/>
+                    <a:lumOff val="25000"/>
+                  </a:schemeClr>
+                </a:solidFill>
+                <a:latin typeface="微软雅黑" pitchFamily="34" charset="-122"/>
+                <a:ea typeface="微软雅黑" pitchFamily="34" charset="-122"/>
+              </a:rPr>
+              <a:t>表示原来的图像！</a:t>
+            </a:r>
+            <a:endParaRPr lang="en-US" altLang="zh-CN" sz="2000" dirty="0">
+              <a:solidFill>
+                <a:schemeClr val="tx1">
+                  <a:lumMod val="75000"/>
+                  <a:lumOff val="25000"/>
+                </a:schemeClr>
+              </a:solidFill>
+              <a:latin typeface="微软雅黑" pitchFamily="34" charset="-122"/>
+              <a:ea typeface="微软雅黑" pitchFamily="34" charset="-122"/>
+            </a:endParaRPr>
+          </a:p>
+        </p:txBody>
+      </p:sp>
+      <p:sp>
+        <p:nvSpPr>
+          <p:cNvPr id="6" name="圆角矩形标注 5"/>
+          <p:cNvSpPr/>
           <p:nvPr/>
-        </p:nvPicPr>
-        <p:blipFill>
-          <a:blip r:embed="rId3">
-            <a:extLst>
-              <a:ext uri="{28A0092B-C50C-407E-A947-70E740481C1C}">
-                <a14:useLocalDpi xmlns:a14="http://schemas.microsoft.com/office/drawing/2010/main" val="0"/>
-              </a:ext>
-            </a:extLst>
-          </a:blip>
-          <a:stretch>
-            <a:fillRect/>
-          </a:stretch>
-        </p:blipFill>
+        </p:nvSpPr>
         <p:spPr>
           <a:xfrm>
-            <a:off x="2243086" y="3334214"/>
-            <a:ext cx="4105848" cy="2562583"/>
+            <a:off x="3222299" y="5589240"/>
+            <a:ext cx="2069781" cy="864096"/>
           </a:xfrm>
-          <a:prstGeom prst="rect">
-            <a:avLst/>
+          <a:prstGeom prst="wedgeRoundRectCallout">
+            <a:avLst>
+              <a:gd name="adj1" fmla="val -24260"/>
+              <a:gd name="adj2" fmla="val -71608"/>
+              <a:gd name="adj3" fmla="val 16667"/>
+            </a:avLst>
           </a:prstGeom>
-          <a:ln>
-            <a:noFill/>
-          </a:ln>
-          <a:effectLst>
-            <a:softEdge rad="112500"/>
-          </a:effectLst>
         </p:spPr>
-      </p:pic>
+        <p:style>
+          <a:lnRef idx="2">
+            <a:schemeClr val="accent5"/>
+          </a:lnRef>
+          <a:fillRef idx="1">
+            <a:schemeClr val="lt1"/>
+          </a:fillRef>
+          <a:effectRef idx="0">
+            <a:schemeClr val="accent5"/>
+          </a:effectRef>
+          <a:fontRef idx="minor">
+            <a:schemeClr val="dk1"/>
+          </a:fontRef>
+        </p:style>
+        <p:txBody>
+          <a:bodyPr rtlCol="0" anchor="ctr"/>
+          <a:lstStyle/>
+          <a:p>
+            <a:pPr>
+              <a:lnSpc>
+                <a:spcPct val="150000"/>
+              </a:lnSpc>
+            </a:pPr>
+            <a:r>
+              <a:rPr lang="zh-CN" altLang="en-US" sz="2000" dirty="0" smtClean="0">
+                <a:solidFill>
+                  <a:schemeClr val="tx1">
+                    <a:lumMod val="75000"/>
+                    <a:lumOff val="25000"/>
+                  </a:schemeClr>
+                </a:solidFill>
+                <a:latin typeface="微软雅黑" pitchFamily="34" charset="-122"/>
+                <a:ea typeface="微软雅黑" pitchFamily="34" charset="-122"/>
+              </a:rPr>
+              <a:t>后面可以继续叠加其他滤镜</a:t>
+            </a:r>
+            <a:endParaRPr lang="en-US" altLang="zh-CN" sz="2000" dirty="0">
+              <a:solidFill>
+                <a:schemeClr val="tx1">
+                  <a:lumMod val="75000"/>
+                  <a:lumOff val="25000"/>
+                </a:schemeClr>
+              </a:solidFill>
+              <a:latin typeface="微软雅黑" pitchFamily="34" charset="-122"/>
+              <a:ea typeface="微软雅黑" pitchFamily="34" charset="-122"/>
+            </a:endParaRPr>
+          </a:p>
+        </p:txBody>
+      </p:sp>
     </p:spTree>
     <p:extLst>
       <p:ext uri="{BB962C8B-B14F-4D97-AF65-F5344CB8AC3E}">
-        <p14:creationId xmlns:p14="http://schemas.microsoft.com/office/powerpoint/2010/main" val="1484015640"/>
+        <p14:creationId xmlns:p14="http://schemas.microsoft.com/office/powerpoint/2010/main" val="603491786"/>
       </p:ext>
     </p:extLst>
   </p:cSld>
@@ -8930,8 +8008,8 @@
         </p:nvSpPr>
         <p:spPr>
           <a:xfrm>
-            <a:off x="827584" y="12680"/>
-            <a:ext cx="7776864" cy="3416320"/>
+            <a:off x="683568" y="116632"/>
+            <a:ext cx="7776864" cy="6740307"/>
           </a:xfrm>
           <a:prstGeom prst="rect">
             <a:avLst/>
@@ -8972,7 +8050,62 @@
                 <a:latin typeface="微软雅黑" pitchFamily="34" charset="-122"/>
                 <a:ea typeface="微软雅黑" pitchFamily="34" charset="-122"/>
               </a:rPr>
-              <a:t>线性渐变的方向</a:t>
+              <a:t>滤镜的单位</a:t>
+            </a:r>
+            <a:endParaRPr lang="en-US" altLang="zh-CN" sz="2400" b="1" dirty="0">
+              <a:solidFill>
+                <a:schemeClr val="tx1">
+                  <a:lumMod val="75000"/>
+                  <a:lumOff val="25000"/>
+                </a:schemeClr>
+              </a:solidFill>
+              <a:latin typeface="微软雅黑" pitchFamily="34" charset="-122"/>
+              <a:ea typeface="微软雅黑" pitchFamily="34" charset="-122"/>
+            </a:endParaRPr>
+          </a:p>
+          <a:p>
+            <a:pPr>
+              <a:lnSpc>
+                <a:spcPct val="150000"/>
+              </a:lnSpc>
+            </a:pPr>
+            <a:r>
+              <a:rPr lang="en-US" altLang="zh-CN" sz="2400" b="1" dirty="0" err="1" smtClean="0">
+                <a:solidFill>
+                  <a:schemeClr val="tx1">
+                    <a:lumMod val="75000"/>
+                    <a:lumOff val="25000"/>
+                  </a:schemeClr>
+                </a:solidFill>
+                <a:latin typeface="微软雅黑" pitchFamily="34" charset="-122"/>
+                <a:ea typeface="微软雅黑" pitchFamily="34" charset="-122"/>
+              </a:rPr>
+              <a:t>filterUnits</a:t>
+            </a:r>
+            <a:r>
+              <a:rPr lang="zh-CN" altLang="en-US" sz="2400" dirty="0" smtClean="0">
+                <a:solidFill>
+                  <a:schemeClr val="tx1">
+                    <a:lumMod val="75000"/>
+                    <a:lumOff val="25000"/>
+                  </a:schemeClr>
+                </a:solidFill>
+                <a:latin typeface="微软雅黑" pitchFamily="34" charset="-122"/>
+                <a:ea typeface="微软雅黑" pitchFamily="34" charset="-122"/>
+              </a:rPr>
+              <a:t>：</a:t>
+            </a:r>
+            <a:r>
+              <a:rPr lang="en-US" altLang="zh-CN" sz="2400" dirty="0" err="1"/>
+              <a:t>userSpaceOnUse</a:t>
+            </a:r>
+            <a:r>
+              <a:rPr lang="en-US" altLang="zh-CN" sz="2400" dirty="0"/>
+              <a:t> | </a:t>
+            </a:r>
+            <a:r>
+              <a:rPr lang="en-US" altLang="zh-CN" sz="2400" b="1" dirty="0" err="1"/>
+              <a:t>objectBoundingBox</a:t>
             </a:r>
             <a:endParaRPr lang="en-US" altLang="zh-CN" sz="2400" b="1" dirty="0" smtClean="0">
               <a:solidFill>
@@ -9002,20 +8135,20 @@
                 <a:latin typeface="微软雅黑" pitchFamily="34" charset="-122"/>
                 <a:ea typeface="微软雅黑" pitchFamily="34" charset="-122"/>
               </a:rPr>
-              <a:t>线性渐变的</a:t>
-            </a:r>
-            <a:r>
-              <a:rPr lang="zh-CN" altLang="en-US" sz="2400" b="1" dirty="0" smtClean="0">
-                <a:solidFill>
-                  <a:schemeClr val="tx1">
-                    <a:lumMod val="75000"/>
-                    <a:lumOff val="25000"/>
-                  </a:schemeClr>
-                </a:solidFill>
-                <a:latin typeface="微软雅黑" pitchFamily="34" charset="-122"/>
-                <a:ea typeface="微软雅黑" pitchFamily="34" charset="-122"/>
-              </a:rPr>
-              <a:t>默认</a:t>
+              <a:t>该单位定义的坐标系决定了</a:t>
+            </a:r>
+            <a:r>
+              <a:rPr lang="en-US" altLang="zh-CN" sz="2400" dirty="0" smtClean="0">
+                <a:solidFill>
+                  <a:schemeClr val="tx1">
+                    <a:lumMod val="75000"/>
+                    <a:lumOff val="25000"/>
+                  </a:schemeClr>
+                </a:solidFill>
+                <a:latin typeface="微软雅黑" pitchFamily="34" charset="-122"/>
+                <a:ea typeface="微软雅黑" pitchFamily="34" charset="-122"/>
+              </a:rPr>
+              <a:t>&lt;filter&gt;</a:t>
             </a:r>
             <a:r>
               <a:rPr lang="zh-CN" altLang="en-US" sz="2400" dirty="0" smtClean="0">
@@ -9028,20 +8161,20 @@
                 <a:latin typeface="微软雅黑" pitchFamily="34" charset="-122"/>
                 <a:ea typeface="微软雅黑" pitchFamily="34" charset="-122"/>
               </a:rPr>
-              <a:t>方向为沿</a:t>
-            </a:r>
-            <a:r>
-              <a:rPr lang="zh-CN" altLang="en-US" sz="2400" b="1" dirty="0" smtClean="0">
-                <a:solidFill>
-                  <a:schemeClr val="tx1">
-                    <a:lumMod val="75000"/>
-                    <a:lumOff val="25000"/>
-                  </a:schemeClr>
-                </a:solidFill>
-                <a:latin typeface="微软雅黑" pitchFamily="34" charset="-122"/>
-                <a:ea typeface="微软雅黑" pitchFamily="34" charset="-122"/>
-              </a:rPr>
-              <a:t>水平方向</a:t>
+              <a:t>标签的</a:t>
+            </a:r>
+            <a:r>
+              <a:rPr lang="en-US" altLang="zh-CN" sz="2400" dirty="0" err="1" smtClean="0">
+                <a:solidFill>
+                  <a:schemeClr val="tx1">
+                    <a:lumMod val="75000"/>
+                    <a:lumOff val="25000"/>
+                  </a:schemeClr>
+                </a:solidFill>
+                <a:latin typeface="微软雅黑" pitchFamily="34" charset="-122"/>
+                <a:ea typeface="微软雅黑" pitchFamily="34" charset="-122"/>
+              </a:rPr>
+              <a:t>x,y,width,height</a:t>
             </a:r>
             <a:r>
               <a:rPr lang="zh-CN" altLang="en-US" sz="2400" dirty="0" smtClean="0">
@@ -9054,21 +8187,41 @@
                 <a:latin typeface="微软雅黑" pitchFamily="34" charset="-122"/>
                 <a:ea typeface="微软雅黑" pitchFamily="34" charset="-122"/>
               </a:rPr>
-              <a:t>，从左向右。如果想让渐变沿着其他方向显示，就需要定义渐变的</a:t>
-            </a:r>
-            <a:r>
-              <a:rPr lang="zh-CN" altLang="en-US" sz="2400" b="1" dirty="0" smtClean="0">
-                <a:solidFill>
-                  <a:schemeClr val="tx1">
-                    <a:lumMod val="75000"/>
-                    <a:lumOff val="25000"/>
-                  </a:schemeClr>
-                </a:solidFill>
-                <a:latin typeface="微软雅黑" pitchFamily="34" charset="-122"/>
-                <a:ea typeface="微软雅黑" pitchFamily="34" charset="-122"/>
-              </a:rPr>
-              <a:t>起点</a:t>
-            </a:r>
+              <a:t>的大小。默认值为</a:t>
+            </a:r>
+            <a:r>
+              <a:rPr lang="en-US" altLang="zh-CN" sz="2400" dirty="0" err="1" smtClean="0">
+                <a:solidFill>
+                  <a:schemeClr val="tx1">
+                    <a:lumMod val="75000"/>
+                    <a:lumOff val="25000"/>
+                  </a:schemeClr>
+                </a:solidFill>
+                <a:latin typeface="微软雅黑" pitchFamily="34" charset="-122"/>
+                <a:ea typeface="微软雅黑" pitchFamily="34" charset="-122"/>
+              </a:rPr>
+              <a:t>objectBoundingBox</a:t>
+            </a:r>
+            <a:r>
+              <a:rPr lang="en-US" altLang="zh-CN" sz="2400" dirty="0" smtClean="0">
+                <a:solidFill>
+                  <a:schemeClr val="tx1">
+                    <a:lumMod val="75000"/>
+                    <a:lumOff val="25000"/>
+                  </a:schemeClr>
+                </a:solidFill>
+                <a:latin typeface="微软雅黑" pitchFamily="34" charset="-122"/>
+                <a:ea typeface="微软雅黑" pitchFamily="34" charset="-122"/>
+              </a:rPr>
+              <a:t>.</a:t>
+            </a:r>
+          </a:p>
+          <a:p>
+            <a:pPr>
+              <a:lnSpc>
+                <a:spcPct val="150000"/>
+              </a:lnSpc>
+            </a:pPr>
             <a:r>
               <a:rPr lang="zh-CN" altLang="en-US" sz="2400" dirty="0" smtClean="0">
                 <a:solidFill>
@@ -9080,20 +8233,33 @@
                 <a:latin typeface="微软雅黑" pitchFamily="34" charset="-122"/>
                 <a:ea typeface="微软雅黑" pitchFamily="34" charset="-122"/>
               </a:rPr>
-              <a:t>和</a:t>
-            </a:r>
-            <a:r>
-              <a:rPr lang="zh-CN" altLang="en-US" sz="2400" b="1" dirty="0" smtClean="0">
-                <a:solidFill>
-                  <a:schemeClr val="tx1">
-                    <a:lumMod val="75000"/>
-                    <a:lumOff val="25000"/>
-                  </a:schemeClr>
-                </a:solidFill>
-                <a:latin typeface="微软雅黑" pitchFamily="34" charset="-122"/>
-                <a:ea typeface="微软雅黑" pitchFamily="34" charset="-122"/>
-              </a:rPr>
-              <a:t>终点</a:t>
+              <a:t>滤镜的</a:t>
+            </a:r>
+            <a:r>
+              <a:rPr lang="en-US" altLang="zh-CN" sz="2400" dirty="0" err="1" smtClean="0">
+                <a:solidFill>
+                  <a:schemeClr val="tx1">
+                    <a:lumMod val="75000"/>
+                    <a:lumOff val="25000"/>
+                  </a:schemeClr>
+                </a:solidFill>
+                <a:latin typeface="微软雅黑" pitchFamily="34" charset="-122"/>
+                <a:ea typeface="微软雅黑" pitchFamily="34" charset="-122"/>
+              </a:rPr>
+              <a:t>x,y,width,height</a:t>
+            </a:r>
+            <a:r>
+              <a:rPr lang="en-US" altLang="zh-CN" sz="2400" dirty="0" smtClean="0">
+                <a:solidFill>
+                  <a:schemeClr val="tx1">
+                    <a:lumMod val="75000"/>
+                    <a:lumOff val="25000"/>
+                  </a:schemeClr>
+                </a:solidFill>
+                <a:latin typeface="微软雅黑" pitchFamily="34" charset="-122"/>
+                <a:ea typeface="微软雅黑" pitchFamily="34" charset="-122"/>
+              </a:rPr>
+              <a:t>,</a:t>
             </a:r>
             <a:r>
               <a:rPr lang="zh-CN" altLang="en-US" sz="2400" dirty="0" smtClean="0">
@@ -9106,17 +8272,20 @@
                 <a:latin typeface="微软雅黑" pitchFamily="34" charset="-122"/>
                 <a:ea typeface="微软雅黑" pitchFamily="34" charset="-122"/>
               </a:rPr>
-              <a:t>。起点和终点分别用属性，</a:t>
+              <a:t>默认值为（</a:t>
             </a:r>
             <a:r>
               <a:rPr lang="en-US" altLang="zh-CN" sz="2400" dirty="0" smtClean="0">
                 <a:solidFill>
-                  <a:srgbClr val="FF0000"/>
-                </a:solidFill>
-                <a:latin typeface="微软雅黑" pitchFamily="34" charset="-122"/>
-                <a:ea typeface="微软雅黑" pitchFamily="34" charset="-122"/>
-              </a:rPr>
-              <a:t>x1,y1,x2,y2</a:t>
+                  <a:schemeClr val="tx1">
+                    <a:lumMod val="75000"/>
+                    <a:lumOff val="25000"/>
+                  </a:schemeClr>
+                </a:solidFill>
+                <a:latin typeface="微软雅黑" pitchFamily="34" charset="-122"/>
+                <a:ea typeface="微软雅黑" pitchFamily="34" charset="-122"/>
+              </a:rPr>
+              <a:t>-10%</a:t>
             </a:r>
             <a:r>
               <a:rPr lang="zh-CN" altLang="en-US" sz="2400" dirty="0" smtClean="0">
@@ -9129,17 +8298,46 @@
                 <a:latin typeface="微软雅黑" pitchFamily="34" charset="-122"/>
                 <a:ea typeface="微软雅黑" pitchFamily="34" charset="-122"/>
               </a:rPr>
-              <a:t>描述，单位使用</a:t>
+              <a:t>，</a:t>
+            </a:r>
+            <a:r>
+              <a:rPr lang="en-US" altLang="zh-CN" sz="2400" dirty="0" smtClean="0">
+                <a:solidFill>
+                  <a:schemeClr val="tx1">
+                    <a:lumMod val="75000"/>
+                    <a:lumOff val="25000"/>
+                  </a:schemeClr>
+                </a:solidFill>
+                <a:latin typeface="微软雅黑" pitchFamily="34" charset="-122"/>
+                <a:ea typeface="微软雅黑" pitchFamily="34" charset="-122"/>
+              </a:rPr>
+              <a:t>-10%</a:t>
             </a:r>
             <a:r>
               <a:rPr lang="zh-CN" altLang="en-US" sz="2400" dirty="0" smtClean="0">
                 <a:solidFill>
-                  <a:srgbClr val="FF0000"/>
-                </a:solidFill>
-                <a:latin typeface="微软雅黑" pitchFamily="34" charset="-122"/>
-                <a:ea typeface="微软雅黑" pitchFamily="34" charset="-122"/>
-              </a:rPr>
-              <a:t>百分比</a:t>
+                  <a:schemeClr val="tx1">
+                    <a:lumMod val="75000"/>
+                    <a:lumOff val="25000"/>
+                  </a:schemeClr>
+                </a:solidFill>
+                <a:latin typeface="微软雅黑" pitchFamily="34" charset="-122"/>
+                <a:ea typeface="微软雅黑" pitchFamily="34" charset="-122"/>
+              </a:rPr>
+              <a:t>，</a:t>
+            </a:r>
+            <a:r>
+              <a:rPr lang="en-US" altLang="zh-CN" sz="2400" dirty="0" smtClean="0">
+                <a:solidFill>
+                  <a:schemeClr val="tx1">
+                    <a:lumMod val="75000"/>
+                    <a:lumOff val="25000"/>
+                  </a:schemeClr>
+                </a:solidFill>
+                <a:latin typeface="微软雅黑" pitchFamily="34" charset="-122"/>
+                <a:ea typeface="微软雅黑" pitchFamily="34" charset="-122"/>
+              </a:rPr>
+              <a:t>110%</a:t>
             </a:r>
             <a:r>
               <a:rPr lang="zh-CN" altLang="en-US" sz="2400" dirty="0" smtClean="0">
@@ -9152,20 +8350,20 @@
                 <a:latin typeface="微软雅黑" pitchFamily="34" charset="-122"/>
                 <a:ea typeface="微软雅黑" pitchFamily="34" charset="-122"/>
               </a:rPr>
-              <a:t>（以使用渐变的元素的尺寸为参考）。一个剪片可以通过</a:t>
-            </a:r>
-            <a:r>
-              <a:rPr lang="en-US" altLang="zh-CN" sz="2400" dirty="0" err="1" smtClean="0">
-                <a:solidFill>
-                  <a:schemeClr val="tx1">
-                    <a:lumMod val="75000"/>
-                    <a:lumOff val="25000"/>
-                  </a:schemeClr>
-                </a:solidFill>
-                <a:latin typeface="微软雅黑" pitchFamily="34" charset="-122"/>
-                <a:ea typeface="微软雅黑" pitchFamily="34" charset="-122"/>
-              </a:rPr>
-              <a:t>xlink:href</a:t>
+              <a:t>，</a:t>
+            </a:r>
+            <a:r>
+              <a:rPr lang="en-US" altLang="zh-CN" sz="2400" dirty="0" smtClean="0">
+                <a:solidFill>
+                  <a:schemeClr val="tx1">
+                    <a:lumMod val="75000"/>
+                    <a:lumOff val="25000"/>
+                  </a:schemeClr>
+                </a:solidFill>
+                <a:latin typeface="微软雅黑" pitchFamily="34" charset="-122"/>
+                <a:ea typeface="微软雅黑" pitchFamily="34" charset="-122"/>
+              </a:rPr>
+              <a:t>110%</a:t>
             </a:r>
             <a:r>
               <a:rPr lang="zh-CN" altLang="en-US" sz="2400" dirty="0" smtClean="0">
@@ -9178,7 +8376,7 @@
                 <a:latin typeface="微软雅黑" pitchFamily="34" charset="-122"/>
                 <a:ea typeface="微软雅黑" pitchFamily="34" charset="-122"/>
               </a:rPr>
-              <a:t>属性引用另外一个渐变。</a:t>
+              <a:t>）。</a:t>
             </a:r>
             <a:endParaRPr lang="en-US" altLang="zh-CN" sz="2400" dirty="0" smtClean="0">
               <a:solidFill>
@@ -9191,180 +8389,164 @@
               <a:ea typeface="微软雅黑" pitchFamily="34" charset="-122"/>
             </a:endParaRPr>
           </a:p>
-        </p:txBody>
-      </p:sp>
-      <p:pic>
-        <p:nvPicPr>
-          <p:cNvPr id="3" name="图片 2" descr="屏幕剪辑"/>
-          <p:cNvPicPr>
-            <a:picLocks noChangeAspect="1"/>
-          </p:cNvPicPr>
-          <p:nvPr/>
-        </p:nvPicPr>
-        <p:blipFill>
-          <a:blip r:embed="rId2">
-            <a:extLst>
-              <a:ext uri="{28A0092B-C50C-407E-A947-70E740481C1C}">
-                <a14:useLocalDpi xmlns:a14="http://schemas.microsoft.com/office/drawing/2010/main" val="0"/>
-              </a:ext>
-            </a:extLst>
-          </a:blip>
-          <a:stretch>
-            <a:fillRect/>
-          </a:stretch>
-        </p:blipFill>
-        <p:spPr>
-          <a:xfrm>
-            <a:off x="1491353" y="3532952"/>
-            <a:ext cx="6449325" cy="962159"/>
-          </a:xfrm>
-          <a:prstGeom prst="rect">
-            <a:avLst/>
-          </a:prstGeom>
-          <a:ln>
-            <a:noFill/>
-          </a:ln>
-          <a:effectLst>
-            <a:outerShdw blurRad="292100" dist="139700" dir="2700000" algn="tl" rotWithShape="0">
-              <a:srgbClr val="333333">
-                <a:alpha val="65000"/>
-              </a:srgbClr>
-            </a:outerShdw>
-          </a:effectLst>
-        </p:spPr>
-      </p:pic>
-      <p:pic>
-        <p:nvPicPr>
-          <p:cNvPr id="4" name="图片 3" descr="屏幕剪辑"/>
-          <p:cNvPicPr>
-            <a:picLocks noChangeAspect="1"/>
-          </p:cNvPicPr>
-          <p:nvPr/>
-        </p:nvPicPr>
-        <p:blipFill>
-          <a:blip r:embed="rId3">
-            <a:extLst>
-              <a:ext uri="{28A0092B-C50C-407E-A947-70E740481C1C}">
-                <a14:useLocalDpi xmlns:a14="http://schemas.microsoft.com/office/drawing/2010/main" val="0"/>
-              </a:ext>
-            </a:extLst>
-          </a:blip>
-          <a:stretch>
-            <a:fillRect/>
-          </a:stretch>
-        </p:blipFill>
-        <p:spPr>
-          <a:xfrm>
-            <a:off x="2555776" y="4559757"/>
-            <a:ext cx="3456384" cy="2268764"/>
-          </a:xfrm>
-          <a:prstGeom prst="rect">
-            <a:avLst/>
-          </a:prstGeom>
-          <a:ln>
-            <a:noFill/>
-          </a:ln>
-          <a:effectLst>
-            <a:softEdge rad="112500"/>
-          </a:effectLst>
-        </p:spPr>
-      </p:pic>
-      <p:sp>
-        <p:nvSpPr>
-          <p:cNvPr id="8" name="矩形 7"/>
-          <p:cNvSpPr/>
-          <p:nvPr/>
-        </p:nvSpPr>
-        <p:spPr>
-          <a:xfrm>
-            <a:off x="1763688" y="3870015"/>
-            <a:ext cx="4104456" cy="288032"/>
-          </a:xfrm>
-          <a:prstGeom prst="rect">
-            <a:avLst/>
-          </a:prstGeom>
-          <a:noFill/>
-          <a:ln>
-            <a:solidFill>
-              <a:srgbClr val="FFFF00"/>
-            </a:solidFill>
-          </a:ln>
-        </p:spPr>
-        <p:style>
-          <a:lnRef idx="2">
-            <a:schemeClr val="accent1">
-              <a:shade val="50000"/>
-            </a:schemeClr>
-          </a:lnRef>
-          <a:fillRef idx="1">
-            <a:schemeClr val="accent1"/>
-          </a:fillRef>
-          <a:effectRef idx="0">
-            <a:schemeClr val="accent1"/>
-          </a:effectRef>
-          <a:fontRef idx="minor">
-            <a:schemeClr val="lt1"/>
-          </a:fontRef>
-        </p:style>
-        <p:txBody>
-          <a:bodyPr rtlCol="0" anchor="ctr"/>
-          <a:lstStyle/>
-          <a:p>
-            <a:pPr algn="ctr"/>
-            <a:endParaRPr lang="zh-CN" altLang="en-US"/>
-          </a:p>
-        </p:txBody>
-      </p:sp>
-      <p:sp>
-        <p:nvSpPr>
-          <p:cNvPr id="9" name="矩形 8"/>
-          <p:cNvSpPr/>
-          <p:nvPr/>
-        </p:nvSpPr>
-        <p:spPr>
-          <a:xfrm>
-            <a:off x="5148064" y="3573016"/>
-            <a:ext cx="2592288" cy="288032"/>
-          </a:xfrm>
-          <a:prstGeom prst="rect">
-            <a:avLst/>
-          </a:prstGeom>
-          <a:noFill/>
-          <a:ln>
-            <a:solidFill>
-              <a:srgbClr val="FFFF00"/>
-            </a:solidFill>
-          </a:ln>
-        </p:spPr>
-        <p:style>
-          <a:lnRef idx="2">
-            <a:schemeClr val="accent1">
-              <a:shade val="50000"/>
-            </a:schemeClr>
-          </a:lnRef>
-          <a:fillRef idx="1">
-            <a:schemeClr val="accent1"/>
-          </a:fillRef>
-          <a:effectRef idx="0">
-            <a:schemeClr val="accent1"/>
-          </a:effectRef>
-          <a:fontRef idx="minor">
-            <a:schemeClr val="lt1"/>
-          </a:fontRef>
-        </p:style>
-        <p:txBody>
-          <a:bodyPr rtlCol="0" anchor="ctr"/>
-          <a:lstStyle/>
-          <a:p>
-            <a:pPr algn="ctr"/>
-            <a:endParaRPr lang="zh-CN" altLang="en-US"/>
+          <a:p>
+            <a:pPr>
+              <a:lnSpc>
+                <a:spcPct val="150000"/>
+              </a:lnSpc>
+            </a:pPr>
+            <a:r>
+              <a:rPr lang="en-US" altLang="zh-CN" sz="2400" dirty="0" err="1" smtClean="0"/>
+              <a:t>userSpaceOnUse</a:t>
+            </a:r>
+            <a:r>
+              <a:rPr lang="zh-CN" altLang="en-US" sz="2400" dirty="0" smtClean="0"/>
+              <a:t>：用户坐标，由</a:t>
+            </a:r>
+            <a:r>
+              <a:rPr lang="en-US" altLang="zh-CN" sz="2400" dirty="0" smtClean="0"/>
+              <a:t>&lt;</a:t>
+            </a:r>
+            <a:r>
+              <a:rPr lang="en-US" altLang="zh-CN" sz="2400" dirty="0" err="1" smtClean="0"/>
+              <a:t>svg</a:t>
+            </a:r>
+            <a:r>
+              <a:rPr lang="en-US" altLang="zh-CN" sz="2400" dirty="0" smtClean="0"/>
+              <a:t>&gt;</a:t>
+            </a:r>
+            <a:r>
+              <a:rPr lang="zh-CN" altLang="en-US" sz="2400" dirty="0" smtClean="0"/>
+              <a:t>标签相关参数</a:t>
+            </a:r>
+            <a:r>
+              <a:rPr lang="zh-CN" altLang="en-US" sz="2400" dirty="0"/>
+              <a:t>决定</a:t>
+            </a:r>
+            <a:endParaRPr lang="en-US" altLang="zh-CN" sz="2400" dirty="0" smtClean="0"/>
+          </a:p>
+          <a:p>
+            <a:pPr>
+              <a:lnSpc>
+                <a:spcPct val="150000"/>
+              </a:lnSpc>
+            </a:pPr>
+            <a:r>
+              <a:rPr lang="en-US" altLang="zh-CN" sz="2400" dirty="0" err="1" smtClean="0"/>
+              <a:t>objectBoundingBox</a:t>
+            </a:r>
+            <a:r>
+              <a:rPr lang="zh-CN" altLang="en-US" sz="2400" dirty="0" smtClean="0"/>
+              <a:t>：以目标元素的大小为参考</a:t>
+            </a:r>
+            <a:endParaRPr lang="en-US" altLang="zh-CN" sz="2400" dirty="0" smtClean="0"/>
+          </a:p>
+          <a:p>
+            <a:pPr>
+              <a:lnSpc>
+                <a:spcPct val="150000"/>
+              </a:lnSpc>
+            </a:pPr>
+            <a:r>
+              <a:rPr lang="en-US" altLang="zh-CN" sz="2400" b="1" dirty="0" err="1" smtClean="0"/>
+              <a:t>primitiveUnits</a:t>
+            </a:r>
+            <a:r>
+              <a:rPr lang="zh-CN" altLang="en-US" sz="2400" dirty="0" smtClean="0"/>
+              <a:t>：</a:t>
+            </a:r>
+            <a:r>
+              <a:rPr lang="en-US" altLang="zh-CN" sz="2400" b="1" dirty="0"/>
+              <a:t> </a:t>
+            </a:r>
+            <a:r>
+              <a:rPr lang="en-US" altLang="zh-CN" sz="2400" b="1" dirty="0" err="1"/>
+              <a:t>userSpaceOnUse</a:t>
+            </a:r>
+            <a:r>
+              <a:rPr lang="en-US" altLang="zh-CN" sz="2400" dirty="0"/>
+              <a:t> | </a:t>
+            </a:r>
+            <a:r>
+              <a:rPr lang="en-US" altLang="zh-CN" sz="2400" dirty="0" err="1"/>
+              <a:t>objectBoundingBox</a:t>
+            </a:r>
+            <a:endParaRPr lang="en-US" altLang="zh-CN" sz="2400" dirty="0" smtClean="0"/>
+          </a:p>
+          <a:p>
+            <a:pPr>
+              <a:lnSpc>
+                <a:spcPct val="150000"/>
+              </a:lnSpc>
+            </a:pPr>
+            <a:r>
+              <a:rPr lang="zh-CN" altLang="en-US" sz="2400" dirty="0" smtClean="0">
+                <a:solidFill>
+                  <a:schemeClr val="tx1">
+                    <a:lumMod val="75000"/>
+                    <a:lumOff val="25000"/>
+                  </a:schemeClr>
+                </a:solidFill>
+                <a:latin typeface="微软雅黑" pitchFamily="34" charset="-122"/>
+                <a:ea typeface="微软雅黑" pitchFamily="34" charset="-122"/>
+              </a:rPr>
+              <a:t>定义滤镜单元的单位，也就是具体滤镜的单位。默认值为</a:t>
+            </a:r>
+            <a:r>
+              <a:rPr lang="en-US" altLang="zh-CN" sz="2400" dirty="0" err="1" smtClean="0"/>
+              <a:t>userSpaceOnUse</a:t>
+            </a:r>
+            <a:r>
+              <a:rPr lang="zh-CN" altLang="en-US" sz="2400" dirty="0" smtClean="0"/>
+              <a:t>。</a:t>
+            </a:r>
+            <a:endParaRPr lang="en-US" altLang="zh-CN" sz="2400" dirty="0" smtClean="0">
+              <a:solidFill>
+                <a:schemeClr val="tx1">
+                  <a:lumMod val="75000"/>
+                  <a:lumOff val="25000"/>
+                </a:schemeClr>
+              </a:solidFill>
+              <a:latin typeface="微软雅黑" pitchFamily="34" charset="-122"/>
+              <a:ea typeface="微软雅黑" pitchFamily="34" charset="-122"/>
+            </a:endParaRPr>
+          </a:p>
+          <a:p>
+            <a:pPr>
+              <a:lnSpc>
+                <a:spcPct val="150000"/>
+              </a:lnSpc>
+            </a:pPr>
+            <a:r>
+              <a:rPr lang="en-US" altLang="zh-CN" sz="2400" dirty="0">
+                <a:solidFill>
+                  <a:schemeClr val="tx1">
+                    <a:lumMod val="75000"/>
+                    <a:lumOff val="25000"/>
+                  </a:schemeClr>
+                </a:solidFill>
+                <a:latin typeface="微软雅黑" pitchFamily="34" charset="-122"/>
+                <a:ea typeface="微软雅黑" pitchFamily="34" charset="-122"/>
+              </a:rPr>
+              <a:t>	</a:t>
+            </a:r>
+            <a:endParaRPr lang="en-US" altLang="zh-CN" sz="2400" b="1" dirty="0" smtClean="0">
+              <a:solidFill>
+                <a:schemeClr val="tx1">
+                  <a:lumMod val="75000"/>
+                  <a:lumOff val="25000"/>
+                </a:schemeClr>
+              </a:solidFill>
+              <a:latin typeface="微软雅黑" pitchFamily="34" charset="-122"/>
+              <a:ea typeface="微软雅黑" pitchFamily="34" charset="-122"/>
+            </a:endParaRPr>
           </a:p>
         </p:txBody>
       </p:sp>
     </p:spTree>
     <p:extLst>
       <p:ext uri="{BB962C8B-B14F-4D97-AF65-F5344CB8AC3E}">
-        <p14:creationId xmlns:p14="http://schemas.microsoft.com/office/powerpoint/2010/main" val="265242201"/>
+        <p14:creationId xmlns:p14="http://schemas.microsoft.com/office/powerpoint/2010/main" val="372910118"/>
       </p:ext>
     </p:extLst>
   </p:cSld>
@@ -9399,7 +8581,7 @@
         </p:nvSpPr>
         <p:spPr>
           <a:xfrm>
-            <a:off x="827584" y="12680"/>
+            <a:off x="683568" y="116632"/>
             <a:ext cx="7776864" cy="1754326"/>
           </a:xfrm>
           <a:prstGeom prst="rect">
@@ -9418,6 +8600,19 @@
               </a:lnSpc>
             </a:pPr>
             <a:r>
+              <a:rPr lang="en-US" altLang="zh-CN" sz="2400" b="1" dirty="0">
+                <a:solidFill>
+                  <a:schemeClr val="tx1">
+                    <a:lumMod val="75000"/>
+                    <a:lumOff val="25000"/>
+                  </a:schemeClr>
+                </a:solidFill>
+                <a:latin typeface="微软雅黑" pitchFamily="34" charset="-122"/>
+                <a:ea typeface="微软雅黑" pitchFamily="34" charset="-122"/>
+              </a:rPr>
+              <a:t>4</a:t>
+            </a:r>
+            <a:r>
               <a:rPr lang="en-US" altLang="zh-CN" sz="2400" b="1" dirty="0" smtClean="0">
                 <a:solidFill>
                   <a:schemeClr val="tx1">
@@ -9428,7 +8623,7 @@
                 <a:latin typeface="微软雅黑" pitchFamily="34" charset="-122"/>
                 <a:ea typeface="微软雅黑" pitchFamily="34" charset="-122"/>
               </a:rPr>
-              <a:t>3-d </a:t>
+              <a:t> </a:t>
             </a:r>
             <a:r>
               <a:rPr lang="zh-CN" altLang="en-US" sz="2400" b="1" dirty="0" smtClean="0">
@@ -9441,7 +8636,20 @@
                 <a:latin typeface="微软雅黑" pitchFamily="34" charset="-122"/>
                 <a:ea typeface="微软雅黑" pitchFamily="34" charset="-122"/>
               </a:rPr>
-              <a:t>渐变的填充方式</a:t>
+              <a:t>图像滤镜 </a:t>
+            </a:r>
+            <a:r>
+              <a:rPr lang="en-US" altLang="zh-CN" sz="2400" b="1" dirty="0" err="1" smtClean="0">
+                <a:solidFill>
+                  <a:schemeClr val="tx1">
+                    <a:lumMod val="75000"/>
+                    <a:lumOff val="25000"/>
+                  </a:schemeClr>
+                </a:solidFill>
+                <a:latin typeface="微软雅黑" pitchFamily="34" charset="-122"/>
+                <a:ea typeface="微软雅黑" pitchFamily="34" charset="-122"/>
+              </a:rPr>
+              <a:t>feImage</a:t>
             </a:r>
             <a:endParaRPr lang="en-US" altLang="zh-CN" sz="2400" b="1" dirty="0" smtClean="0">
               <a:solidFill>
@@ -9471,7 +8679,7 @@
                 <a:latin typeface="微软雅黑" pitchFamily="34" charset="-122"/>
                 <a:ea typeface="微软雅黑" pitchFamily="34" charset="-122"/>
               </a:rPr>
-              <a:t>我们指定了</a:t>
+              <a:t>该滤镜获取图像并输出，可以调整图像的大小和位置，输入源可以是一张图片，也可以是另外一个</a:t>
             </a:r>
             <a:r>
               <a:rPr lang="en-US" altLang="zh-CN" sz="2400" dirty="0" smtClean="0">
@@ -9484,7 +8692,7 @@
                 <a:latin typeface="微软雅黑" pitchFamily="34" charset="-122"/>
                 <a:ea typeface="微软雅黑" pitchFamily="34" charset="-122"/>
               </a:rPr>
-              <a:t>10%</a:t>
+              <a:t>SVG</a:t>
             </a:r>
             <a:r>
               <a:rPr lang="zh-CN" altLang="en-US" sz="2400" dirty="0" smtClean="0">
@@ -9497,61 +8705,22 @@
                 <a:latin typeface="微软雅黑" pitchFamily="34" charset="-122"/>
                 <a:ea typeface="微软雅黑" pitchFamily="34" charset="-122"/>
               </a:rPr>
-              <a:t>到</a:t>
-            </a:r>
-            <a:r>
-              <a:rPr lang="en-US" altLang="zh-CN" sz="2400" dirty="0" smtClean="0">
-                <a:solidFill>
-                  <a:schemeClr val="tx1">
-                    <a:lumMod val="75000"/>
-                    <a:lumOff val="25000"/>
-                  </a:schemeClr>
-                </a:solidFill>
-                <a:latin typeface="微软雅黑" pitchFamily="34" charset="-122"/>
-                <a:ea typeface="微软雅黑" pitchFamily="34" charset="-122"/>
-              </a:rPr>
-              <a:t>30%</a:t>
-            </a:r>
-            <a:r>
-              <a:rPr lang="zh-CN" altLang="en-US" sz="2400" dirty="0" smtClean="0">
-                <a:solidFill>
-                  <a:schemeClr val="tx1">
-                    <a:lumMod val="75000"/>
-                    <a:lumOff val="25000"/>
-                  </a:schemeClr>
-                </a:solidFill>
-                <a:latin typeface="微软雅黑" pitchFamily="34" charset="-122"/>
-                <a:ea typeface="微软雅黑" pitchFamily="34" charset="-122"/>
-              </a:rPr>
-              <a:t>的颜色渐变，那么剩下区域的颜色如何变化呢？可以用</a:t>
-            </a:r>
-            <a:r>
-              <a:rPr lang="en-US" altLang="zh-CN" sz="2400" dirty="0" err="1" smtClean="0">
-                <a:solidFill>
-                  <a:schemeClr val="tx1">
-                    <a:lumMod val="75000"/>
-                    <a:lumOff val="25000"/>
-                  </a:schemeClr>
-                </a:solidFill>
-                <a:latin typeface="微软雅黑" pitchFamily="34" charset="-122"/>
-                <a:ea typeface="微软雅黑" pitchFamily="34" charset="-122"/>
-              </a:rPr>
-              <a:t>spreadMethod</a:t>
-            </a:r>
-            <a:r>
-              <a:rPr lang="zh-CN" altLang="en-US" sz="2400" dirty="0" smtClean="0">
-                <a:solidFill>
-                  <a:schemeClr val="tx1">
-                    <a:lumMod val="75000"/>
-                    <a:lumOff val="25000"/>
-                  </a:schemeClr>
-                </a:solidFill>
-                <a:latin typeface="微软雅黑" pitchFamily="34" charset="-122"/>
-                <a:ea typeface="微软雅黑" pitchFamily="34" charset="-122"/>
-              </a:rPr>
-              <a:t>属性设置，如下：</a:t>
-            </a:r>
-            <a:endParaRPr lang="en-US" altLang="zh-CN" sz="2400" dirty="0" smtClean="0">
+              <a:t>图。</a:t>
+            </a:r>
+            <a:r>
+              <a:rPr lang="en-US" altLang="zh-CN" sz="2400" dirty="0">
+                <a:solidFill>
+                  <a:schemeClr val="tx1">
+                    <a:lumMod val="75000"/>
+                    <a:lumOff val="25000"/>
+                  </a:schemeClr>
+                </a:solidFill>
+                <a:latin typeface="微软雅黑" pitchFamily="34" charset="-122"/>
+                <a:ea typeface="微软雅黑" pitchFamily="34" charset="-122"/>
+              </a:rPr>
+              <a:t>	</a:t>
+            </a:r>
+            <a:endParaRPr lang="en-US" altLang="zh-CN" sz="2400" b="1" dirty="0" smtClean="0">
               <a:solidFill>
                 <a:schemeClr val="tx1">
                   <a:lumMod val="75000"/>
@@ -9564,459 +8733,10 @@
           </a:p>
         </p:txBody>
       </p:sp>
-      <p:pic>
-        <p:nvPicPr>
-          <p:cNvPr id="5" name="图片 4" descr="屏幕剪辑"/>
-          <p:cNvPicPr>
-            <a:picLocks noChangeAspect="1"/>
-          </p:cNvPicPr>
-          <p:nvPr/>
-        </p:nvPicPr>
-        <p:blipFill>
-          <a:blip r:embed="rId2">
-            <a:extLst>
-              <a:ext uri="{28A0092B-C50C-407E-A947-70E740481C1C}">
-                <a14:useLocalDpi xmlns:a14="http://schemas.microsoft.com/office/drawing/2010/main" val="0"/>
-              </a:ext>
-            </a:extLst>
-          </a:blip>
-          <a:stretch>
-            <a:fillRect/>
-          </a:stretch>
-        </p:blipFill>
-        <p:spPr>
-          <a:xfrm>
-            <a:off x="867379" y="3357192"/>
-            <a:ext cx="2829573" cy="1800000"/>
-          </a:xfrm>
-          <a:prstGeom prst="rect">
-            <a:avLst/>
-          </a:prstGeom>
-          <a:ln>
-            <a:noFill/>
-          </a:ln>
-          <a:effectLst>
-            <a:softEdge rad="112500"/>
-          </a:effectLst>
-        </p:spPr>
-      </p:pic>
-      <p:pic>
-        <p:nvPicPr>
-          <p:cNvPr id="6" name="图片 5" descr="屏幕剪辑"/>
-          <p:cNvPicPr>
-            <a:picLocks noChangeAspect="1"/>
-          </p:cNvPicPr>
-          <p:nvPr/>
-        </p:nvPicPr>
-        <p:blipFill>
-          <a:blip r:embed="rId3">
-            <a:extLst>
-              <a:ext uri="{28A0092B-C50C-407E-A947-70E740481C1C}">
-                <a14:useLocalDpi xmlns:a14="http://schemas.microsoft.com/office/drawing/2010/main" val="0"/>
-              </a:ext>
-            </a:extLst>
-          </a:blip>
-          <a:stretch>
-            <a:fillRect/>
-          </a:stretch>
-        </p:blipFill>
-        <p:spPr>
-          <a:xfrm>
-            <a:off x="866189" y="5058000"/>
-            <a:ext cx="2811628" cy="1800000"/>
-          </a:xfrm>
-          <a:prstGeom prst="rect">
-            <a:avLst/>
-          </a:prstGeom>
-          <a:ln>
-            <a:noFill/>
-          </a:ln>
-          <a:effectLst>
-            <a:softEdge rad="112500"/>
-          </a:effectLst>
-        </p:spPr>
-      </p:pic>
-      <p:pic>
-        <p:nvPicPr>
-          <p:cNvPr id="7" name="图片 6" descr="屏幕剪辑"/>
-          <p:cNvPicPr>
-            <a:picLocks noChangeAspect="1"/>
-          </p:cNvPicPr>
-          <p:nvPr/>
-        </p:nvPicPr>
-        <p:blipFill rotWithShape="1">
-          <a:blip r:embed="rId4">
-            <a:extLst>
-              <a:ext uri="{28A0092B-C50C-407E-A947-70E740481C1C}">
-                <a14:useLocalDpi xmlns:a14="http://schemas.microsoft.com/office/drawing/2010/main" val="0"/>
-              </a:ext>
-            </a:extLst>
-          </a:blip>
-          <a:srcRect t="2468"/>
-          <a:stretch/>
-        </p:blipFill>
-        <p:spPr>
-          <a:xfrm>
-            <a:off x="895533" y="1700808"/>
-            <a:ext cx="2742238" cy="1755576"/>
-          </a:xfrm>
-          <a:prstGeom prst="rect">
-            <a:avLst/>
-          </a:prstGeom>
-          <a:ln>
-            <a:noFill/>
-          </a:ln>
-          <a:effectLst>
-            <a:softEdge rad="112500"/>
-          </a:effectLst>
-        </p:spPr>
-      </p:pic>
-      <p:sp>
-        <p:nvSpPr>
-          <p:cNvPr id="8" name="圆角矩形标注 7"/>
-          <p:cNvSpPr/>
-          <p:nvPr/>
-        </p:nvSpPr>
-        <p:spPr>
-          <a:xfrm>
-            <a:off x="3995936" y="2060848"/>
-            <a:ext cx="3384376" cy="864096"/>
-          </a:xfrm>
-          <a:prstGeom prst="wedgeRoundRectCallout">
-            <a:avLst>
-              <a:gd name="adj1" fmla="val -56292"/>
-              <a:gd name="adj2" fmla="val -21278"/>
-              <a:gd name="adj3" fmla="val 16667"/>
-            </a:avLst>
-          </a:prstGeom>
-        </p:spPr>
-        <p:style>
-          <a:lnRef idx="2">
-            <a:schemeClr val="accent5"/>
-          </a:lnRef>
-          <a:fillRef idx="1">
-            <a:schemeClr val="lt1"/>
-          </a:fillRef>
-          <a:effectRef idx="0">
-            <a:schemeClr val="accent5"/>
-          </a:effectRef>
-          <a:fontRef idx="minor">
-            <a:schemeClr val="dk1"/>
-          </a:fontRef>
-        </p:style>
-        <p:txBody>
-          <a:bodyPr rtlCol="0" anchor="ctr"/>
-          <a:lstStyle/>
-          <a:p>
-            <a:pPr>
-              <a:lnSpc>
-                <a:spcPct val="150000"/>
-              </a:lnSpc>
-            </a:pPr>
-            <a:r>
-              <a:rPr lang="en-US" altLang="zh-CN" sz="2000" dirty="0" err="1" smtClean="0">
-                <a:solidFill>
-                  <a:schemeClr val="tx1">
-                    <a:lumMod val="75000"/>
-                    <a:lumOff val="25000"/>
-                  </a:schemeClr>
-                </a:solidFill>
-                <a:latin typeface="微软雅黑" pitchFamily="34" charset="-122"/>
-                <a:ea typeface="微软雅黑" pitchFamily="34" charset="-122"/>
-              </a:rPr>
-              <a:t>spreadMethod</a:t>
-            </a:r>
-            <a:r>
-              <a:rPr lang="en-US" altLang="zh-CN" sz="2000" dirty="0" smtClean="0">
-                <a:solidFill>
-                  <a:schemeClr val="tx1">
-                    <a:lumMod val="75000"/>
-                    <a:lumOff val="25000"/>
-                  </a:schemeClr>
-                </a:solidFill>
-                <a:latin typeface="微软雅黑" pitchFamily="34" charset="-122"/>
-                <a:ea typeface="微软雅黑" pitchFamily="34" charset="-122"/>
-              </a:rPr>
-              <a:t>=“pad” </a:t>
-            </a:r>
-          </a:p>
-          <a:p>
-            <a:pPr>
-              <a:lnSpc>
-                <a:spcPct val="150000"/>
-              </a:lnSpc>
-            </a:pPr>
-            <a:r>
-              <a:rPr lang="zh-CN" altLang="en-US" sz="2000" dirty="0" smtClean="0">
-                <a:solidFill>
-                  <a:schemeClr val="tx1">
-                    <a:lumMod val="75000"/>
-                    <a:lumOff val="25000"/>
-                  </a:schemeClr>
-                </a:solidFill>
-                <a:latin typeface="微软雅黑" pitchFamily="34" charset="-122"/>
-                <a:ea typeface="微软雅黑" pitchFamily="34" charset="-122"/>
-              </a:rPr>
-              <a:t>渐变扩展到边缘，默认属性</a:t>
-            </a:r>
-            <a:endParaRPr lang="en-US" altLang="zh-CN" sz="2000" dirty="0">
-              <a:solidFill>
-                <a:schemeClr val="tx1">
-                  <a:lumMod val="75000"/>
-                  <a:lumOff val="25000"/>
-                </a:schemeClr>
-              </a:solidFill>
-              <a:latin typeface="微软雅黑" pitchFamily="34" charset="-122"/>
-              <a:ea typeface="微软雅黑" pitchFamily="34" charset="-122"/>
-            </a:endParaRPr>
-          </a:p>
-        </p:txBody>
-      </p:sp>
-      <p:sp>
-        <p:nvSpPr>
-          <p:cNvPr id="9" name="圆角矩形标注 8"/>
-          <p:cNvSpPr/>
-          <p:nvPr/>
-        </p:nvSpPr>
-        <p:spPr>
-          <a:xfrm>
-            <a:off x="3989040" y="3825144"/>
-            <a:ext cx="3384376" cy="864096"/>
-          </a:xfrm>
-          <a:prstGeom prst="wedgeRoundRectCallout">
-            <a:avLst>
-              <a:gd name="adj1" fmla="val -56292"/>
-              <a:gd name="adj2" fmla="val -21278"/>
-              <a:gd name="adj3" fmla="val 16667"/>
-            </a:avLst>
-          </a:prstGeom>
-        </p:spPr>
-        <p:style>
-          <a:lnRef idx="2">
-            <a:schemeClr val="accent5"/>
-          </a:lnRef>
-          <a:fillRef idx="1">
-            <a:schemeClr val="lt1"/>
-          </a:fillRef>
-          <a:effectRef idx="0">
-            <a:schemeClr val="accent5"/>
-          </a:effectRef>
-          <a:fontRef idx="minor">
-            <a:schemeClr val="dk1"/>
-          </a:fontRef>
-        </p:style>
-        <p:txBody>
-          <a:bodyPr rtlCol="0" anchor="ctr"/>
-          <a:lstStyle/>
-          <a:p>
-            <a:pPr>
-              <a:lnSpc>
-                <a:spcPct val="150000"/>
-              </a:lnSpc>
-            </a:pPr>
-            <a:r>
-              <a:rPr lang="en-US" altLang="zh-CN" sz="2000" dirty="0" err="1" smtClean="0">
-                <a:solidFill>
-                  <a:schemeClr val="tx1">
-                    <a:lumMod val="75000"/>
-                    <a:lumOff val="25000"/>
-                  </a:schemeClr>
-                </a:solidFill>
-                <a:latin typeface="微软雅黑" pitchFamily="34" charset="-122"/>
-                <a:ea typeface="微软雅黑" pitchFamily="34" charset="-122"/>
-              </a:rPr>
-              <a:t>spreadMethod</a:t>
-            </a:r>
-            <a:r>
-              <a:rPr lang="en-US" altLang="zh-CN" sz="2000" dirty="0" smtClean="0">
-                <a:solidFill>
-                  <a:schemeClr val="tx1">
-                    <a:lumMod val="75000"/>
-                    <a:lumOff val="25000"/>
-                  </a:schemeClr>
-                </a:solidFill>
-                <a:latin typeface="微软雅黑" pitchFamily="34" charset="-122"/>
-                <a:ea typeface="微软雅黑" pitchFamily="34" charset="-122"/>
-              </a:rPr>
-              <a:t>=“repeat” </a:t>
-            </a:r>
-          </a:p>
-          <a:p>
-            <a:pPr>
-              <a:lnSpc>
-                <a:spcPct val="150000"/>
-              </a:lnSpc>
-            </a:pPr>
-            <a:r>
-              <a:rPr lang="zh-CN" altLang="en-US" sz="2000" dirty="0" smtClean="0">
-                <a:solidFill>
-                  <a:schemeClr val="tx1">
-                    <a:lumMod val="75000"/>
-                    <a:lumOff val="25000"/>
-                  </a:schemeClr>
-                </a:solidFill>
-                <a:latin typeface="微软雅黑" pitchFamily="34" charset="-122"/>
-                <a:ea typeface="微软雅黑" pitchFamily="34" charset="-122"/>
-              </a:rPr>
-              <a:t>渐变</a:t>
-            </a:r>
-            <a:r>
-              <a:rPr lang="zh-CN" altLang="en-US" sz="2000" dirty="0" smtClean="0">
-                <a:solidFill>
-                  <a:schemeClr val="tx1">
-                    <a:lumMod val="75000"/>
-                    <a:lumOff val="25000"/>
-                  </a:schemeClr>
-                </a:solidFill>
-                <a:latin typeface="微软雅黑" pitchFamily="34" charset="-122"/>
-                <a:ea typeface="微软雅黑" pitchFamily="34" charset="-122"/>
-              </a:rPr>
-              <a:t>不断重复</a:t>
-            </a:r>
-            <a:endParaRPr lang="en-US" altLang="zh-CN" sz="2000" dirty="0">
-              <a:solidFill>
-                <a:schemeClr val="tx1">
-                  <a:lumMod val="75000"/>
-                  <a:lumOff val="25000"/>
-                </a:schemeClr>
-              </a:solidFill>
-              <a:latin typeface="微软雅黑" pitchFamily="34" charset="-122"/>
-              <a:ea typeface="微软雅黑" pitchFamily="34" charset="-122"/>
-            </a:endParaRPr>
-          </a:p>
-        </p:txBody>
-      </p:sp>
-      <p:sp>
-        <p:nvSpPr>
-          <p:cNvPr id="10" name="圆角矩形标注 9"/>
-          <p:cNvSpPr/>
-          <p:nvPr/>
-        </p:nvSpPr>
-        <p:spPr>
-          <a:xfrm>
-            <a:off x="3957871" y="5301208"/>
-            <a:ext cx="3384376" cy="1332048"/>
-          </a:xfrm>
-          <a:prstGeom prst="wedgeRoundRectCallout">
-            <a:avLst>
-              <a:gd name="adj1" fmla="val -56292"/>
-              <a:gd name="adj2" fmla="val -21278"/>
-              <a:gd name="adj3" fmla="val 16667"/>
-            </a:avLst>
-          </a:prstGeom>
-        </p:spPr>
-        <p:style>
-          <a:lnRef idx="2">
-            <a:schemeClr val="accent5"/>
-          </a:lnRef>
-          <a:fillRef idx="1">
-            <a:schemeClr val="lt1"/>
-          </a:fillRef>
-          <a:effectRef idx="0">
-            <a:schemeClr val="accent5"/>
-          </a:effectRef>
-          <a:fontRef idx="minor">
-            <a:schemeClr val="dk1"/>
-          </a:fontRef>
-        </p:style>
-        <p:txBody>
-          <a:bodyPr rtlCol="0" anchor="ctr"/>
-          <a:lstStyle/>
-          <a:p>
-            <a:pPr>
-              <a:lnSpc>
-                <a:spcPct val="150000"/>
-              </a:lnSpc>
-            </a:pPr>
-            <a:r>
-              <a:rPr lang="en-US" altLang="zh-CN" sz="2000" dirty="0" err="1" smtClean="0">
-                <a:solidFill>
-                  <a:schemeClr val="tx1">
-                    <a:lumMod val="75000"/>
-                    <a:lumOff val="25000"/>
-                  </a:schemeClr>
-                </a:solidFill>
-                <a:latin typeface="微软雅黑" pitchFamily="34" charset="-122"/>
-                <a:ea typeface="微软雅黑" pitchFamily="34" charset="-122"/>
-              </a:rPr>
-              <a:t>spreadMethod</a:t>
-            </a:r>
-            <a:r>
-              <a:rPr lang="en-US" altLang="zh-CN" sz="2000" dirty="0" smtClean="0">
-                <a:solidFill>
-                  <a:schemeClr val="tx1">
-                    <a:lumMod val="75000"/>
-                    <a:lumOff val="25000"/>
-                  </a:schemeClr>
-                </a:solidFill>
-                <a:latin typeface="微软雅黑" pitchFamily="34" charset="-122"/>
-                <a:ea typeface="微软雅黑" pitchFamily="34" charset="-122"/>
-              </a:rPr>
-              <a:t>=“repeat” </a:t>
-            </a:r>
-          </a:p>
-          <a:p>
-            <a:pPr>
-              <a:lnSpc>
-                <a:spcPct val="150000"/>
-              </a:lnSpc>
-            </a:pPr>
-            <a:r>
-              <a:rPr lang="zh-CN" altLang="en-US" sz="2000" dirty="0" smtClean="0">
-                <a:solidFill>
-                  <a:schemeClr val="tx1">
-                    <a:lumMod val="75000"/>
-                    <a:lumOff val="25000"/>
-                  </a:schemeClr>
-                </a:solidFill>
-                <a:latin typeface="微软雅黑" pitchFamily="34" charset="-122"/>
-                <a:ea typeface="微软雅黑" pitchFamily="34" charset="-122"/>
-              </a:rPr>
-              <a:t>渐变，反向渐变</a:t>
-            </a:r>
-            <a:r>
-              <a:rPr lang="en-US" altLang="zh-CN" sz="2000" dirty="0" smtClean="0">
-                <a:solidFill>
-                  <a:schemeClr val="tx1">
-                    <a:lumMod val="75000"/>
-                    <a:lumOff val="25000"/>
-                  </a:schemeClr>
-                </a:solidFill>
-                <a:latin typeface="微软雅黑" pitchFamily="34" charset="-122"/>
-                <a:ea typeface="微软雅黑" pitchFamily="34" charset="-122"/>
-              </a:rPr>
-              <a:t>…</a:t>
-            </a:r>
-            <a:r>
-              <a:rPr lang="zh-CN" altLang="en-US" sz="2000" dirty="0" smtClean="0">
-                <a:solidFill>
-                  <a:schemeClr val="tx1">
-                    <a:lumMod val="75000"/>
-                    <a:lumOff val="25000"/>
-                  </a:schemeClr>
-                </a:solidFill>
-                <a:latin typeface="微软雅黑" pitchFamily="34" charset="-122"/>
-                <a:ea typeface="微软雅黑" pitchFamily="34" charset="-122"/>
-              </a:rPr>
-              <a:t>不断重复</a:t>
-            </a:r>
-            <a:endParaRPr lang="en-US" altLang="zh-CN" sz="2000" dirty="0">
-              <a:solidFill>
-                <a:schemeClr val="tx1">
-                  <a:lumMod val="75000"/>
-                  <a:lumOff val="25000"/>
-                </a:schemeClr>
-              </a:solidFill>
-              <a:latin typeface="微软雅黑" pitchFamily="34" charset="-122"/>
-              <a:ea typeface="微软雅黑" pitchFamily="34" charset="-122"/>
-            </a:endParaRPr>
-          </a:p>
-        </p:txBody>
-      </p:sp>
     </p:spTree>
     <p:extLst>
       <p:ext uri="{BB962C8B-B14F-4D97-AF65-F5344CB8AC3E}">
-        <p14:creationId xmlns:p14="http://schemas.microsoft.com/office/powerpoint/2010/main" val="3478164551"/>
+        <p14:creationId xmlns:p14="http://schemas.microsoft.com/office/powerpoint/2010/main" val="2323600067"/>
       </p:ext>
     </p:extLst>
   </p:cSld>
@@ -10051,8 +8771,8 @@
         </p:nvSpPr>
         <p:spPr>
           <a:xfrm>
-            <a:off x="827584" y="12680"/>
-            <a:ext cx="7776864" cy="2862322"/>
+            <a:off x="683568" y="116632"/>
+            <a:ext cx="7776864" cy="1754326"/>
           </a:xfrm>
           <a:prstGeom prst="rect">
             <a:avLst/>
@@ -10080,7 +8800,7 @@
                 <a:latin typeface="微软雅黑" pitchFamily="34" charset="-122"/>
                 <a:ea typeface="微软雅黑" pitchFamily="34" charset="-122"/>
               </a:rPr>
-              <a:t>3-e </a:t>
+              <a:t>5 </a:t>
             </a:r>
             <a:r>
               <a:rPr lang="zh-CN" altLang="en-US" sz="2400" b="1" dirty="0" smtClean="0">
@@ -10093,7 +8813,20 @@
                 <a:latin typeface="微软雅黑" pitchFamily="34" charset="-122"/>
                 <a:ea typeface="微软雅黑" pitchFamily="34" charset="-122"/>
               </a:rPr>
-              <a:t>渐变单位</a:t>
+              <a:t>填充滤镜 </a:t>
+            </a:r>
+            <a:r>
+              <a:rPr lang="en-US" altLang="zh-CN" sz="2400" b="1" dirty="0" err="1" smtClean="0">
+                <a:solidFill>
+                  <a:schemeClr val="tx1">
+                    <a:lumMod val="75000"/>
+                    <a:lumOff val="25000"/>
+                  </a:schemeClr>
+                </a:solidFill>
+                <a:latin typeface="微软雅黑" pitchFamily="34" charset="-122"/>
+                <a:ea typeface="微软雅黑" pitchFamily="34" charset="-122"/>
+              </a:rPr>
+              <a:t>feFlood</a:t>
             </a:r>
             <a:endParaRPr lang="en-US" altLang="zh-CN" sz="2400" b="1" dirty="0" smtClean="0">
               <a:solidFill>
@@ -10123,20 +8856,20 @@
                 <a:latin typeface="微软雅黑" pitchFamily="34" charset="-122"/>
                 <a:ea typeface="微软雅黑" pitchFamily="34" charset="-122"/>
               </a:rPr>
-              <a:t>渐变的单位通过属性</a:t>
-            </a:r>
-            <a:r>
-              <a:rPr lang="en-US" altLang="zh-CN" sz="2400" dirty="0" err="1" smtClean="0">
-                <a:solidFill>
-                  <a:schemeClr val="tx1">
-                    <a:lumMod val="75000"/>
-                    <a:lumOff val="25000"/>
-                  </a:schemeClr>
-                </a:solidFill>
-                <a:latin typeface="微软雅黑" pitchFamily="34" charset="-122"/>
-                <a:ea typeface="微软雅黑" pitchFamily="34" charset="-122"/>
-              </a:rPr>
-              <a:t>gradientUnits</a:t>
+              <a:t>该滤镜获取图像并输出，可以调整图像的大小和位置，输入源可以是一张图片，也可以是另外一个</a:t>
+            </a:r>
+            <a:r>
+              <a:rPr lang="en-US" altLang="zh-CN" sz="2400" dirty="0" smtClean="0">
+                <a:solidFill>
+                  <a:schemeClr val="tx1">
+                    <a:lumMod val="75000"/>
+                    <a:lumOff val="25000"/>
+                  </a:schemeClr>
+                </a:solidFill>
+                <a:latin typeface="微软雅黑" pitchFamily="34" charset="-122"/>
+                <a:ea typeface="微软雅黑" pitchFamily="34" charset="-122"/>
+              </a:rPr>
+              <a:t>SVG</a:t>
             </a:r>
             <a:r>
               <a:rPr lang="zh-CN" altLang="en-US" sz="2400" dirty="0" smtClean="0">
@@ -10149,165 +8882,22 @@
                 <a:latin typeface="微软雅黑" pitchFamily="34" charset="-122"/>
                 <a:ea typeface="微软雅黑" pitchFamily="34" charset="-122"/>
               </a:rPr>
-              <a:t>设置，默认为</a:t>
-            </a:r>
-            <a:r>
-              <a:rPr lang="en-US" altLang="zh-CN" sz="2400" dirty="0" err="1" smtClean="0">
-                <a:solidFill>
-                  <a:schemeClr val="tx1">
-                    <a:lumMod val="75000"/>
-                    <a:lumOff val="25000"/>
-                  </a:schemeClr>
-                </a:solidFill>
-                <a:latin typeface="微软雅黑" pitchFamily="34" charset="-122"/>
-                <a:ea typeface="微软雅黑" pitchFamily="34" charset="-122"/>
-              </a:rPr>
-              <a:t>objectBoundingBox</a:t>
-            </a:r>
-            <a:r>
-              <a:rPr lang="en-US" altLang="zh-CN" sz="2400" dirty="0" smtClean="0">
-                <a:solidFill>
-                  <a:schemeClr val="tx1">
-                    <a:lumMod val="75000"/>
-                    <a:lumOff val="25000"/>
-                  </a:schemeClr>
-                </a:solidFill>
-                <a:latin typeface="微软雅黑" pitchFamily="34" charset="-122"/>
-                <a:ea typeface="微软雅黑" pitchFamily="34" charset="-122"/>
-              </a:rPr>
-              <a:t>,</a:t>
-            </a:r>
-            <a:r>
-              <a:rPr lang="zh-CN" altLang="en-US" sz="2400" dirty="0" smtClean="0">
-                <a:solidFill>
-                  <a:schemeClr val="tx1">
-                    <a:lumMod val="75000"/>
-                    <a:lumOff val="25000"/>
-                  </a:schemeClr>
-                </a:solidFill>
-                <a:latin typeface="微软雅黑" pitchFamily="34" charset="-122"/>
-                <a:ea typeface="微软雅黑" pitchFamily="34" charset="-122"/>
-              </a:rPr>
-              <a:t>我们可以设置为</a:t>
-            </a:r>
-            <a:r>
-              <a:rPr lang="en-US" altLang="zh-CN" sz="2400" dirty="0" err="1" smtClean="0">
-                <a:solidFill>
-                  <a:schemeClr val="tx1">
-                    <a:lumMod val="75000"/>
-                    <a:lumOff val="25000"/>
-                  </a:schemeClr>
-                </a:solidFill>
-                <a:latin typeface="微软雅黑" pitchFamily="34" charset="-122"/>
-                <a:ea typeface="微软雅黑" pitchFamily="34" charset="-122"/>
-              </a:rPr>
-              <a:t>useSpaceOnUse</a:t>
-            </a:r>
-            <a:r>
-              <a:rPr lang="en-US" altLang="zh-CN" sz="2400" dirty="0" smtClean="0">
-                <a:solidFill>
-                  <a:schemeClr val="tx1">
-                    <a:lumMod val="75000"/>
-                    <a:lumOff val="25000"/>
-                  </a:schemeClr>
-                </a:solidFill>
-                <a:latin typeface="微软雅黑" pitchFamily="34" charset="-122"/>
-                <a:ea typeface="微软雅黑" pitchFamily="34" charset="-122"/>
-              </a:rPr>
-              <a:t>,</a:t>
-            </a:r>
-            <a:r>
-              <a:rPr lang="zh-CN" altLang="en-US" sz="2400" dirty="0" smtClean="0">
-                <a:solidFill>
-                  <a:schemeClr val="tx1">
-                    <a:lumMod val="75000"/>
-                    <a:lumOff val="25000"/>
-                  </a:schemeClr>
-                </a:solidFill>
-                <a:latin typeface="微软雅黑" pitchFamily="34" charset="-122"/>
-                <a:ea typeface="微软雅黑" pitchFamily="34" charset="-122"/>
-              </a:rPr>
-              <a:t>这两个单位的具体请参看</a:t>
-            </a:r>
-            <a:r>
-              <a:rPr lang="en-US" altLang="zh-CN" sz="2400" dirty="0" smtClean="0">
-                <a:solidFill>
-                  <a:schemeClr val="tx1">
-                    <a:lumMod val="75000"/>
-                    <a:lumOff val="25000"/>
-                  </a:schemeClr>
-                </a:solidFill>
-                <a:latin typeface="微软雅黑" pitchFamily="34" charset="-122"/>
-                <a:ea typeface="微软雅黑" pitchFamily="34" charset="-122"/>
-              </a:rPr>
-              <a:t>《</a:t>
-            </a:r>
-            <a:r>
-              <a:rPr lang="en-US" altLang="zh-CN" sz="2400" b="1" dirty="0" smtClean="0">
-                <a:solidFill>
-                  <a:schemeClr val="tx1">
-                    <a:lumMod val="75000"/>
-                    <a:lumOff val="25000"/>
-                  </a:schemeClr>
-                </a:solidFill>
-                <a:latin typeface="微软雅黑" pitchFamily="34" charset="-122"/>
-                <a:ea typeface="微软雅黑" pitchFamily="34" charset="-122"/>
-              </a:rPr>
-              <a:t>SVG</a:t>
-            </a:r>
-            <a:r>
-              <a:rPr lang="zh-CN" altLang="en-US" sz="2400" b="1" dirty="0">
-                <a:solidFill>
-                  <a:schemeClr val="tx1">
-                    <a:lumMod val="75000"/>
-                    <a:lumOff val="25000"/>
-                  </a:schemeClr>
-                </a:solidFill>
-                <a:latin typeface="微软雅黑" pitchFamily="34" charset="-122"/>
-                <a:ea typeface="微软雅黑" pitchFamily="34" charset="-122"/>
-              </a:rPr>
-              <a:t>蒙版和</a:t>
-            </a:r>
-            <a:r>
-              <a:rPr lang="zh-CN" altLang="en-US" sz="2400" b="1" dirty="0" smtClean="0">
-                <a:solidFill>
-                  <a:schemeClr val="tx1">
-                    <a:lumMod val="75000"/>
-                    <a:lumOff val="25000"/>
-                  </a:schemeClr>
-                </a:solidFill>
-                <a:latin typeface="微软雅黑" pitchFamily="34" charset="-122"/>
-                <a:ea typeface="微软雅黑" pitchFamily="34" charset="-122"/>
-              </a:rPr>
-              <a:t>图案</a:t>
-            </a:r>
-            <a:r>
-              <a:rPr lang="en-US" altLang="zh-CN" sz="2400" dirty="0" smtClean="0">
-                <a:solidFill>
-                  <a:schemeClr val="tx1">
-                    <a:lumMod val="75000"/>
-                    <a:lumOff val="25000"/>
-                  </a:schemeClr>
-                </a:solidFill>
-                <a:latin typeface="微软雅黑" pitchFamily="34" charset="-122"/>
-                <a:ea typeface="微软雅黑" pitchFamily="34" charset="-122"/>
-              </a:rPr>
-              <a:t>》</a:t>
-            </a:r>
-            <a:r>
-              <a:rPr lang="zh-CN" altLang="en-US" sz="2400" dirty="0" smtClean="0">
-                <a:solidFill>
-                  <a:schemeClr val="tx1">
-                    <a:lumMod val="75000"/>
-                    <a:lumOff val="25000"/>
-                  </a:schemeClr>
-                </a:solidFill>
-                <a:latin typeface="微软雅黑" pitchFamily="34" charset="-122"/>
-                <a:ea typeface="微软雅黑" pitchFamily="34" charset="-122"/>
-              </a:rPr>
-              <a:t>一讲，这里不再赘述。</a:t>
-            </a:r>
-            <a:endParaRPr lang="en-US" altLang="zh-CN" sz="2400" dirty="0" smtClean="0">
+              <a:t>图。</a:t>
+            </a:r>
+            <a:r>
+              <a:rPr lang="en-US" altLang="zh-CN" sz="2400" dirty="0">
+                <a:solidFill>
+                  <a:schemeClr val="tx1">
+                    <a:lumMod val="75000"/>
+                    <a:lumOff val="25000"/>
+                  </a:schemeClr>
+                </a:solidFill>
+                <a:latin typeface="微软雅黑" pitchFamily="34" charset="-122"/>
+                <a:ea typeface="微软雅黑" pitchFamily="34" charset="-122"/>
+              </a:rPr>
+              <a:t>	</a:t>
+            </a:r>
+            <a:endParaRPr lang="en-US" altLang="zh-CN" sz="2400" b="1" dirty="0" smtClean="0">
               <a:solidFill>
                 <a:schemeClr val="tx1">
                   <a:lumMod val="75000"/>
@@ -10323,7 +8913,7 @@
     </p:spTree>
     <p:extLst>
       <p:ext uri="{BB962C8B-B14F-4D97-AF65-F5344CB8AC3E}">
-        <p14:creationId xmlns:p14="http://schemas.microsoft.com/office/powerpoint/2010/main" val="3324432218"/>
+        <p14:creationId xmlns:p14="http://schemas.microsoft.com/office/powerpoint/2010/main" val="1242030559"/>
       </p:ext>
     </p:extLst>
   </p:cSld>
@@ -10358,8 +8948,8 @@
         </p:nvSpPr>
         <p:spPr>
           <a:xfrm>
-            <a:off x="827584" y="116632"/>
-            <a:ext cx="7776864" cy="2308324"/>
+            <a:off x="683568" y="116632"/>
+            <a:ext cx="7776864" cy="1754326"/>
           </a:xfrm>
           <a:prstGeom prst="rect">
             <a:avLst/>
@@ -10377,19 +8967,6 @@
               </a:lnSpc>
             </a:pPr>
             <a:r>
-              <a:rPr lang="en-US" altLang="zh-CN" sz="2400" b="1" dirty="0">
-                <a:solidFill>
-                  <a:schemeClr val="tx1">
-                    <a:lumMod val="75000"/>
-                    <a:lumOff val="25000"/>
-                  </a:schemeClr>
-                </a:solidFill>
-                <a:latin typeface="微软雅黑" pitchFamily="34" charset="-122"/>
-                <a:ea typeface="微软雅黑" pitchFamily="34" charset="-122"/>
-              </a:rPr>
-              <a:t>4</a:t>
-            </a:r>
-            <a:r>
               <a:rPr lang="en-US" altLang="zh-CN" sz="2400" b="1" dirty="0" smtClean="0">
                 <a:solidFill>
                   <a:schemeClr val="tx1">
@@ -10400,7 +8977,20 @@
                 <a:latin typeface="微软雅黑" pitchFamily="34" charset="-122"/>
                 <a:ea typeface="微软雅黑" pitchFamily="34" charset="-122"/>
               </a:rPr>
-              <a:t> SVG</a:t>
+              <a:t>6 </a:t>
+            </a:r>
+            <a:r>
+              <a:rPr lang="zh-CN" altLang="en-US" sz="2400" b="1" dirty="0">
+                <a:solidFill>
+                  <a:schemeClr val="tx1">
+                    <a:lumMod val="75000"/>
+                    <a:lumOff val="25000"/>
+                  </a:schemeClr>
+                </a:solidFill>
+                <a:latin typeface="微软雅黑" pitchFamily="34" charset="-122"/>
+                <a:ea typeface="微软雅黑" pitchFamily="34" charset="-122"/>
+              </a:rPr>
+              <a:t>平铺</a:t>
             </a:r>
             <a:r>
               <a:rPr lang="zh-CN" altLang="en-US" sz="2400" b="1" dirty="0" smtClean="0">
@@ -10413,7 +9003,20 @@
                 <a:latin typeface="微软雅黑" pitchFamily="34" charset="-122"/>
                 <a:ea typeface="微软雅黑" pitchFamily="34" charset="-122"/>
               </a:rPr>
-              <a:t>径向渐变</a:t>
+              <a:t>滤镜 </a:t>
+            </a:r>
+            <a:r>
+              <a:rPr lang="en-US" altLang="zh-CN" sz="2400" b="1" dirty="0" err="1" smtClean="0">
+                <a:solidFill>
+                  <a:schemeClr val="tx1">
+                    <a:lumMod val="75000"/>
+                    <a:lumOff val="25000"/>
+                  </a:schemeClr>
+                </a:solidFill>
+                <a:latin typeface="微软雅黑" pitchFamily="34" charset="-122"/>
+                <a:ea typeface="微软雅黑" pitchFamily="34" charset="-122"/>
+              </a:rPr>
+              <a:t>feTile</a:t>
             </a:r>
             <a:endParaRPr lang="en-US" altLang="zh-CN" sz="2400" b="1" dirty="0" smtClean="0">
               <a:solidFill>
@@ -10433,43 +9036,56 @@
               </a:lnSpc>
             </a:pPr>
             <a:r>
-              <a:rPr lang="en-US" altLang="zh-CN" sz="2400" b="1" dirty="0" smtClean="0">
-                <a:solidFill>
-                  <a:schemeClr val="tx1">
-                    <a:lumMod val="75000"/>
-                    <a:lumOff val="25000"/>
-                  </a:schemeClr>
-                </a:solidFill>
-                <a:latin typeface="微软雅黑" pitchFamily="34" charset="-122"/>
-                <a:ea typeface="微软雅黑" pitchFamily="34" charset="-122"/>
-              </a:rPr>
-              <a:t>4-a </a:t>
-            </a:r>
-            <a:r>
-              <a:rPr lang="zh-CN" altLang="en-US" sz="2400" b="1" dirty="0">
-                <a:solidFill>
-                  <a:schemeClr val="tx1">
-                    <a:lumMod val="75000"/>
-                    <a:lumOff val="25000"/>
-                  </a:schemeClr>
-                </a:solidFill>
-                <a:latin typeface="微软雅黑" pitchFamily="34" charset="-122"/>
-                <a:ea typeface="微软雅黑" pitchFamily="34" charset="-122"/>
-              </a:rPr>
-              <a:t>径向</a:t>
-            </a:r>
-            <a:r>
-              <a:rPr lang="zh-CN" altLang="en-US" sz="2400" b="1" dirty="0" smtClean="0">
-                <a:solidFill>
-                  <a:schemeClr val="tx1">
-                    <a:lumMod val="75000"/>
-                    <a:lumOff val="25000"/>
-                  </a:schemeClr>
-                </a:solidFill>
-                <a:latin typeface="微软雅黑" pitchFamily="34" charset="-122"/>
-                <a:ea typeface="微软雅黑" pitchFamily="34" charset="-122"/>
-              </a:rPr>
-              <a:t>渐变</a:t>
+              <a:rPr lang="zh-CN" altLang="en-US" sz="2400" dirty="0" smtClean="0">
+                <a:solidFill>
+                  <a:schemeClr val="tx1">
+                    <a:lumMod val="75000"/>
+                    <a:lumOff val="25000"/>
+                  </a:schemeClr>
+                </a:solidFill>
+                <a:latin typeface="微软雅黑" pitchFamily="34" charset="-122"/>
+                <a:ea typeface="微软雅黑" pitchFamily="34" charset="-122"/>
+              </a:rPr>
+              <a:t>该滤镜获取图像并输出，可以调整图像的大小和位置，输入源可以是一张图片，也可以是另外一个</a:t>
+            </a:r>
+            <a:r>
+              <a:rPr lang="en-US" altLang="zh-CN" sz="2400" dirty="0" smtClean="0">
+                <a:solidFill>
+                  <a:schemeClr val="tx1">
+                    <a:lumMod val="75000"/>
+                    <a:lumOff val="25000"/>
+                  </a:schemeClr>
+                </a:solidFill>
+                <a:latin typeface="微软雅黑" pitchFamily="34" charset="-122"/>
+                <a:ea typeface="微软雅黑" pitchFamily="34" charset="-122"/>
+              </a:rPr>
+              <a:t>SVG</a:t>
+            </a:r>
+            <a:r>
+              <a:rPr lang="zh-CN" altLang="en-US" sz="2400" dirty="0" smtClean="0">
+                <a:solidFill>
+                  <a:schemeClr val="tx1">
+                    <a:lumMod val="75000"/>
+                    <a:lumOff val="25000"/>
+                  </a:schemeClr>
+                </a:solidFill>
+                <a:latin typeface="微软雅黑" pitchFamily="34" charset="-122"/>
+                <a:ea typeface="微软雅黑" pitchFamily="34" charset="-122"/>
+              </a:rPr>
+              <a:t>图。</a:t>
+            </a:r>
+            <a:r>
+              <a:rPr lang="en-US" altLang="zh-CN" sz="2400" dirty="0">
+                <a:solidFill>
+                  <a:schemeClr val="tx1">
+                    <a:lumMod val="75000"/>
+                    <a:lumOff val="25000"/>
+                  </a:schemeClr>
+                </a:solidFill>
+                <a:latin typeface="微软雅黑" pitchFamily="34" charset="-122"/>
+                <a:ea typeface="微软雅黑" pitchFamily="34" charset="-122"/>
+              </a:rPr>
+              <a:t>	</a:t>
             </a:r>
             <a:endParaRPr lang="en-US" altLang="zh-CN" sz="2400" b="1" dirty="0" smtClean="0">
               <a:solidFill>
@@ -10482,708 +9098,12 @@
               <a:ea typeface="微软雅黑" pitchFamily="34" charset="-122"/>
             </a:endParaRPr>
           </a:p>
-          <a:p>
-            <a:pPr>
-              <a:lnSpc>
-                <a:spcPct val="150000"/>
-              </a:lnSpc>
-            </a:pPr>
-            <a:r>
-              <a:rPr lang="zh-CN" altLang="en-US" sz="2400" dirty="0">
-                <a:solidFill>
-                  <a:schemeClr val="tx1">
-                    <a:lumMod val="75000"/>
-                    <a:lumOff val="25000"/>
-                  </a:schemeClr>
-                </a:solidFill>
-                <a:latin typeface="微软雅黑" pitchFamily="34" charset="-122"/>
-                <a:ea typeface="微软雅黑" pitchFamily="34" charset="-122"/>
-              </a:rPr>
-              <a:t>径向</a:t>
-            </a:r>
-            <a:r>
-              <a:rPr lang="zh-CN" altLang="en-US" sz="2400" dirty="0" smtClean="0">
-                <a:solidFill>
-                  <a:schemeClr val="tx1">
-                    <a:lumMod val="75000"/>
-                    <a:lumOff val="25000"/>
-                  </a:schemeClr>
-                </a:solidFill>
-                <a:latin typeface="微软雅黑" pitchFamily="34" charset="-122"/>
-                <a:ea typeface="微软雅黑" pitchFamily="34" charset="-122"/>
-              </a:rPr>
-              <a:t>渐变</a:t>
-            </a:r>
-            <a:r>
-              <a:rPr lang="zh-CN" altLang="en-US" sz="2400" dirty="0" smtClean="0">
-                <a:solidFill>
-                  <a:schemeClr val="tx1">
-                    <a:lumMod val="75000"/>
-                    <a:lumOff val="25000"/>
-                  </a:schemeClr>
-                </a:solidFill>
-                <a:latin typeface="微软雅黑" pitchFamily="34" charset="-122"/>
-                <a:ea typeface="微软雅黑" pitchFamily="34" charset="-122"/>
-              </a:rPr>
-              <a:t>使用标签</a:t>
-            </a:r>
-            <a:r>
-              <a:rPr lang="en-US" altLang="zh-CN" sz="2400" dirty="0" smtClean="0">
-                <a:solidFill>
-                  <a:schemeClr val="tx1">
-                    <a:lumMod val="75000"/>
-                    <a:lumOff val="25000"/>
-                  </a:schemeClr>
-                </a:solidFill>
-                <a:latin typeface="微软雅黑" pitchFamily="34" charset="-122"/>
-                <a:ea typeface="微软雅黑" pitchFamily="34" charset="-122"/>
-              </a:rPr>
-              <a:t>&lt;</a:t>
-            </a:r>
-            <a:r>
-              <a:rPr lang="en-US" altLang="zh-CN" sz="2400" dirty="0" err="1" smtClean="0">
-                <a:solidFill>
-                  <a:schemeClr val="tx1">
-                    <a:lumMod val="75000"/>
-                    <a:lumOff val="25000"/>
-                  </a:schemeClr>
-                </a:solidFill>
-                <a:latin typeface="微软雅黑" pitchFamily="34" charset="-122"/>
-                <a:ea typeface="微软雅黑" pitchFamily="34" charset="-122"/>
-              </a:rPr>
-              <a:t>radialGradient</a:t>
-            </a:r>
-            <a:r>
-              <a:rPr lang="en-US" altLang="zh-CN" sz="2400" dirty="0" smtClean="0">
-                <a:solidFill>
-                  <a:schemeClr val="tx1">
-                    <a:lumMod val="75000"/>
-                    <a:lumOff val="25000"/>
-                  </a:schemeClr>
-                </a:solidFill>
-                <a:latin typeface="微软雅黑" pitchFamily="34" charset="-122"/>
-                <a:ea typeface="微软雅黑" pitchFamily="34" charset="-122"/>
-              </a:rPr>
-              <a:t>&gt;</a:t>
-            </a:r>
-            <a:r>
-              <a:rPr lang="zh-CN" altLang="en-US" sz="2400" dirty="0" smtClean="0">
-                <a:solidFill>
-                  <a:schemeClr val="tx1">
-                    <a:lumMod val="75000"/>
-                    <a:lumOff val="25000"/>
-                  </a:schemeClr>
-                </a:solidFill>
-                <a:latin typeface="微软雅黑" pitchFamily="34" charset="-122"/>
-                <a:ea typeface="微软雅黑" pitchFamily="34" charset="-122"/>
-              </a:rPr>
-              <a:t>，</a:t>
-            </a:r>
-            <a:r>
-              <a:rPr lang="en-US" altLang="zh-CN" sz="2400" dirty="0" smtClean="0">
-                <a:solidFill>
-                  <a:schemeClr val="tx1">
-                    <a:lumMod val="75000"/>
-                    <a:lumOff val="25000"/>
-                  </a:schemeClr>
-                </a:solidFill>
-                <a:latin typeface="微软雅黑" pitchFamily="34" charset="-122"/>
-                <a:ea typeface="微软雅黑" pitchFamily="34" charset="-122"/>
-              </a:rPr>
-              <a:t>offset</a:t>
-            </a:r>
-            <a:r>
-              <a:rPr lang="zh-CN" altLang="en-US" sz="2400" dirty="0" smtClean="0">
-                <a:solidFill>
-                  <a:schemeClr val="tx1">
-                    <a:lumMod val="75000"/>
-                    <a:lumOff val="25000"/>
-                  </a:schemeClr>
-                </a:solidFill>
-                <a:latin typeface="微软雅黑" pitchFamily="34" charset="-122"/>
-                <a:ea typeface="微软雅黑" pitchFamily="34" charset="-122"/>
-              </a:rPr>
-              <a:t>的值为</a:t>
-            </a:r>
-            <a:r>
-              <a:rPr lang="en-US" altLang="zh-CN" sz="2400" dirty="0" smtClean="0">
-                <a:solidFill>
-                  <a:schemeClr val="tx1">
-                    <a:lumMod val="75000"/>
-                    <a:lumOff val="25000"/>
-                  </a:schemeClr>
-                </a:solidFill>
-                <a:latin typeface="微软雅黑" pitchFamily="34" charset="-122"/>
-                <a:ea typeface="微软雅黑" pitchFamily="34" charset="-122"/>
-              </a:rPr>
-              <a:t>0%</a:t>
-            </a:r>
-            <a:r>
-              <a:rPr lang="zh-CN" altLang="en-US" sz="2400" dirty="0" smtClean="0">
-                <a:solidFill>
-                  <a:schemeClr val="tx1">
-                    <a:lumMod val="75000"/>
-                    <a:lumOff val="25000"/>
-                  </a:schemeClr>
-                </a:solidFill>
-                <a:latin typeface="微软雅黑" pitchFamily="34" charset="-122"/>
-                <a:ea typeface="微软雅黑" pitchFamily="34" charset="-122"/>
-              </a:rPr>
-              <a:t>，代表圆心处，</a:t>
-            </a:r>
-            <a:r>
-              <a:rPr lang="en-US" altLang="zh-CN" sz="2400" dirty="0" smtClean="0">
-                <a:solidFill>
-                  <a:schemeClr val="tx1">
-                    <a:lumMod val="75000"/>
-                    <a:lumOff val="25000"/>
-                  </a:schemeClr>
-                </a:solidFill>
-                <a:latin typeface="微软雅黑" pitchFamily="34" charset="-122"/>
-                <a:ea typeface="微软雅黑" pitchFamily="34" charset="-122"/>
-              </a:rPr>
-              <a:t>100%</a:t>
-            </a:r>
-            <a:r>
-              <a:rPr lang="zh-CN" altLang="en-US" sz="2400" dirty="0" smtClean="0">
-                <a:solidFill>
-                  <a:schemeClr val="tx1">
-                    <a:lumMod val="75000"/>
-                    <a:lumOff val="25000"/>
-                  </a:schemeClr>
-                </a:solidFill>
-                <a:latin typeface="微软雅黑" pitchFamily="34" charset="-122"/>
-                <a:ea typeface="微软雅黑" pitchFamily="34" charset="-122"/>
-              </a:rPr>
-              <a:t>代表圆周处，如下图：</a:t>
-            </a:r>
-            <a:endParaRPr lang="en-US" altLang="zh-CN" sz="2400" b="1" dirty="0" smtClean="0">
-              <a:solidFill>
-                <a:schemeClr val="tx1">
-                  <a:lumMod val="75000"/>
-                  <a:lumOff val="25000"/>
-                </a:schemeClr>
-              </a:solidFill>
-              <a:latin typeface="微软雅黑" pitchFamily="34" charset="-122"/>
-              <a:ea typeface="微软雅黑" pitchFamily="34" charset="-122"/>
-            </a:endParaRPr>
-          </a:p>
-        </p:txBody>
-      </p:sp>
-      <p:pic>
-        <p:nvPicPr>
-          <p:cNvPr id="5" name="图片 4" descr="屏幕剪辑"/>
-          <p:cNvPicPr>
-            <a:picLocks noChangeAspect="1"/>
-          </p:cNvPicPr>
-          <p:nvPr/>
-        </p:nvPicPr>
-        <p:blipFill>
-          <a:blip r:embed="rId2">
-            <a:extLst>
-              <a:ext uri="{28A0092B-C50C-407E-A947-70E740481C1C}">
-                <a14:useLocalDpi xmlns:a14="http://schemas.microsoft.com/office/drawing/2010/main" val="0"/>
-              </a:ext>
-            </a:extLst>
-          </a:blip>
-          <a:stretch>
-            <a:fillRect/>
-          </a:stretch>
-        </p:blipFill>
-        <p:spPr>
-          <a:xfrm>
-            <a:off x="938943" y="4488952"/>
-            <a:ext cx="3743847" cy="2324424"/>
-          </a:xfrm>
-          <a:prstGeom prst="rect">
-            <a:avLst/>
-          </a:prstGeom>
-          <a:ln>
-            <a:noFill/>
-          </a:ln>
-          <a:effectLst>
-            <a:softEdge rad="112500"/>
-          </a:effectLst>
-        </p:spPr>
-      </p:pic>
-      <p:pic>
-        <p:nvPicPr>
-          <p:cNvPr id="6" name="图片 5" descr="屏幕剪辑"/>
-          <p:cNvPicPr>
-            <a:picLocks noChangeAspect="1"/>
-          </p:cNvPicPr>
-          <p:nvPr/>
-        </p:nvPicPr>
-        <p:blipFill>
-          <a:blip r:embed="rId3">
-            <a:extLst>
-              <a:ext uri="{28A0092B-C50C-407E-A947-70E740481C1C}">
-                <a14:useLocalDpi xmlns:a14="http://schemas.microsoft.com/office/drawing/2010/main" val="0"/>
-              </a:ext>
-            </a:extLst>
-          </a:blip>
-          <a:stretch>
-            <a:fillRect/>
-          </a:stretch>
-        </p:blipFill>
-        <p:spPr>
-          <a:xfrm>
-            <a:off x="971600" y="2874794"/>
-            <a:ext cx="6849431" cy="1562318"/>
-          </a:xfrm>
-          <a:prstGeom prst="rect">
-            <a:avLst/>
-          </a:prstGeom>
-          <a:ln>
-            <a:noFill/>
-          </a:ln>
-          <a:effectLst>
-            <a:outerShdw blurRad="292100" dist="139700" dir="2700000" algn="tl" rotWithShape="0">
-              <a:srgbClr val="333333">
-                <a:alpha val="65000"/>
-              </a:srgbClr>
-            </a:outerShdw>
-          </a:effectLst>
-        </p:spPr>
-      </p:pic>
-      <p:cxnSp>
-        <p:nvCxnSpPr>
-          <p:cNvPr id="8" name="直接箭头连接符 7"/>
-          <p:cNvCxnSpPr/>
-          <p:nvPr/>
-        </p:nvCxnSpPr>
-        <p:spPr>
-          <a:xfrm>
-            <a:off x="1691680" y="4632968"/>
-            <a:ext cx="0" cy="576064"/>
-          </a:xfrm>
-          <a:prstGeom prst="straightConnector1">
-            <a:avLst/>
-          </a:prstGeom>
-          <a:ln w="28575">
-            <a:solidFill>
-              <a:srgbClr val="FF0000"/>
-            </a:solidFill>
-            <a:headEnd type="triangle"/>
-            <a:tailEnd type="triangle"/>
-          </a:ln>
-        </p:spPr>
-        <p:style>
-          <a:lnRef idx="1">
-            <a:schemeClr val="accent1"/>
-          </a:lnRef>
-          <a:fillRef idx="0">
-            <a:schemeClr val="accent1"/>
-          </a:fillRef>
-          <a:effectRef idx="0">
-            <a:schemeClr val="accent1"/>
-          </a:effectRef>
-          <a:fontRef idx="minor">
-            <a:schemeClr val="tx1"/>
-          </a:fontRef>
-        </p:style>
-      </p:cxnSp>
-      <p:cxnSp>
-        <p:nvCxnSpPr>
-          <p:cNvPr id="9" name="直接箭头连接符 8"/>
-          <p:cNvCxnSpPr/>
-          <p:nvPr/>
-        </p:nvCxnSpPr>
-        <p:spPr>
-          <a:xfrm>
-            <a:off x="1043608" y="5209032"/>
-            <a:ext cx="648072" cy="0"/>
-          </a:xfrm>
-          <a:prstGeom prst="straightConnector1">
-            <a:avLst/>
-          </a:prstGeom>
-          <a:ln w="28575">
-            <a:solidFill>
-              <a:srgbClr val="FF0000"/>
-            </a:solidFill>
-            <a:headEnd type="triangle"/>
-            <a:tailEnd type="triangle"/>
-          </a:ln>
-        </p:spPr>
-        <p:style>
-          <a:lnRef idx="1">
-            <a:schemeClr val="accent1"/>
-          </a:lnRef>
-          <a:fillRef idx="0">
-            <a:schemeClr val="accent1"/>
-          </a:fillRef>
-          <a:effectRef idx="0">
-            <a:schemeClr val="accent1"/>
-          </a:effectRef>
-          <a:fontRef idx="minor">
-            <a:schemeClr val="tx1"/>
-          </a:fontRef>
-        </p:style>
-      </p:cxnSp>
-      <p:sp>
-        <p:nvSpPr>
-          <p:cNvPr id="12" name="圆角矩形标注 11"/>
-          <p:cNvSpPr/>
-          <p:nvPr/>
-        </p:nvSpPr>
-        <p:spPr>
-          <a:xfrm>
-            <a:off x="2420889" y="4632968"/>
-            <a:ext cx="1863079" cy="846514"/>
-          </a:xfrm>
-          <a:prstGeom prst="wedgeRoundRectCallout">
-            <a:avLst>
-              <a:gd name="adj1" fmla="val -56292"/>
-              <a:gd name="adj2" fmla="val -21278"/>
-              <a:gd name="adj3" fmla="val 16667"/>
-            </a:avLst>
-          </a:prstGeom>
-        </p:spPr>
-        <p:style>
-          <a:lnRef idx="2">
-            <a:schemeClr val="accent5"/>
-          </a:lnRef>
-          <a:fillRef idx="1">
-            <a:schemeClr val="lt1"/>
-          </a:fillRef>
-          <a:effectRef idx="0">
-            <a:schemeClr val="accent5"/>
-          </a:effectRef>
-          <a:fontRef idx="minor">
-            <a:schemeClr val="dk1"/>
-          </a:fontRef>
-        </p:style>
-        <p:txBody>
-          <a:bodyPr rtlCol="0" anchor="ctr"/>
-          <a:lstStyle/>
-          <a:p>
-            <a:pPr>
-              <a:lnSpc>
-                <a:spcPct val="150000"/>
-              </a:lnSpc>
-            </a:pPr>
-            <a:r>
-              <a:rPr lang="en-US" altLang="zh-CN" sz="2000" dirty="0" smtClean="0">
-                <a:solidFill>
-                  <a:schemeClr val="tx1">
-                    <a:lumMod val="75000"/>
-                    <a:lumOff val="25000"/>
-                  </a:schemeClr>
-                </a:solidFill>
-                <a:latin typeface="微软雅黑" pitchFamily="34" charset="-122"/>
-                <a:ea typeface="微软雅黑" pitchFamily="34" charset="-122"/>
-              </a:rPr>
-              <a:t>cx=“20%”</a:t>
-            </a:r>
-            <a:r>
-              <a:rPr lang="en-US" altLang="zh-CN" sz="2000" dirty="0" smtClean="0">
-                <a:solidFill>
-                  <a:schemeClr val="tx1">
-                    <a:lumMod val="75000"/>
-                    <a:lumOff val="25000"/>
-                  </a:schemeClr>
-                </a:solidFill>
-                <a:latin typeface="微软雅黑" pitchFamily="34" charset="-122"/>
-                <a:ea typeface="微软雅黑" pitchFamily="34" charset="-122"/>
-              </a:rPr>
-              <a:t>,</a:t>
-            </a:r>
-            <a:r>
-              <a:rPr lang="zh-CN" altLang="en-US" sz="2000" dirty="0" smtClean="0">
-                <a:solidFill>
-                  <a:schemeClr val="tx1">
-                    <a:lumMod val="75000"/>
-                    <a:lumOff val="25000"/>
-                  </a:schemeClr>
-                </a:solidFill>
-                <a:latin typeface="微软雅黑" pitchFamily="34" charset="-122"/>
-                <a:ea typeface="微软雅黑" pitchFamily="34" charset="-122"/>
-              </a:rPr>
-              <a:t>默认</a:t>
-            </a:r>
-            <a:r>
-              <a:rPr lang="en-US" altLang="zh-CN" sz="2000" dirty="0" smtClean="0">
-                <a:solidFill>
-                  <a:schemeClr val="tx1">
-                    <a:lumMod val="75000"/>
-                    <a:lumOff val="25000"/>
-                  </a:schemeClr>
-                </a:solidFill>
-                <a:latin typeface="微软雅黑" pitchFamily="34" charset="-122"/>
-                <a:ea typeface="微软雅黑" pitchFamily="34" charset="-122"/>
-              </a:rPr>
-              <a:t>50%</a:t>
-            </a:r>
-            <a:endParaRPr lang="en-US" altLang="zh-CN" sz="2000" dirty="0">
-              <a:solidFill>
-                <a:schemeClr val="tx1">
-                  <a:lumMod val="75000"/>
-                  <a:lumOff val="25000"/>
-                </a:schemeClr>
-              </a:solidFill>
-              <a:latin typeface="微软雅黑" pitchFamily="34" charset="-122"/>
-              <a:ea typeface="微软雅黑" pitchFamily="34" charset="-122"/>
-            </a:endParaRPr>
-          </a:p>
-        </p:txBody>
-      </p:sp>
-      <p:sp>
-        <p:nvSpPr>
-          <p:cNvPr id="13" name="圆角矩形标注 12"/>
-          <p:cNvSpPr/>
-          <p:nvPr/>
-        </p:nvSpPr>
-        <p:spPr>
-          <a:xfrm>
-            <a:off x="1212425" y="5835246"/>
-            <a:ext cx="1575047" cy="741938"/>
-          </a:xfrm>
-          <a:prstGeom prst="wedgeRoundRectCallout">
-            <a:avLst>
-              <a:gd name="adj1" fmla="val -25191"/>
-              <a:gd name="adj2" fmla="val -68765"/>
-              <a:gd name="adj3" fmla="val 16667"/>
-            </a:avLst>
-          </a:prstGeom>
-        </p:spPr>
-        <p:style>
-          <a:lnRef idx="2">
-            <a:schemeClr val="accent5"/>
-          </a:lnRef>
-          <a:fillRef idx="1">
-            <a:schemeClr val="lt1"/>
-          </a:fillRef>
-          <a:effectRef idx="0">
-            <a:schemeClr val="accent5"/>
-          </a:effectRef>
-          <a:fontRef idx="minor">
-            <a:schemeClr val="dk1"/>
-          </a:fontRef>
-        </p:style>
-        <p:txBody>
-          <a:bodyPr rtlCol="0" anchor="ctr"/>
-          <a:lstStyle/>
-          <a:p>
-            <a:pPr>
-              <a:lnSpc>
-                <a:spcPct val="150000"/>
-              </a:lnSpc>
-            </a:pPr>
-            <a:r>
-              <a:rPr lang="en-US" altLang="zh-CN" sz="2000" dirty="0" smtClean="0">
-                <a:solidFill>
-                  <a:schemeClr val="tx1">
-                    <a:lumMod val="75000"/>
-                    <a:lumOff val="25000"/>
-                  </a:schemeClr>
-                </a:solidFill>
-                <a:latin typeface="微软雅黑" pitchFamily="34" charset="-122"/>
-                <a:ea typeface="微软雅黑" pitchFamily="34" charset="-122"/>
-              </a:rPr>
-              <a:t>cy=“</a:t>
-            </a:r>
-            <a:r>
-              <a:rPr lang="en-US" altLang="zh-CN" sz="2000" dirty="0">
-                <a:solidFill>
-                  <a:schemeClr val="tx1">
-                    <a:lumMod val="75000"/>
-                    <a:lumOff val="25000"/>
-                  </a:schemeClr>
-                </a:solidFill>
-                <a:latin typeface="微软雅黑" pitchFamily="34" charset="-122"/>
-                <a:ea typeface="微软雅黑" pitchFamily="34" charset="-122"/>
-              </a:rPr>
-              <a:t>3</a:t>
-            </a:r>
-            <a:r>
-              <a:rPr lang="en-US" altLang="zh-CN" sz="2000" dirty="0" smtClean="0">
-                <a:solidFill>
-                  <a:schemeClr val="tx1">
-                    <a:lumMod val="75000"/>
-                    <a:lumOff val="25000"/>
-                  </a:schemeClr>
-                </a:solidFill>
-                <a:latin typeface="微软雅黑" pitchFamily="34" charset="-122"/>
-                <a:ea typeface="微软雅黑" pitchFamily="34" charset="-122"/>
-              </a:rPr>
-              <a:t>0%”</a:t>
-            </a:r>
-            <a:r>
-              <a:rPr lang="zh-CN" altLang="en-US" sz="2000" dirty="0">
-                <a:solidFill>
-                  <a:schemeClr val="tx1">
-                    <a:lumMod val="75000"/>
-                    <a:lumOff val="25000"/>
-                  </a:schemeClr>
-                </a:solidFill>
-                <a:latin typeface="微软雅黑" pitchFamily="34" charset="-122"/>
-                <a:ea typeface="微软雅黑" pitchFamily="34" charset="-122"/>
-              </a:rPr>
-              <a:t>默认</a:t>
-            </a:r>
-            <a:r>
-              <a:rPr lang="en-US" altLang="zh-CN" sz="2000" dirty="0">
-                <a:solidFill>
-                  <a:schemeClr val="tx1">
-                    <a:lumMod val="75000"/>
-                    <a:lumOff val="25000"/>
-                  </a:schemeClr>
-                </a:solidFill>
-                <a:latin typeface="微软雅黑" pitchFamily="34" charset="-122"/>
-                <a:ea typeface="微软雅黑" pitchFamily="34" charset="-122"/>
-              </a:rPr>
-              <a:t>50%</a:t>
-            </a:r>
-            <a:endParaRPr lang="en-US" altLang="zh-CN" sz="2000" dirty="0">
-              <a:solidFill>
-                <a:schemeClr val="tx1">
-                  <a:lumMod val="75000"/>
-                  <a:lumOff val="25000"/>
-                </a:schemeClr>
-              </a:solidFill>
-              <a:latin typeface="微软雅黑" pitchFamily="34" charset="-122"/>
-              <a:ea typeface="微软雅黑" pitchFamily="34" charset="-122"/>
-            </a:endParaRPr>
-          </a:p>
-        </p:txBody>
-      </p:sp>
-      <p:sp>
-        <p:nvSpPr>
-          <p:cNvPr id="14" name="圆角矩形标注 13"/>
-          <p:cNvSpPr/>
-          <p:nvPr/>
-        </p:nvSpPr>
-        <p:spPr>
-          <a:xfrm>
-            <a:off x="4725144" y="4848992"/>
-            <a:ext cx="3095887" cy="1584176"/>
-          </a:xfrm>
-          <a:prstGeom prst="wedgeRoundRectCallout">
-            <a:avLst>
-              <a:gd name="adj1" fmla="val -56292"/>
-              <a:gd name="adj2" fmla="val -21278"/>
-              <a:gd name="adj3" fmla="val 16667"/>
-            </a:avLst>
-          </a:prstGeom>
-        </p:spPr>
-        <p:style>
-          <a:lnRef idx="2">
-            <a:schemeClr val="accent5"/>
-          </a:lnRef>
-          <a:fillRef idx="1">
-            <a:schemeClr val="lt1"/>
-          </a:fillRef>
-          <a:effectRef idx="0">
-            <a:schemeClr val="accent5"/>
-          </a:effectRef>
-          <a:fontRef idx="minor">
-            <a:schemeClr val="dk1"/>
-          </a:fontRef>
-        </p:style>
-        <p:txBody>
-          <a:bodyPr rtlCol="0" anchor="ctr"/>
-          <a:lstStyle/>
-          <a:p>
-            <a:pPr>
-              <a:lnSpc>
-                <a:spcPct val="150000"/>
-              </a:lnSpc>
-            </a:pPr>
-            <a:r>
-              <a:rPr lang="en-US" altLang="zh-CN" sz="2000" dirty="0">
-                <a:solidFill>
-                  <a:schemeClr val="tx1">
-                    <a:lumMod val="75000"/>
-                    <a:lumOff val="25000"/>
-                  </a:schemeClr>
-                </a:solidFill>
-                <a:latin typeface="微软雅黑" pitchFamily="34" charset="-122"/>
-                <a:ea typeface="微软雅黑" pitchFamily="34" charset="-122"/>
-              </a:rPr>
-              <a:t>r</a:t>
-            </a:r>
-            <a:r>
-              <a:rPr lang="en-US" altLang="zh-CN" sz="2000" dirty="0" smtClean="0">
-                <a:solidFill>
-                  <a:schemeClr val="tx1">
-                    <a:lumMod val="75000"/>
-                    <a:lumOff val="25000"/>
-                  </a:schemeClr>
-                </a:solidFill>
-                <a:latin typeface="微软雅黑" pitchFamily="34" charset="-122"/>
-                <a:ea typeface="微软雅黑" pitchFamily="34" charset="-122"/>
-              </a:rPr>
-              <a:t>=“30%”</a:t>
-            </a:r>
-            <a:r>
-              <a:rPr lang="zh-CN" altLang="en-US" sz="2000" dirty="0" smtClean="0">
-                <a:solidFill>
-                  <a:schemeClr val="tx1">
-                    <a:lumMod val="75000"/>
-                    <a:lumOff val="25000"/>
-                  </a:schemeClr>
-                </a:solidFill>
-                <a:latin typeface="微软雅黑" pitchFamily="34" charset="-122"/>
-                <a:ea typeface="微软雅黑" pitchFamily="34" charset="-122"/>
-              </a:rPr>
-              <a:t>，这个</a:t>
-            </a:r>
-            <a:r>
-              <a:rPr lang="en-US" altLang="zh-CN" sz="2000" dirty="0" smtClean="0">
-                <a:solidFill>
-                  <a:schemeClr val="tx1">
-                    <a:lumMod val="75000"/>
-                    <a:lumOff val="25000"/>
-                  </a:schemeClr>
-                </a:solidFill>
-                <a:latin typeface="微软雅黑" pitchFamily="34" charset="-122"/>
-                <a:ea typeface="微软雅黑" pitchFamily="34" charset="-122"/>
-              </a:rPr>
-              <a:t>30%</a:t>
-            </a:r>
-            <a:r>
-              <a:rPr lang="zh-CN" altLang="en-US" sz="2000" dirty="0" smtClean="0">
-                <a:solidFill>
-                  <a:schemeClr val="tx1">
-                    <a:lumMod val="75000"/>
-                    <a:lumOff val="25000"/>
-                  </a:schemeClr>
-                </a:solidFill>
-                <a:latin typeface="微软雅黑" pitchFamily="34" charset="-122"/>
-                <a:ea typeface="微软雅黑" pitchFamily="34" charset="-122"/>
-              </a:rPr>
-              <a:t>是填充对象的宽度和高度平均值的</a:t>
-            </a:r>
-            <a:r>
-              <a:rPr lang="en-US" altLang="zh-CN" sz="2000" dirty="0" smtClean="0">
-                <a:solidFill>
-                  <a:schemeClr val="tx1">
-                    <a:lumMod val="75000"/>
-                    <a:lumOff val="25000"/>
-                  </a:schemeClr>
-                </a:solidFill>
-                <a:latin typeface="微软雅黑" pitchFamily="34" charset="-122"/>
-                <a:ea typeface="微软雅黑" pitchFamily="34" charset="-122"/>
-              </a:rPr>
-              <a:t>30%</a:t>
-            </a:r>
-            <a:endParaRPr lang="en-US" altLang="zh-CN" sz="2000" dirty="0">
-              <a:solidFill>
-                <a:schemeClr val="tx1">
-                  <a:lumMod val="75000"/>
-                  <a:lumOff val="25000"/>
-                </a:schemeClr>
-              </a:solidFill>
-              <a:latin typeface="微软雅黑" pitchFamily="34" charset="-122"/>
-              <a:ea typeface="微软雅黑" pitchFamily="34" charset="-122"/>
-            </a:endParaRPr>
-          </a:p>
         </p:txBody>
       </p:sp>
     </p:spTree>
     <p:extLst>
       <p:ext uri="{BB962C8B-B14F-4D97-AF65-F5344CB8AC3E}">
-        <p14:creationId xmlns:p14="http://schemas.microsoft.com/office/powerpoint/2010/main" val="2236183252"/>
+        <p14:creationId xmlns:p14="http://schemas.microsoft.com/office/powerpoint/2010/main" val="3309438990"/>
       </p:ext>
     </p:extLst>
   </p:cSld>
@@ -11521,7 +9441,7 @@
     </a:clrScheme>
     <a:fontScheme name="Office">
       <a:majorFont>
-        <a:latin typeface="Calibri Light" panose="020F0302020204030204"/>
+        <a:latin typeface="Calibri Light"/>
         <a:ea typeface=""/>
         <a:cs typeface=""/>
         <a:font script="Jpan" typeface="ＭＳ Ｐゴシック"/>
@@ -11556,7 +9476,7 @@
         <a:font script="Geor" typeface="Sylfaen"/>
       </a:majorFont>
       <a:minorFont>
-        <a:latin typeface="Calibri" panose="020F0502020204030204"/>
+        <a:latin typeface="Calibri"/>
         <a:ea typeface=""/>
         <a:cs typeface=""/>
         <a:font script="Jpan" typeface="ＭＳ Ｐゴシック"/>
@@ -11733,7 +9653,7 @@
   <a:extraClrSchemeLst/>
   <a:extLst>
     <a:ext uri="{05A4C25C-085E-4340-85A3-A5531E510DB2}">
-      <thm15:themeFamily xmlns:thm15="http://schemas.microsoft.com/office/thememl/2012/main" name="Office Theme" id="{62F939B6-93AF-4DB8-9C6B-D6C7DFDC589F}" vid="{4A3C46E8-61CC-4603-A589-7422A47A8E4A}"/>
+      <thm15:themeFamily xmlns:thm15="http://schemas.microsoft.com/office/thememl/2012/main" xmlns="" name="Office Theme" id="{62F939B6-93AF-4DB8-9C6B-D6C7DFDC589F}" vid="{4A3C46E8-61CC-4603-A589-7422A47A8E4A}"/>
     </a:ext>
   </a:extLst>
 </a:theme>
